--- a/Prezentácia.pptx
+++ b/Prezentácia.pptx
@@ -5,27 +5,25 @@
     <p:sldMasterId id="2147483648" r:id="rId1"/>
   </p:sldMasterIdLst>
   <p:notesMasterIdLst>
-    <p:notesMasterId r:id="rId17"/>
+    <p:notesMasterId r:id="rId15"/>
   </p:notesMasterIdLst>
   <p:handoutMasterIdLst>
-    <p:handoutMasterId r:id="rId18"/>
+    <p:handoutMasterId r:id="rId16"/>
   </p:handoutMasterIdLst>
   <p:sldIdLst>
     <p:sldId id="256" r:id="rId2"/>
-    <p:sldId id="297" r:id="rId3"/>
-    <p:sldId id="298" r:id="rId4"/>
-    <p:sldId id="307" r:id="rId5"/>
-    <p:sldId id="303" r:id="rId6"/>
-    <p:sldId id="304" r:id="rId7"/>
-    <p:sldId id="306" r:id="rId8"/>
-    <p:sldId id="316" r:id="rId9"/>
-    <p:sldId id="315" r:id="rId10"/>
-    <p:sldId id="313" r:id="rId11"/>
-    <p:sldId id="314" r:id="rId12"/>
-    <p:sldId id="309" r:id="rId13"/>
-    <p:sldId id="290" r:id="rId14"/>
-    <p:sldId id="317" r:id="rId15"/>
-    <p:sldId id="318" r:id="rId16"/>
+    <p:sldId id="259" r:id="rId3"/>
+    <p:sldId id="260" r:id="rId4"/>
+    <p:sldId id="269" r:id="rId5"/>
+    <p:sldId id="261" r:id="rId6"/>
+    <p:sldId id="262" r:id="rId7"/>
+    <p:sldId id="263" r:id="rId8"/>
+    <p:sldId id="264" r:id="rId9"/>
+    <p:sldId id="265" r:id="rId10"/>
+    <p:sldId id="266" r:id="rId11"/>
+    <p:sldId id="267" r:id="rId12"/>
+    <p:sldId id="268" r:id="rId13"/>
+    <p:sldId id="258" r:id="rId14"/>
   </p:sldIdLst>
   <p:sldSz cx="10287000" cy="6858000" type="35mm"/>
   <p:notesSz cx="6858000" cy="9144000"/>
@@ -156,7 +154,7 @@
   </p:defaultTextStyle>
   <p:extLst>
     <p:ext uri="{EFAFB233-063F-42B5-8137-9DF3F51BA10A}">
-      <p15:sldGuideLst xmlns:p15="http://schemas.microsoft.com/office/powerpoint/2012/main" xmlns="">
+      <p15:sldGuideLst xmlns:p15="http://schemas.microsoft.com/office/powerpoint/2012/main">
         <p15:guide id="1" orient="horz" pos="2160">
           <p15:clr>
             <a:srgbClr val="A4A3A4"/>
@@ -223,14 +221,14 @@
           <a:effectLst/>
           <a:extLst>
             <a:ext uri="{909E8E84-426E-40DD-AFC4-6F175D3DCCD1}">
-              <a14:hiddenFill xmlns:a14="http://schemas.microsoft.com/office/drawing/2010/main" xmlns="">
+              <a14:hiddenFill xmlns:a14="http://schemas.microsoft.com/office/drawing/2010/main">
                 <a:solidFill>
                   <a:schemeClr val="accent1"/>
                 </a:solidFill>
               </a14:hiddenFill>
             </a:ext>
             <a:ext uri="{91240B29-F687-4F45-9708-019B960494DF}">
-              <a14:hiddenLine xmlns:a14="http://schemas.microsoft.com/office/drawing/2010/main" xmlns="" w="9525">
+              <a14:hiddenLine xmlns:a14="http://schemas.microsoft.com/office/drawing/2010/main" w="9525">
                 <a:solidFill>
                   <a:schemeClr val="tx1"/>
                 </a:solidFill>
@@ -240,7 +238,7 @@
               </a14:hiddenLine>
             </a:ext>
             <a:ext uri="{AF507438-7753-43E0-B8FC-AC1667EBCBE1}">
-              <a14:hiddenEffects xmlns:a14="http://schemas.microsoft.com/office/drawing/2010/main" xmlns="">
+              <a14:hiddenEffects xmlns:a14="http://schemas.microsoft.com/office/drawing/2010/main">
                 <a:effectLst>
                   <a:outerShdw dist="35921" dir="2700000" algn="ctr" rotWithShape="0">
                     <a:schemeClr val="bg2"/>
@@ -296,14 +294,14 @@
           <a:effectLst/>
           <a:extLst>
             <a:ext uri="{909E8E84-426E-40DD-AFC4-6F175D3DCCD1}">
-              <a14:hiddenFill xmlns:a14="http://schemas.microsoft.com/office/drawing/2010/main" xmlns="">
+              <a14:hiddenFill xmlns:a14="http://schemas.microsoft.com/office/drawing/2010/main">
                 <a:solidFill>
                   <a:schemeClr val="accent1"/>
                 </a:solidFill>
               </a14:hiddenFill>
             </a:ext>
             <a:ext uri="{91240B29-F687-4F45-9708-019B960494DF}">
-              <a14:hiddenLine xmlns:a14="http://schemas.microsoft.com/office/drawing/2010/main" xmlns="" w="9525">
+              <a14:hiddenLine xmlns:a14="http://schemas.microsoft.com/office/drawing/2010/main" w="9525">
                 <a:solidFill>
                   <a:schemeClr val="tx1"/>
                 </a:solidFill>
@@ -313,7 +311,7 @@
               </a14:hiddenLine>
             </a:ext>
             <a:ext uri="{AF507438-7753-43E0-B8FC-AC1667EBCBE1}">
-              <a14:hiddenEffects xmlns:a14="http://schemas.microsoft.com/office/drawing/2010/main" xmlns="">
+              <a14:hiddenEffects xmlns:a14="http://schemas.microsoft.com/office/drawing/2010/main">
                 <a:effectLst>
                   <a:outerShdw dist="35921" dir="2700000" algn="ctr" rotWithShape="0">
                     <a:schemeClr val="bg2"/>
@@ -369,14 +367,14 @@
           <a:effectLst/>
           <a:extLst>
             <a:ext uri="{909E8E84-426E-40DD-AFC4-6F175D3DCCD1}">
-              <a14:hiddenFill xmlns:a14="http://schemas.microsoft.com/office/drawing/2010/main" xmlns="">
+              <a14:hiddenFill xmlns:a14="http://schemas.microsoft.com/office/drawing/2010/main">
                 <a:solidFill>
                   <a:schemeClr val="accent1"/>
                 </a:solidFill>
               </a14:hiddenFill>
             </a:ext>
             <a:ext uri="{91240B29-F687-4F45-9708-019B960494DF}">
-              <a14:hiddenLine xmlns:a14="http://schemas.microsoft.com/office/drawing/2010/main" xmlns="" w="9525">
+              <a14:hiddenLine xmlns:a14="http://schemas.microsoft.com/office/drawing/2010/main" w="9525">
                 <a:solidFill>
                   <a:schemeClr val="tx1"/>
                 </a:solidFill>
@@ -386,7 +384,7 @@
               </a14:hiddenLine>
             </a:ext>
             <a:ext uri="{AF507438-7753-43E0-B8FC-AC1667EBCBE1}">
-              <a14:hiddenEffects xmlns:a14="http://schemas.microsoft.com/office/drawing/2010/main" xmlns="">
+              <a14:hiddenEffects xmlns:a14="http://schemas.microsoft.com/office/drawing/2010/main">
                 <a:effectLst>
                   <a:outerShdw dist="35921" dir="2700000" algn="ctr" rotWithShape="0">
                     <a:schemeClr val="bg2"/>
@@ -442,14 +440,14 @@
           <a:effectLst/>
           <a:extLst>
             <a:ext uri="{909E8E84-426E-40DD-AFC4-6F175D3DCCD1}">
-              <a14:hiddenFill xmlns:a14="http://schemas.microsoft.com/office/drawing/2010/main" xmlns="">
+              <a14:hiddenFill xmlns:a14="http://schemas.microsoft.com/office/drawing/2010/main">
                 <a:solidFill>
                   <a:schemeClr val="accent1"/>
                 </a:solidFill>
               </a14:hiddenFill>
             </a:ext>
             <a:ext uri="{91240B29-F687-4F45-9708-019B960494DF}">
-              <a14:hiddenLine xmlns:a14="http://schemas.microsoft.com/office/drawing/2010/main" xmlns="" w="9525">
+              <a14:hiddenLine xmlns:a14="http://schemas.microsoft.com/office/drawing/2010/main" w="9525">
                 <a:solidFill>
                   <a:schemeClr val="tx1"/>
                 </a:solidFill>
@@ -459,7 +457,7 @@
               </a14:hiddenLine>
             </a:ext>
             <a:ext uri="{AF507438-7753-43E0-B8FC-AC1667EBCBE1}">
-              <a14:hiddenEffects xmlns:a14="http://schemas.microsoft.com/office/drawing/2010/main" xmlns="">
+              <a14:hiddenEffects xmlns:a14="http://schemas.microsoft.com/office/drawing/2010/main">
                 <a:effectLst>
                   <a:outerShdw dist="35921" dir="2700000" algn="ctr" rotWithShape="0">
                     <a:schemeClr val="bg2"/>
@@ -498,7 +496,7 @@
     </p:spTree>
     <p:extLst>
       <p:ext uri="{BB962C8B-B14F-4D97-AF65-F5344CB8AC3E}">
-        <p14:creationId xmlns:p14="http://schemas.microsoft.com/office/powerpoint/2010/main" xmlns="" val="997261090"/>
+        <p14:creationId xmlns:p14="http://schemas.microsoft.com/office/powerpoint/2010/main" val="997261090"/>
       </p:ext>
     </p:extLst>
   </p:cSld>
@@ -556,14 +554,14 @@
           <a:effectLst/>
           <a:extLst>
             <a:ext uri="{909E8E84-426E-40DD-AFC4-6F175D3DCCD1}">
-              <a14:hiddenFill xmlns:a14="http://schemas.microsoft.com/office/drawing/2010/main" xmlns="">
+              <a14:hiddenFill xmlns:a14="http://schemas.microsoft.com/office/drawing/2010/main">
                 <a:solidFill>
                   <a:schemeClr val="accent1"/>
                 </a:solidFill>
               </a14:hiddenFill>
             </a:ext>
             <a:ext uri="{91240B29-F687-4F45-9708-019B960494DF}">
-              <a14:hiddenLine xmlns:a14="http://schemas.microsoft.com/office/drawing/2010/main" xmlns="" w="9525">
+              <a14:hiddenLine xmlns:a14="http://schemas.microsoft.com/office/drawing/2010/main" w="9525">
                 <a:solidFill>
                   <a:schemeClr val="tx1"/>
                 </a:solidFill>
@@ -573,7 +571,7 @@
               </a14:hiddenLine>
             </a:ext>
             <a:ext uri="{AF507438-7753-43E0-B8FC-AC1667EBCBE1}">
-              <a14:hiddenEffects xmlns:a14="http://schemas.microsoft.com/office/drawing/2010/main" xmlns="">
+              <a14:hiddenEffects xmlns:a14="http://schemas.microsoft.com/office/drawing/2010/main">
                 <a:effectLst>
                   <a:outerShdw dist="35921" dir="2700000" algn="ctr" rotWithShape="0">
                     <a:schemeClr val="bg2"/>
@@ -629,14 +627,14 @@
           <a:effectLst/>
           <a:extLst>
             <a:ext uri="{909E8E84-426E-40DD-AFC4-6F175D3DCCD1}">
-              <a14:hiddenFill xmlns:a14="http://schemas.microsoft.com/office/drawing/2010/main" xmlns="">
+              <a14:hiddenFill xmlns:a14="http://schemas.microsoft.com/office/drawing/2010/main">
                 <a:solidFill>
                   <a:schemeClr val="accent1"/>
                 </a:solidFill>
               </a14:hiddenFill>
             </a:ext>
             <a:ext uri="{91240B29-F687-4F45-9708-019B960494DF}">
-              <a14:hiddenLine xmlns:a14="http://schemas.microsoft.com/office/drawing/2010/main" xmlns="" w="9525">
+              <a14:hiddenLine xmlns:a14="http://schemas.microsoft.com/office/drawing/2010/main" w="9525">
                 <a:solidFill>
                   <a:schemeClr val="tx1"/>
                 </a:solidFill>
@@ -646,7 +644,7 @@
               </a14:hiddenLine>
             </a:ext>
             <a:ext uri="{AF507438-7753-43E0-B8FC-AC1667EBCBE1}">
-              <a14:hiddenEffects xmlns:a14="http://schemas.microsoft.com/office/drawing/2010/main" xmlns="">
+              <a14:hiddenEffects xmlns:a14="http://schemas.microsoft.com/office/drawing/2010/main">
                 <a:effectLst>
                   <a:outerShdw dist="35921" dir="2700000" algn="ctr" rotWithShape="0">
                     <a:schemeClr val="bg2"/>
@@ -707,14 +705,14 @@
           <a:effectLst/>
           <a:extLst>
             <a:ext uri="{909E8E84-426E-40DD-AFC4-6F175D3DCCD1}">
-              <a14:hiddenFill xmlns:a14="http://schemas.microsoft.com/office/drawing/2010/main" xmlns="">
+              <a14:hiddenFill xmlns:a14="http://schemas.microsoft.com/office/drawing/2010/main">
                 <a:solidFill>
                   <a:srgbClr val="FFFFFF"/>
                 </a:solidFill>
               </a14:hiddenFill>
             </a:ext>
             <a:ext uri="{AF507438-7753-43E0-B8FC-AC1667EBCBE1}">
-              <a14:hiddenEffects xmlns:a14="http://schemas.microsoft.com/office/drawing/2010/main" xmlns="">
+              <a14:hiddenEffects xmlns:a14="http://schemas.microsoft.com/office/drawing/2010/main">
                 <a:effectLst>
                   <a:outerShdw dist="35921" dir="2700000" algn="ctr" rotWithShape="0">
                     <a:srgbClr val="808080"/>
@@ -723,7 +721,7 @@
               </a14:hiddenEffects>
             </a:ext>
             <a:ext uri="{53640926-AAD7-44D8-BBD7-CCE9431645EC}">
-              <a14:shadowObscured xmlns:a14="http://schemas.microsoft.com/office/drawing/2010/main" xmlns="" val="1"/>
+              <a14:shadowObscured xmlns:a14="http://schemas.microsoft.com/office/drawing/2010/main" val="1"/>
             </a:ext>
           </a:extLst>
         </p:spPr>
@@ -753,14 +751,14 @@
           <a:effectLst/>
           <a:extLst>
             <a:ext uri="{909E8E84-426E-40DD-AFC4-6F175D3DCCD1}">
-              <a14:hiddenFill xmlns:a14="http://schemas.microsoft.com/office/drawing/2010/main" xmlns="">
+              <a14:hiddenFill xmlns:a14="http://schemas.microsoft.com/office/drawing/2010/main">
                 <a:solidFill>
                   <a:schemeClr val="accent1"/>
                 </a:solidFill>
               </a14:hiddenFill>
             </a:ext>
             <a:ext uri="{91240B29-F687-4F45-9708-019B960494DF}">
-              <a14:hiddenLine xmlns:a14="http://schemas.microsoft.com/office/drawing/2010/main" xmlns="" w="9525">
+              <a14:hiddenLine xmlns:a14="http://schemas.microsoft.com/office/drawing/2010/main" w="9525">
                 <a:solidFill>
                   <a:schemeClr val="tx1"/>
                 </a:solidFill>
@@ -770,7 +768,7 @@
               </a14:hiddenLine>
             </a:ext>
             <a:ext uri="{AF507438-7753-43E0-B8FC-AC1667EBCBE1}">
-              <a14:hiddenEffects xmlns:a14="http://schemas.microsoft.com/office/drawing/2010/main" xmlns="">
+              <a14:hiddenEffects xmlns:a14="http://schemas.microsoft.com/office/drawing/2010/main">
                 <a:effectLst>
                   <a:outerShdw dist="35921" dir="2700000" algn="ctr" rotWithShape="0">
                     <a:schemeClr val="bg2"/>
@@ -849,14 +847,14 @@
           <a:effectLst/>
           <a:extLst>
             <a:ext uri="{909E8E84-426E-40DD-AFC4-6F175D3DCCD1}">
-              <a14:hiddenFill xmlns:a14="http://schemas.microsoft.com/office/drawing/2010/main" xmlns="">
+              <a14:hiddenFill xmlns:a14="http://schemas.microsoft.com/office/drawing/2010/main">
                 <a:solidFill>
                   <a:schemeClr val="accent1"/>
                 </a:solidFill>
               </a14:hiddenFill>
             </a:ext>
             <a:ext uri="{91240B29-F687-4F45-9708-019B960494DF}">
-              <a14:hiddenLine xmlns:a14="http://schemas.microsoft.com/office/drawing/2010/main" xmlns="" w="9525">
+              <a14:hiddenLine xmlns:a14="http://schemas.microsoft.com/office/drawing/2010/main" w="9525">
                 <a:solidFill>
                   <a:schemeClr val="tx1"/>
                 </a:solidFill>
@@ -866,7 +864,7 @@
               </a14:hiddenLine>
             </a:ext>
             <a:ext uri="{AF507438-7753-43E0-B8FC-AC1667EBCBE1}">
-              <a14:hiddenEffects xmlns:a14="http://schemas.microsoft.com/office/drawing/2010/main" xmlns="">
+              <a14:hiddenEffects xmlns:a14="http://schemas.microsoft.com/office/drawing/2010/main">
                 <a:effectLst>
                   <a:outerShdw dist="35921" dir="2700000" algn="ctr" rotWithShape="0">
                     <a:schemeClr val="bg2"/>
@@ -922,14 +920,14 @@
           <a:effectLst/>
           <a:extLst>
             <a:ext uri="{909E8E84-426E-40DD-AFC4-6F175D3DCCD1}">
-              <a14:hiddenFill xmlns:a14="http://schemas.microsoft.com/office/drawing/2010/main" xmlns="">
+              <a14:hiddenFill xmlns:a14="http://schemas.microsoft.com/office/drawing/2010/main">
                 <a:solidFill>
                   <a:schemeClr val="accent1"/>
                 </a:solidFill>
               </a14:hiddenFill>
             </a:ext>
             <a:ext uri="{91240B29-F687-4F45-9708-019B960494DF}">
-              <a14:hiddenLine xmlns:a14="http://schemas.microsoft.com/office/drawing/2010/main" xmlns="" w="9525">
+              <a14:hiddenLine xmlns:a14="http://schemas.microsoft.com/office/drawing/2010/main" w="9525">
                 <a:solidFill>
                   <a:schemeClr val="tx1"/>
                 </a:solidFill>
@@ -939,7 +937,7 @@
               </a14:hiddenLine>
             </a:ext>
             <a:ext uri="{AF507438-7753-43E0-B8FC-AC1667EBCBE1}">
-              <a14:hiddenEffects xmlns:a14="http://schemas.microsoft.com/office/drawing/2010/main" xmlns="">
+              <a14:hiddenEffects xmlns:a14="http://schemas.microsoft.com/office/drawing/2010/main">
                 <a:effectLst>
                   <a:outerShdw dist="35921" dir="2700000" algn="ctr" rotWithShape="0">
                     <a:schemeClr val="bg2"/>
@@ -978,7 +976,7 @@
     </p:spTree>
     <p:extLst>
       <p:ext uri="{BB962C8B-B14F-4D97-AF65-F5344CB8AC3E}">
-        <p14:creationId xmlns:p14="http://schemas.microsoft.com/office/powerpoint/2010/main" xmlns="" val="406600878"/>
+        <p14:creationId xmlns:p14="http://schemas.microsoft.com/office/powerpoint/2010/main" val="406600878"/>
       </p:ext>
     </p:extLst>
   </p:cSld>
@@ -1303,367 +1301,262 @@
           <a:bodyPr/>
           <a:lstStyle/>
           <a:p>
+            <a:pPr marL="0" marR="0" lvl="0" indent="0" algn="l" defTabSz="914400" rtl="0" eaLnBrk="1" fontAlgn="base" latinLnBrk="0" hangingPunct="1">
+              <a:lnSpc>
+                <a:spcPct val="100000"/>
+              </a:lnSpc>
+              <a:spcBef>
+                <a:spcPct val="30000"/>
+              </a:spcBef>
+              <a:spcAft>
+                <a:spcPct val="0"/>
+              </a:spcAft>
+              <a:buClrTx/>
+              <a:buSzTx/>
+              <a:buFontTx/>
+              <a:buNone/>
+              <a:tabLst/>
+              <a:defRPr/>
+            </a:pPr>
+            <a:r>
+              <a:rPr lang="sk-SK" sz="1200" b="0" i="0" kern="1200" dirty="0" smtClean="0">
+                <a:solidFill>
+                  <a:schemeClr val="tx1"/>
+                </a:solidFill>
+                <a:effectLst/>
+                <a:latin typeface="Arial" charset="0"/>
+                <a:ea typeface="+mn-ea"/>
+                <a:cs typeface="+mn-cs"/>
+              </a:rPr>
+              <a:t>Moje meno je Milan Martiniak. Som </a:t>
+            </a:r>
+            <a:r>
+              <a:rPr lang="sk-SK" sz="1200" b="0" i="0" kern="1200" dirty="0" err="1" smtClean="0">
+                <a:solidFill>
+                  <a:schemeClr val="tx1"/>
+                </a:solidFill>
+                <a:effectLst/>
+                <a:latin typeface="Arial" charset="0"/>
+                <a:ea typeface="+mn-ea"/>
+                <a:cs typeface="+mn-cs"/>
+              </a:rPr>
+              <a:t>absolven</a:t>
+            </a:r>
+            <a:r>
+              <a:rPr lang="sk-SK" sz="1200" b="0" i="0" kern="1200" dirty="0" smtClean="0">
+                <a:solidFill>
+                  <a:schemeClr val="tx1"/>
+                </a:solidFill>
+                <a:effectLst/>
+                <a:latin typeface="Arial" charset="0"/>
+                <a:ea typeface="+mn-ea"/>
+                <a:cs typeface="+mn-cs"/>
+              </a:rPr>
+              <a:t> FRI a v súčasnosti pracujem ako senior developer v spoločnosti KROS a.s.</a:t>
+            </a:r>
+          </a:p>
+          <a:p>
+            <a:pPr marL="0" marR="0" lvl="0" indent="0" algn="l" defTabSz="914400" rtl="0" eaLnBrk="1" fontAlgn="base" latinLnBrk="0" hangingPunct="1">
+              <a:lnSpc>
+                <a:spcPct val="100000"/>
+              </a:lnSpc>
+              <a:spcBef>
+                <a:spcPct val="30000"/>
+              </a:spcBef>
+              <a:spcAft>
+                <a:spcPct val="0"/>
+              </a:spcAft>
+              <a:buClrTx/>
+              <a:buSzTx/>
+              <a:buFontTx/>
+              <a:buNone/>
+              <a:tabLst/>
+              <a:defRPr/>
+            </a:pPr>
+            <a:endParaRPr lang="sk-SK" sz="1200" b="0" i="0" kern="1200" dirty="0" smtClean="0">
+              <a:solidFill>
+                <a:schemeClr val="tx1"/>
+              </a:solidFill>
+              <a:effectLst/>
+              <a:latin typeface="Arial" charset="0"/>
+              <a:ea typeface="+mn-ea"/>
+              <a:cs typeface="+mn-cs"/>
+            </a:endParaRPr>
+          </a:p>
+          <a:p>
+            <a:pPr marL="0" marR="0" lvl="0" indent="0" algn="l" defTabSz="914400" rtl="0" eaLnBrk="1" fontAlgn="base" latinLnBrk="0" hangingPunct="1">
+              <a:lnSpc>
+                <a:spcPct val="100000"/>
+              </a:lnSpc>
+              <a:spcBef>
+                <a:spcPct val="30000"/>
+              </a:spcBef>
+              <a:spcAft>
+                <a:spcPct val="0"/>
+              </a:spcAft>
+              <a:buClrTx/>
+              <a:buSzTx/>
+              <a:buFontTx/>
+              <a:buNone/>
+              <a:tabLst/>
+              <a:defRPr/>
+            </a:pPr>
+            <a:r>
+              <a:rPr lang="pl-PL" sz="1200" b="0" i="0" kern="1200" dirty="0" smtClean="0">
+                <a:solidFill>
+                  <a:schemeClr val="tx1"/>
+                </a:solidFill>
+                <a:effectLst/>
+                <a:latin typeface="Arial" charset="0"/>
+                <a:ea typeface="+mn-ea"/>
+                <a:cs typeface="+mn-cs"/>
+              </a:rPr>
+              <a:t>Starám sa o technologický rast projektov a ľudí na nich.</a:t>
+            </a:r>
+          </a:p>
+          <a:p>
+            <a:pPr marL="0" marR="0" lvl="0" indent="0" algn="l" defTabSz="914400" rtl="0" eaLnBrk="1" fontAlgn="base" latinLnBrk="0" hangingPunct="1">
+              <a:lnSpc>
+                <a:spcPct val="100000"/>
+              </a:lnSpc>
+              <a:spcBef>
+                <a:spcPct val="30000"/>
+              </a:spcBef>
+              <a:spcAft>
+                <a:spcPct val="0"/>
+              </a:spcAft>
+              <a:buClrTx/>
+              <a:buSzTx/>
+              <a:buFontTx/>
+              <a:buNone/>
+              <a:tabLst/>
+              <a:defRPr/>
+            </a:pPr>
+            <a:endParaRPr lang="sk-SK" sz="1200" b="0" i="0" kern="1200" dirty="0" smtClean="0">
+              <a:solidFill>
+                <a:schemeClr val="tx1"/>
+              </a:solidFill>
+              <a:effectLst/>
+              <a:latin typeface="Arial" charset="0"/>
+              <a:ea typeface="+mn-ea"/>
+              <a:cs typeface="+mn-cs"/>
+            </a:endParaRPr>
+          </a:p>
+          <a:p>
+            <a:pPr marL="0" marR="0" lvl="0" indent="0" algn="l" defTabSz="914400" rtl="0" eaLnBrk="1" fontAlgn="base" latinLnBrk="0" hangingPunct="1">
+              <a:lnSpc>
+                <a:spcPct val="100000"/>
+              </a:lnSpc>
+              <a:spcBef>
+                <a:spcPct val="30000"/>
+              </a:spcBef>
+              <a:spcAft>
+                <a:spcPct val="0"/>
+              </a:spcAft>
+              <a:buClrTx/>
+              <a:buSzTx/>
+              <a:buFontTx/>
+              <a:buNone/>
+              <a:tabLst/>
+              <a:defRPr/>
+            </a:pPr>
+            <a:r>
+              <a:rPr lang="sk-SK" sz="1200" b="0" i="0" kern="1200" dirty="0" smtClean="0">
+                <a:solidFill>
+                  <a:schemeClr val="tx1"/>
+                </a:solidFill>
+                <a:effectLst/>
+                <a:latin typeface="Arial" charset="0"/>
+                <a:ea typeface="+mn-ea"/>
+                <a:cs typeface="+mn-cs"/>
+              </a:rPr>
+              <a:t>Ďakujem Marekovi, že my</a:t>
+            </a:r>
+            <a:r>
+              <a:rPr lang="sk-SK" sz="1200" b="0" i="0" kern="1200" baseline="0" dirty="0" smtClean="0">
+                <a:solidFill>
+                  <a:schemeClr val="tx1"/>
+                </a:solidFill>
+                <a:effectLst/>
+                <a:latin typeface="Arial" charset="0"/>
+                <a:ea typeface="+mn-ea"/>
+                <a:cs typeface="+mn-cs"/>
+              </a:rPr>
+              <a:t> umožnil prísť porozprávať svoje </a:t>
+            </a:r>
+            <a:r>
+              <a:rPr lang="sk-SK" sz="1200" b="0" i="0" kern="1200" dirty="0" err="1" smtClean="0">
+                <a:solidFill>
+                  <a:schemeClr val="tx1"/>
+                </a:solidFill>
+                <a:effectLst/>
+                <a:latin typeface="Arial" charset="0"/>
+                <a:ea typeface="+mn-ea"/>
+                <a:cs typeface="+mn-cs"/>
+              </a:rPr>
+              <a:t>svoje</a:t>
+            </a:r>
+            <a:r>
+              <a:rPr lang="sk-SK" sz="1200" b="0" i="0" kern="1200" dirty="0" smtClean="0">
+                <a:solidFill>
+                  <a:schemeClr val="tx1"/>
+                </a:solidFill>
+                <a:effectLst/>
+                <a:latin typeface="Arial" charset="0"/>
+                <a:ea typeface="+mn-ea"/>
+                <a:cs typeface="+mn-cs"/>
+              </a:rPr>
+              <a:t> skúsenosti s vývojom väčších projektov. S akými problémami sa stretávame a ako sa to dá riešiť.</a:t>
+            </a:r>
+          </a:p>
+          <a:p>
+            <a:pPr marL="0" marR="0" lvl="0" indent="0" algn="l" defTabSz="914400" rtl="0" eaLnBrk="1" fontAlgn="base" latinLnBrk="0" hangingPunct="1">
+              <a:lnSpc>
+                <a:spcPct val="100000"/>
+              </a:lnSpc>
+              <a:spcBef>
+                <a:spcPct val="30000"/>
+              </a:spcBef>
+              <a:spcAft>
+                <a:spcPct val="0"/>
+              </a:spcAft>
+              <a:buClrTx/>
+              <a:buSzTx/>
+              <a:buFontTx/>
+              <a:buNone/>
+              <a:tabLst/>
+              <a:defRPr/>
+            </a:pPr>
+            <a:endParaRPr lang="sk-SK" sz="1200" b="0" i="0" kern="1200" dirty="0" smtClean="0">
+              <a:solidFill>
+                <a:schemeClr val="tx1"/>
+              </a:solidFill>
+              <a:effectLst/>
+              <a:latin typeface="Arial" charset="0"/>
+              <a:ea typeface="+mn-ea"/>
+              <a:cs typeface="+mn-cs"/>
+            </a:endParaRPr>
+          </a:p>
+          <a:p>
             <a:pPr eaLnBrk="1" hangingPunct="1"/>
             <a:endParaRPr lang="sk-SK" altLang="sk-SK" baseline="0" dirty="0" smtClean="0">
               <a:latin typeface="Arial" panose="020B0604020202020204" pitchFamily="34" charset="0"/>
             </a:endParaRPr>
           </a:p>
+          <a:p>
+            <a:pPr eaLnBrk="1" hangingPunct="1"/>
+            <a:endParaRPr lang="sk-SK" altLang="sk-SK" baseline="0" dirty="0" smtClean="0">
+              <a:latin typeface="Arial" panose="020B0604020202020204" pitchFamily="34" charset="0"/>
+            </a:endParaRPr>
+          </a:p>
         </p:txBody>
       </p:sp>
     </p:spTree>
     <p:extLst>
       <p:ext uri="{BB962C8B-B14F-4D97-AF65-F5344CB8AC3E}">
-        <p14:creationId xmlns:p14="http://schemas.microsoft.com/office/powerpoint/2010/main" xmlns="" val="3161093583"/>
+        <p14:creationId xmlns:p14="http://schemas.microsoft.com/office/powerpoint/2010/main" val="3161093583"/>
       </p:ext>
     </p:extLst>
-  </p:cSld>
-  <p:clrMapOvr>
-    <a:masterClrMapping/>
-  </p:clrMapOvr>
-</p:notes>
-</file>
-
-<file path=ppt/notesSlides/notesSlide10.xml><?xml version="1.0" encoding="utf-8"?>
-<p:notes xmlns:a="http://schemas.openxmlformats.org/drawingml/2006/main" xmlns:r="http://schemas.openxmlformats.org/officeDocument/2006/relationships" xmlns:p="http://schemas.openxmlformats.org/presentationml/2006/main">
-  <p:cSld>
-    <p:spTree>
-      <p:nvGrpSpPr>
-        <p:cNvPr id="1" name=""/>
-        <p:cNvGrpSpPr/>
-        <p:nvPr/>
-      </p:nvGrpSpPr>
-      <p:grpSpPr>
-        <a:xfrm>
-          <a:off x="0" y="0"/>
-          <a:ext cx="0" cy="0"/>
-          <a:chOff x="0" y="0"/>
-          <a:chExt cx="0" cy="0"/>
-        </a:xfrm>
-      </p:grpSpPr>
-      <p:sp>
-        <p:nvSpPr>
-          <p:cNvPr id="2" name="Zástupný symbol obrazu snímky 1"/>
-          <p:cNvSpPr>
-            <a:spLocks noGrp="1" noRot="1" noChangeAspect="1"/>
-          </p:cNvSpPr>
-          <p:nvPr>
-            <p:ph type="sldImg"/>
-          </p:nvPr>
-        </p:nvSpPr>
-        <p:spPr/>
-      </p:sp>
-      <p:sp>
-        <p:nvSpPr>
-          <p:cNvPr id="3" name="Zástupný symbol poznámok 2"/>
-          <p:cNvSpPr>
-            <a:spLocks noGrp="1"/>
-          </p:cNvSpPr>
-          <p:nvPr>
-            <p:ph type="body" idx="1"/>
-          </p:nvPr>
-        </p:nvSpPr>
-        <p:spPr/>
-        <p:txBody>
-          <a:bodyPr>
-            <a:normAutofit fontScale="92500" lnSpcReduction="20000"/>
-          </a:bodyPr>
-          <a:lstStyle/>
-          <a:p>
-            <a:endParaRPr lang="sk-SK" dirty="0"/>
-          </a:p>
-        </p:txBody>
-      </p:sp>
-      <p:sp>
-        <p:nvSpPr>
-          <p:cNvPr id="4" name="Zástupný symbol čísla snímky 3"/>
-          <p:cNvSpPr>
-            <a:spLocks noGrp="1"/>
-          </p:cNvSpPr>
-          <p:nvPr>
-            <p:ph type="sldNum" sz="quarter" idx="10"/>
-          </p:nvPr>
-        </p:nvSpPr>
-        <p:spPr/>
-        <p:txBody>
-          <a:bodyPr/>
-          <a:lstStyle/>
-          <a:p>
-            <a:pPr>
-              <a:defRPr/>
-            </a:pPr>
-            <a:fld id="{92DFF3FC-38D1-4665-8859-B524ABE5B3D9}" type="slidenum">
-              <a:rPr lang="sk-SK" altLang="sk-SK" smtClean="0"/>
-              <a:pPr>
-                <a:defRPr/>
-              </a:pPr>
-              <a:t>10</a:t>
-            </a:fld>
-            <a:endParaRPr lang="sk-SK" altLang="sk-SK"/>
-          </a:p>
-        </p:txBody>
-      </p:sp>
-    </p:spTree>
-  </p:cSld>
-  <p:clrMapOvr>
-    <a:masterClrMapping/>
-  </p:clrMapOvr>
-</p:notes>
-</file>
-
-<file path=ppt/notesSlides/notesSlide11.xml><?xml version="1.0" encoding="utf-8"?>
-<p:notes xmlns:a="http://schemas.openxmlformats.org/drawingml/2006/main" xmlns:r="http://schemas.openxmlformats.org/officeDocument/2006/relationships" xmlns:p="http://schemas.openxmlformats.org/presentationml/2006/main">
-  <p:cSld>
-    <p:spTree>
-      <p:nvGrpSpPr>
-        <p:cNvPr id="1" name=""/>
-        <p:cNvGrpSpPr/>
-        <p:nvPr/>
-      </p:nvGrpSpPr>
-      <p:grpSpPr>
-        <a:xfrm>
-          <a:off x="0" y="0"/>
-          <a:ext cx="0" cy="0"/>
-          <a:chOff x="0" y="0"/>
-          <a:chExt cx="0" cy="0"/>
-        </a:xfrm>
-      </p:grpSpPr>
-      <p:sp>
-        <p:nvSpPr>
-          <p:cNvPr id="2" name="Zástupný symbol obrazu snímky 1"/>
-          <p:cNvSpPr>
-            <a:spLocks noGrp="1" noRot="1" noChangeAspect="1"/>
-          </p:cNvSpPr>
-          <p:nvPr>
-            <p:ph type="sldImg"/>
-          </p:nvPr>
-        </p:nvSpPr>
-        <p:spPr/>
-      </p:sp>
-      <p:sp>
-        <p:nvSpPr>
-          <p:cNvPr id="3" name="Zástupný symbol poznámok 2"/>
-          <p:cNvSpPr>
-            <a:spLocks noGrp="1"/>
-          </p:cNvSpPr>
-          <p:nvPr>
-            <p:ph type="body" idx="1"/>
-          </p:nvPr>
-        </p:nvSpPr>
-        <p:spPr/>
-        <p:txBody>
-          <a:bodyPr>
-            <a:normAutofit/>
-          </a:bodyPr>
-          <a:lstStyle/>
-          <a:p>
-            <a:endParaRPr lang="sk-SK" dirty="0"/>
-          </a:p>
-        </p:txBody>
-      </p:sp>
-      <p:sp>
-        <p:nvSpPr>
-          <p:cNvPr id="4" name="Zástupný symbol čísla snímky 3"/>
-          <p:cNvSpPr>
-            <a:spLocks noGrp="1"/>
-          </p:cNvSpPr>
-          <p:nvPr>
-            <p:ph type="sldNum" sz="quarter" idx="10"/>
-          </p:nvPr>
-        </p:nvSpPr>
-        <p:spPr/>
-        <p:txBody>
-          <a:bodyPr/>
-          <a:lstStyle/>
-          <a:p>
-            <a:pPr>
-              <a:defRPr/>
-            </a:pPr>
-            <a:fld id="{92DFF3FC-38D1-4665-8859-B524ABE5B3D9}" type="slidenum">
-              <a:rPr lang="sk-SK" altLang="sk-SK" smtClean="0"/>
-              <a:pPr>
-                <a:defRPr/>
-              </a:pPr>
-              <a:t>11</a:t>
-            </a:fld>
-            <a:endParaRPr lang="sk-SK" altLang="sk-SK"/>
-          </a:p>
-        </p:txBody>
-      </p:sp>
-    </p:spTree>
-  </p:cSld>
-  <p:clrMapOvr>
-    <a:masterClrMapping/>
-  </p:clrMapOvr>
-</p:notes>
-</file>
-
-<file path=ppt/notesSlides/notesSlide12.xml><?xml version="1.0" encoding="utf-8"?>
-<p:notes xmlns:a="http://schemas.openxmlformats.org/drawingml/2006/main" xmlns:r="http://schemas.openxmlformats.org/officeDocument/2006/relationships" xmlns:p="http://schemas.openxmlformats.org/presentationml/2006/main">
-  <p:cSld>
-    <p:spTree>
-      <p:nvGrpSpPr>
-        <p:cNvPr id="1" name=""/>
-        <p:cNvGrpSpPr/>
-        <p:nvPr/>
-      </p:nvGrpSpPr>
-      <p:grpSpPr>
-        <a:xfrm>
-          <a:off x="0" y="0"/>
-          <a:ext cx="0" cy="0"/>
-          <a:chOff x="0" y="0"/>
-          <a:chExt cx="0" cy="0"/>
-        </a:xfrm>
-      </p:grpSpPr>
-      <p:sp>
-        <p:nvSpPr>
-          <p:cNvPr id="2" name="Zástupný symbol obrazu snímky 1"/>
-          <p:cNvSpPr>
-            <a:spLocks noGrp="1" noRot="1" noChangeAspect="1"/>
-          </p:cNvSpPr>
-          <p:nvPr>
-            <p:ph type="sldImg"/>
-          </p:nvPr>
-        </p:nvSpPr>
-        <p:spPr/>
-      </p:sp>
-      <p:sp>
-        <p:nvSpPr>
-          <p:cNvPr id="3" name="Zástupný symbol poznámok 2"/>
-          <p:cNvSpPr>
-            <a:spLocks noGrp="1"/>
-          </p:cNvSpPr>
-          <p:nvPr>
-            <p:ph type="body" idx="1"/>
-          </p:nvPr>
-        </p:nvSpPr>
-        <p:spPr/>
-        <p:txBody>
-          <a:bodyPr>
-            <a:normAutofit/>
-          </a:bodyPr>
-          <a:lstStyle/>
-          <a:p>
-            <a:endParaRPr lang="sk-SK" dirty="0" smtClean="0"/>
-          </a:p>
-        </p:txBody>
-      </p:sp>
-      <p:sp>
-        <p:nvSpPr>
-          <p:cNvPr id="4" name="Zástupný symbol čísla snímky 3"/>
-          <p:cNvSpPr>
-            <a:spLocks noGrp="1"/>
-          </p:cNvSpPr>
-          <p:nvPr>
-            <p:ph type="sldNum" sz="quarter" idx="10"/>
-          </p:nvPr>
-        </p:nvSpPr>
-        <p:spPr/>
-        <p:txBody>
-          <a:bodyPr/>
-          <a:lstStyle/>
-          <a:p>
-            <a:pPr>
-              <a:defRPr/>
-            </a:pPr>
-            <a:fld id="{92DFF3FC-38D1-4665-8859-B524ABE5B3D9}" type="slidenum">
-              <a:rPr lang="sk-SK" altLang="sk-SK" smtClean="0"/>
-              <a:pPr>
-                <a:defRPr/>
-              </a:pPr>
-              <a:t>13</a:t>
-            </a:fld>
-            <a:endParaRPr lang="sk-SK" altLang="sk-SK"/>
-          </a:p>
-        </p:txBody>
-      </p:sp>
-    </p:spTree>
-  </p:cSld>
-  <p:clrMapOvr>
-    <a:masterClrMapping/>
-  </p:clrMapOvr>
-</p:notes>
-</file>
-
-<file path=ppt/notesSlides/notesSlide13.xml><?xml version="1.0" encoding="utf-8"?>
-<p:notes xmlns:a="http://schemas.openxmlformats.org/drawingml/2006/main" xmlns:r="http://schemas.openxmlformats.org/officeDocument/2006/relationships" xmlns:p="http://schemas.openxmlformats.org/presentationml/2006/main">
-  <p:cSld>
-    <p:spTree>
-      <p:nvGrpSpPr>
-        <p:cNvPr id="1" name=""/>
-        <p:cNvGrpSpPr/>
-        <p:nvPr/>
-      </p:nvGrpSpPr>
-      <p:grpSpPr>
-        <a:xfrm>
-          <a:off x="0" y="0"/>
-          <a:ext cx="0" cy="0"/>
-          <a:chOff x="0" y="0"/>
-          <a:chExt cx="0" cy="0"/>
-        </a:xfrm>
-      </p:grpSpPr>
-      <p:sp>
-        <p:nvSpPr>
-          <p:cNvPr id="2" name="Zástupný symbol obrazu snímky 1"/>
-          <p:cNvSpPr>
-            <a:spLocks noGrp="1" noRot="1" noChangeAspect="1"/>
-          </p:cNvSpPr>
-          <p:nvPr>
-            <p:ph type="sldImg"/>
-          </p:nvPr>
-        </p:nvSpPr>
-        <p:spPr/>
-      </p:sp>
-      <p:sp>
-        <p:nvSpPr>
-          <p:cNvPr id="3" name="Zástupný symbol poznámok 2"/>
-          <p:cNvSpPr>
-            <a:spLocks noGrp="1"/>
-          </p:cNvSpPr>
-          <p:nvPr>
-            <p:ph type="body" idx="1"/>
-          </p:nvPr>
-        </p:nvSpPr>
-        <p:spPr/>
-        <p:txBody>
-          <a:bodyPr>
-            <a:normAutofit/>
-          </a:bodyPr>
-          <a:lstStyle/>
-          <a:p>
-            <a:endParaRPr lang="sk-SK"/>
-          </a:p>
-        </p:txBody>
-      </p:sp>
-      <p:sp>
-        <p:nvSpPr>
-          <p:cNvPr id="4" name="Zástupný symbol čísla snímky 3"/>
-          <p:cNvSpPr>
-            <a:spLocks noGrp="1"/>
-          </p:cNvSpPr>
-          <p:nvPr>
-            <p:ph type="sldNum" sz="quarter" idx="10"/>
-          </p:nvPr>
-        </p:nvSpPr>
-        <p:spPr/>
-        <p:txBody>
-          <a:bodyPr/>
-          <a:lstStyle/>
-          <a:p>
-            <a:pPr>
-              <a:defRPr/>
-            </a:pPr>
-            <a:fld id="{92DFF3FC-38D1-4665-8859-B524ABE5B3D9}" type="slidenum">
-              <a:rPr lang="sk-SK" altLang="sk-SK" smtClean="0"/>
-              <a:pPr>
-                <a:defRPr/>
-              </a:pPr>
-              <a:t>15</a:t>
-            </a:fld>
-            <a:endParaRPr lang="sk-SK" altLang="sk-SK"/>
-          </a:p>
-        </p:txBody>
-      </p:sp>
-    </p:spTree>
   </p:cSld>
   <p:clrMapOvr>
     <a:masterClrMapping/>
@@ -1690,7 +1583,7 @@
       </p:grpSpPr>
       <p:sp>
         <p:nvSpPr>
-          <p:cNvPr id="2" name="Zástupný symbol obrazu snímky 1"/>
+          <p:cNvPr id="2" name="Zástupný objekt pre obrázok snímky 1"/>
           <p:cNvSpPr>
             <a:spLocks noGrp="1" noRot="1" noChangeAspect="1"/>
           </p:cNvSpPr>
@@ -1702,7 +1595,7 @@
       </p:sp>
       <p:sp>
         <p:nvSpPr>
-          <p:cNvPr id="3" name="Zástupný symbol poznámok 2"/>
+          <p:cNvPr id="3" name="Zástupný objekt pre poznámky 2"/>
           <p:cNvSpPr>
             <a:spLocks noGrp="1"/>
           </p:cNvSpPr>
@@ -1712,18 +1605,383 @@
         </p:nvSpPr>
         <p:spPr/>
         <p:txBody>
-          <a:bodyPr>
-            <a:normAutofit/>
-          </a:bodyPr>
+          <a:bodyPr/>
           <a:lstStyle/>
           <a:p>
-            <a:endParaRPr lang="sk-SK" dirty="0"/>
-          </a:p>
-        </p:txBody>
-      </p:sp>
-      <p:sp>
-        <p:nvSpPr>
-          <p:cNvPr id="4" name="Zástupný symbol čísla snímky 3"/>
+            <a:r>
+              <a:rPr lang="sk-SK" dirty="0" smtClean="0"/>
+              <a:t>Skôr ako začnem, by som chcel načrtnúť aké typy programátorov rozlišujem.</a:t>
+            </a:r>
+          </a:p>
+          <a:p>
+            <a:endParaRPr lang="sk-SK" dirty="0" smtClean="0"/>
+          </a:p>
+          <a:p>
+            <a:r>
+              <a:rPr lang="sk-SK" dirty="0" err="1" smtClean="0"/>
+              <a:t>Kóder</a:t>
+            </a:r>
+            <a:r>
+              <a:rPr lang="sk-SK" dirty="0" smtClean="0"/>
+              <a:t>.</a:t>
+            </a:r>
+          </a:p>
+          <a:p>
+            <a:pPr marL="171450" indent="-171450">
+              <a:buFontTx/>
+              <a:buChar char="-"/>
+            </a:pPr>
+            <a:r>
+              <a:rPr lang="sk-SK" baseline="0" dirty="0" smtClean="0"/>
+              <a:t>To je základ.</a:t>
+            </a:r>
+          </a:p>
+          <a:p>
+            <a:pPr marL="171450" indent="-171450">
+              <a:buFontTx/>
+              <a:buChar char="-"/>
+            </a:pPr>
+            <a:r>
+              <a:rPr lang="sk-SK" baseline="0" dirty="0" smtClean="0"/>
+              <a:t>Vie </a:t>
+            </a:r>
+            <a:r>
+              <a:rPr lang="sk-SK" baseline="0" dirty="0" err="1" smtClean="0"/>
+              <a:t>algoritmovať</a:t>
+            </a:r>
+            <a:r>
+              <a:rPr lang="sk-SK" baseline="0" dirty="0" smtClean="0"/>
+              <a:t>,</a:t>
+            </a:r>
+          </a:p>
+          <a:p>
+            <a:pPr marL="171450" indent="-171450">
+              <a:buFontTx/>
+              <a:buChar char="-"/>
+            </a:pPr>
+            <a:r>
+              <a:rPr lang="sk-SK" baseline="0" dirty="0" smtClean="0"/>
+              <a:t>Dokáže deduktívne myslieť a riešiť problémy</a:t>
+            </a:r>
+          </a:p>
+          <a:p>
+            <a:pPr marL="171450" indent="-171450">
+              <a:buFontTx/>
+              <a:buChar char="-"/>
+            </a:pPr>
+            <a:r>
+              <a:rPr lang="sk-SK" baseline="0" dirty="0" smtClean="0"/>
+              <a:t>Má rád </a:t>
+            </a:r>
+            <a:r>
+              <a:rPr lang="sk-SK" baseline="0" dirty="0" err="1" smtClean="0"/>
+              <a:t>techonológie</a:t>
+            </a:r>
+            <a:r>
+              <a:rPr lang="sk-SK" baseline="0" dirty="0" smtClean="0"/>
+              <a:t> a rád sa v nich šprtá</a:t>
+            </a:r>
+          </a:p>
+          <a:p>
+            <a:pPr marL="171450" indent="-171450">
+              <a:buFontTx/>
+              <a:buChar char="-"/>
+            </a:pPr>
+            <a:r>
+              <a:rPr lang="sk-SK" sz="1200" b="0" i="0" kern="1200" dirty="0" smtClean="0">
+                <a:solidFill>
+                  <a:schemeClr val="tx1"/>
+                </a:solidFill>
+                <a:effectLst/>
+                <a:latin typeface="Arial" charset="0"/>
+                <a:ea typeface="+mn-ea"/>
+                <a:cs typeface="+mn-cs"/>
+              </a:rPr>
+              <a:t>Takýto človek dokáže spraviť čokoľvek. Dáte mu zadanie a on ho vyrieši. Opraví chybu. Vytvorí Vám </a:t>
+            </a:r>
+            <a:r>
+              <a:rPr lang="sk-SK" sz="1200" b="0" i="0" kern="1200" dirty="0" err="1" smtClean="0">
+                <a:solidFill>
+                  <a:schemeClr val="tx1"/>
+                </a:solidFill>
+                <a:effectLst/>
+                <a:latin typeface="Arial" charset="0"/>
+                <a:ea typeface="+mn-ea"/>
+                <a:cs typeface="+mn-cs"/>
+              </a:rPr>
+              <a:t>script</a:t>
+            </a:r>
+            <a:r>
+              <a:rPr lang="sk-SK" sz="1200" b="0" i="0" kern="1200" dirty="0" smtClean="0">
+                <a:solidFill>
+                  <a:schemeClr val="tx1"/>
+                </a:solidFill>
+                <a:effectLst/>
+                <a:latin typeface="Arial" charset="0"/>
+                <a:ea typeface="+mn-ea"/>
+                <a:cs typeface="+mn-cs"/>
+              </a:rPr>
+              <a:t>, jednoduchú aplikáciu.</a:t>
+            </a:r>
+            <a:endParaRPr lang="sk-SK" sz="1200" b="0" i="0" kern="1200" dirty="0">
+              <a:solidFill>
+                <a:schemeClr val="tx1"/>
+              </a:solidFill>
+              <a:effectLst/>
+              <a:latin typeface="Arial" charset="0"/>
+              <a:ea typeface="+mn-ea"/>
+              <a:cs typeface="+mn-cs"/>
+            </a:endParaRPr>
+          </a:p>
+          <a:p>
+            <a:pPr marL="171450" marR="0" lvl="0" indent="-171450" algn="l" defTabSz="914400" rtl="0" eaLnBrk="0" fontAlgn="base" latinLnBrk="0" hangingPunct="0">
+              <a:lnSpc>
+                <a:spcPct val="100000"/>
+              </a:lnSpc>
+              <a:spcBef>
+                <a:spcPct val="30000"/>
+              </a:spcBef>
+              <a:spcAft>
+                <a:spcPct val="0"/>
+              </a:spcAft>
+              <a:buClrTx/>
+              <a:buSzTx/>
+              <a:buFontTx/>
+              <a:buChar char="-"/>
+              <a:tabLst/>
+              <a:defRPr/>
+            </a:pPr>
+            <a:r>
+              <a:rPr lang="sk-SK" sz="1200" b="0" i="0" kern="1200" dirty="0" smtClean="0">
+                <a:solidFill>
+                  <a:schemeClr val="tx1"/>
+                </a:solidFill>
+                <a:effectLst/>
+                <a:latin typeface="Arial" charset="0"/>
+                <a:ea typeface="+mn-ea"/>
+                <a:cs typeface="+mn-cs"/>
+              </a:rPr>
+              <a:t>Nevie navrhnúť riešenie, ktoré sa ma dlhodobo rozvíjať.</a:t>
+            </a:r>
+          </a:p>
+          <a:p>
+            <a:pPr marL="171450" indent="-171450">
+              <a:buFontTx/>
+              <a:buChar char="-"/>
+            </a:pPr>
+            <a:endParaRPr lang="sk-SK" sz="1200" b="0" i="0" kern="1200" dirty="0">
+              <a:solidFill>
+                <a:schemeClr val="tx1"/>
+              </a:solidFill>
+              <a:effectLst/>
+              <a:latin typeface="Arial" charset="0"/>
+              <a:ea typeface="+mn-ea"/>
+              <a:cs typeface="+mn-cs"/>
+            </a:endParaRPr>
+          </a:p>
+          <a:p>
+            <a:pPr marL="0" indent="0">
+              <a:buFontTx/>
+              <a:buNone/>
+            </a:pPr>
+            <a:r>
+              <a:rPr lang="sk-SK" sz="1200" b="0" i="0" kern="1200" dirty="0" smtClean="0">
+                <a:solidFill>
+                  <a:schemeClr val="tx1"/>
+                </a:solidFill>
+                <a:effectLst/>
+                <a:latin typeface="Arial" charset="0"/>
+                <a:ea typeface="+mn-ea"/>
+                <a:cs typeface="+mn-cs"/>
+              </a:rPr>
+              <a:t>Vývojár</a:t>
+            </a:r>
+          </a:p>
+          <a:p>
+            <a:pPr marL="171450" indent="-171450">
+              <a:buFontTx/>
+              <a:buChar char="-"/>
+            </a:pPr>
+            <a:r>
+              <a:rPr lang="sk-SK" sz="1200" b="0" i="0" kern="1200" dirty="0" smtClean="0">
+                <a:solidFill>
+                  <a:schemeClr val="tx1"/>
+                </a:solidFill>
+                <a:effectLst/>
+                <a:latin typeface="Arial" charset="0"/>
+                <a:ea typeface="+mn-ea"/>
+                <a:cs typeface="+mn-cs"/>
+              </a:rPr>
+              <a:t>Udržuje čistotu kódu, (kvôli</a:t>
+            </a:r>
+            <a:r>
+              <a:rPr lang="sk-SK" sz="1200" b="0" i="0" kern="1200" baseline="0" dirty="0" smtClean="0">
+                <a:solidFill>
+                  <a:schemeClr val="tx1"/>
+                </a:solidFill>
+                <a:effectLst/>
+                <a:latin typeface="Arial" charset="0"/>
+                <a:ea typeface="+mn-ea"/>
+                <a:cs typeface="+mn-cs"/>
+              </a:rPr>
+              <a:t> sebe, ale aj kvôli ostatným, ktorí na projekte robia, respektíve budú robiť.</a:t>
+            </a:r>
+          </a:p>
+          <a:p>
+            <a:pPr marL="171450" indent="-171450">
+              <a:buFontTx/>
+              <a:buChar char="-"/>
+            </a:pPr>
+            <a:r>
+              <a:rPr lang="sk-SK" sz="1200" b="0" i="0" kern="1200" baseline="0" dirty="0" smtClean="0">
+                <a:solidFill>
+                  <a:schemeClr val="tx1"/>
+                </a:solidFill>
+                <a:effectLst/>
+                <a:latin typeface="Arial" charset="0"/>
+                <a:ea typeface="+mn-ea"/>
+                <a:cs typeface="+mn-cs"/>
+              </a:rPr>
+              <a:t>Vie kriticky pristúpiť k návrhu štruktúry projektu, tak aby odhadol možné problémy a správnym návrhom ich eliminoval.</a:t>
+            </a:r>
+          </a:p>
+          <a:p>
+            <a:pPr marL="171450" indent="-171450">
+              <a:buFontTx/>
+              <a:buChar char="-"/>
+            </a:pPr>
+            <a:r>
+              <a:rPr lang="sk-SK" sz="1200" b="0" i="0" kern="1200" baseline="0" dirty="0" smtClean="0">
+                <a:solidFill>
+                  <a:schemeClr val="tx1"/>
+                </a:solidFill>
+                <a:effectLst/>
+                <a:latin typeface="Arial" charset="0"/>
+                <a:ea typeface="+mn-ea"/>
+                <a:cs typeface="+mn-cs"/>
+              </a:rPr>
+              <a:t>Vie vidieť v súvislostiach. </a:t>
+            </a:r>
+          </a:p>
+          <a:p>
+            <a:pPr marL="171450" indent="-171450">
+              <a:buFontTx/>
+              <a:buChar char="-"/>
+            </a:pPr>
+            <a:r>
+              <a:rPr lang="sk-SK" sz="1200" b="0" i="0" kern="1200" dirty="0" smtClean="0">
+                <a:solidFill>
+                  <a:schemeClr val="tx1"/>
+                </a:solidFill>
+                <a:effectLst/>
+                <a:latin typeface="Arial" charset="0"/>
+                <a:ea typeface="+mn-ea"/>
+                <a:cs typeface="+mn-cs"/>
+              </a:rPr>
+              <a:t>Niekto to má prirodzene v sebe. Pozrie sa na vec a rovno vie ako to spraviť</a:t>
+            </a:r>
+            <a:r>
+              <a:rPr lang="sk-SK" sz="1200" b="0" i="0" kern="1200" baseline="0" dirty="0" smtClean="0">
+                <a:solidFill>
+                  <a:schemeClr val="tx1"/>
+                </a:solidFill>
+                <a:effectLst/>
+                <a:latin typeface="Arial" charset="0"/>
+                <a:ea typeface="+mn-ea"/>
+                <a:cs typeface="+mn-cs"/>
+              </a:rPr>
+              <a:t> dobre.</a:t>
+            </a:r>
+          </a:p>
+          <a:p>
+            <a:pPr marL="171450" indent="-171450">
+              <a:buFontTx/>
+              <a:buChar char="-"/>
+            </a:pPr>
+            <a:r>
+              <a:rPr lang="sk-SK" sz="1200" b="0" i="0" kern="1200" baseline="0" dirty="0" smtClean="0">
+                <a:solidFill>
+                  <a:schemeClr val="tx1"/>
+                </a:solidFill>
+                <a:effectLst/>
+                <a:latin typeface="Arial" charset="0"/>
+                <a:ea typeface="+mn-ea"/>
+                <a:cs typeface="+mn-cs"/>
+              </a:rPr>
+              <a:t>Závidím im. Pretože my ostatní to musíme získať praxou.</a:t>
+            </a:r>
+          </a:p>
+          <a:p>
+            <a:pPr marL="171450" indent="-171450">
+              <a:buFontTx/>
+              <a:buChar char="-"/>
+            </a:pPr>
+            <a:endParaRPr lang="sk-SK" sz="1200" b="0" i="0" kern="1200" baseline="0" dirty="0" smtClean="0">
+              <a:solidFill>
+                <a:schemeClr val="tx1"/>
+              </a:solidFill>
+              <a:effectLst/>
+              <a:latin typeface="Arial" charset="0"/>
+              <a:ea typeface="+mn-ea"/>
+              <a:cs typeface="+mn-cs"/>
+            </a:endParaRPr>
+          </a:p>
+          <a:p>
+            <a:pPr marL="0" indent="0">
+              <a:buFontTx/>
+              <a:buNone/>
+            </a:pPr>
+            <a:r>
+              <a:rPr lang="sk-SK" sz="1200" b="0" i="0" kern="1200" baseline="0" dirty="0" smtClean="0">
+                <a:solidFill>
+                  <a:schemeClr val="tx1"/>
+                </a:solidFill>
+                <a:effectLst/>
+                <a:latin typeface="Arial" charset="0"/>
+                <a:ea typeface="+mn-ea"/>
+                <a:cs typeface="+mn-cs"/>
+              </a:rPr>
+              <a:t>Dnes sa budeme rozprávať práve p úlohe vývojárov. Pretože keď sme tu, tak už </a:t>
+            </a:r>
+            <a:r>
+              <a:rPr lang="sk-SK" sz="1200" b="0" i="0" kern="1200" baseline="0" dirty="0" err="1" smtClean="0">
+                <a:solidFill>
+                  <a:schemeClr val="tx1"/>
+                </a:solidFill>
+                <a:effectLst/>
+                <a:latin typeface="Arial" charset="0"/>
+                <a:ea typeface="+mn-ea"/>
+                <a:cs typeface="+mn-cs"/>
+              </a:rPr>
+              <a:t>kódermi</a:t>
+            </a:r>
+            <a:r>
+              <a:rPr lang="sk-SK" sz="1200" b="0" i="0" kern="1200" baseline="0" dirty="0" smtClean="0">
+                <a:solidFill>
+                  <a:schemeClr val="tx1"/>
+                </a:solidFill>
+                <a:effectLst/>
+                <a:latin typeface="Arial" charset="0"/>
+                <a:ea typeface="+mn-ea"/>
+                <a:cs typeface="+mn-cs"/>
+              </a:rPr>
+              <a:t> dávno sme.</a:t>
+            </a:r>
+            <a:endParaRPr lang="sk-SK" sz="1200" b="0" i="0" kern="1200" dirty="0" smtClean="0">
+              <a:solidFill>
+                <a:schemeClr val="tx1"/>
+              </a:solidFill>
+              <a:effectLst/>
+              <a:latin typeface="Arial" charset="0"/>
+              <a:ea typeface="+mn-ea"/>
+              <a:cs typeface="+mn-cs"/>
+            </a:endParaRPr>
+          </a:p>
+        </p:txBody>
+      </p:sp>
+      <p:sp>
+        <p:nvSpPr>
+          <p:cNvPr id="4" name="Zástupný objekt pre číslo snímky 3"/>
           <p:cNvSpPr>
             <a:spLocks noGrp="1"/>
           </p:cNvSpPr>
@@ -1751,6 +2009,11 @@
         </p:txBody>
       </p:sp>
     </p:spTree>
+    <p:extLst>
+      <p:ext uri="{BB962C8B-B14F-4D97-AF65-F5344CB8AC3E}">
+        <p14:creationId xmlns:p14="http://schemas.microsoft.com/office/powerpoint/2010/main" val="1920959892"/>
+      </p:ext>
+    </p:extLst>
   </p:cSld>
   <p:clrMapOvr>
     <a:masterClrMapping/>
@@ -1777,7 +2040,7 @@
       </p:grpSpPr>
       <p:sp>
         <p:nvSpPr>
-          <p:cNvPr id="2" name="Zástupný symbol obrazu snímky 1"/>
+          <p:cNvPr id="2" name="Zástupný objekt pre obrázok snímky 1"/>
           <p:cNvSpPr>
             <a:spLocks noGrp="1" noRot="1" noChangeAspect="1"/>
           </p:cNvSpPr>
@@ -1789,7 +2052,7 @@
       </p:sp>
       <p:sp>
         <p:nvSpPr>
-          <p:cNvPr id="3" name="Zástupný symbol poznámok 2"/>
+          <p:cNvPr id="3" name="Zástupný objekt pre poznámky 2"/>
           <p:cNvSpPr>
             <a:spLocks noGrp="1"/>
           </p:cNvSpPr>
@@ -1799,18 +2062,238 @@
         </p:nvSpPr>
         <p:spPr/>
         <p:txBody>
-          <a:bodyPr>
-            <a:normAutofit fontScale="92500" lnSpcReduction="20000"/>
-          </a:bodyPr>
+          <a:bodyPr/>
           <a:lstStyle/>
           <a:p>
+            <a:r>
+              <a:rPr lang="sk-SK" sz="1200" b="0" kern="1200" dirty="0" smtClean="0">
+                <a:solidFill>
+                  <a:schemeClr val="tx1"/>
+                </a:solidFill>
+                <a:effectLst/>
+                <a:latin typeface="Arial" charset="0"/>
+                <a:ea typeface="+mn-ea"/>
+                <a:cs typeface="+mn-cs"/>
+              </a:rPr>
+              <a:t>V princípe, vždy by sme sa mali zamýšľať nad architektúrou.</a:t>
+            </a:r>
+            <a:r>
+              <a:rPr lang="sk-SK" sz="1200" b="0" kern="1200" baseline="0" dirty="0" smtClean="0">
+                <a:solidFill>
+                  <a:schemeClr val="tx1"/>
+                </a:solidFill>
+                <a:effectLst/>
+                <a:latin typeface="Arial" charset="0"/>
+                <a:ea typeface="+mn-ea"/>
+                <a:cs typeface="+mn-cs"/>
+              </a:rPr>
+              <a:t> Ale sú situácie, jednoúčelová aplikácia, </a:t>
+            </a:r>
+            <a:r>
+              <a:rPr lang="sk-SK" sz="1200" b="0" kern="1200" baseline="0" dirty="0" err="1" smtClean="0">
+                <a:solidFill>
+                  <a:schemeClr val="tx1"/>
+                </a:solidFill>
+                <a:effectLst/>
+                <a:latin typeface="Arial" charset="0"/>
+                <a:ea typeface="+mn-ea"/>
+                <a:cs typeface="+mn-cs"/>
+              </a:rPr>
+              <a:t>script</a:t>
+            </a:r>
+            <a:r>
+              <a:rPr lang="sk-SK" sz="1200" b="0" kern="1200" baseline="0" dirty="0" smtClean="0">
+                <a:solidFill>
+                  <a:schemeClr val="tx1"/>
+                </a:solidFill>
+                <a:effectLst/>
+                <a:latin typeface="Arial" charset="0"/>
+                <a:ea typeface="+mn-ea"/>
+                <a:cs typeface="+mn-cs"/>
+              </a:rPr>
+              <a:t> na nejakú automatizáciu, jednoduchá stránka. Tam by to bol samozrejme </a:t>
+            </a:r>
+            <a:r>
+              <a:rPr lang="sk-SK" sz="1200" b="0" kern="1200" baseline="0" dirty="0" err="1" smtClean="0">
+                <a:solidFill>
+                  <a:schemeClr val="tx1"/>
+                </a:solidFill>
+                <a:effectLst/>
+                <a:latin typeface="Arial" charset="0"/>
+                <a:ea typeface="+mn-ea"/>
+                <a:cs typeface="+mn-cs"/>
+              </a:rPr>
+              <a:t>overkill</a:t>
+            </a:r>
+            <a:r>
+              <a:rPr lang="sk-SK" sz="1200" b="0" kern="1200" baseline="0" dirty="0" smtClean="0">
+                <a:solidFill>
+                  <a:schemeClr val="tx1"/>
+                </a:solidFill>
+                <a:effectLst/>
+                <a:latin typeface="Arial" charset="0"/>
+                <a:ea typeface="+mn-ea"/>
+                <a:cs typeface="+mn-cs"/>
+              </a:rPr>
+              <a:t>.</a:t>
+            </a:r>
+          </a:p>
+          <a:p>
+            <a:endParaRPr lang="sk-SK" sz="1200" b="0" kern="1200" baseline="0" dirty="0" smtClean="0">
+              <a:solidFill>
+                <a:schemeClr val="tx1"/>
+              </a:solidFill>
+              <a:effectLst/>
+              <a:latin typeface="Arial" charset="0"/>
+              <a:ea typeface="+mn-ea"/>
+              <a:cs typeface="+mn-cs"/>
+            </a:endParaRPr>
+          </a:p>
+          <a:p>
+            <a:r>
+              <a:rPr lang="sk-SK" sz="1200" b="0" kern="1200" baseline="0" dirty="0" smtClean="0">
+                <a:solidFill>
+                  <a:schemeClr val="tx1"/>
+                </a:solidFill>
+                <a:effectLst/>
+                <a:latin typeface="Arial" charset="0"/>
+                <a:ea typeface="+mn-ea"/>
+                <a:cs typeface="+mn-cs"/>
+              </a:rPr>
+              <a:t>Pokiaľ ale už vyvíjame softvér na ktorom pracuje viacero ľudí, jedná sa o </a:t>
+            </a:r>
+            <a:r>
+              <a:rPr lang="sk-SK" sz="1200" b="0" kern="1200" baseline="0" dirty="0" err="1" smtClean="0">
+                <a:solidFill>
+                  <a:schemeClr val="tx1"/>
+                </a:solidFill>
+                <a:effectLst/>
+                <a:latin typeface="Arial" charset="0"/>
+                <a:ea typeface="+mn-ea"/>
+                <a:cs typeface="+mn-cs"/>
+              </a:rPr>
+              <a:t>dlhodobejší</a:t>
+            </a:r>
+            <a:r>
+              <a:rPr lang="sk-SK" sz="1200" b="0" kern="1200" baseline="0" dirty="0" smtClean="0">
+                <a:solidFill>
+                  <a:schemeClr val="tx1"/>
+                </a:solidFill>
+                <a:effectLst/>
+                <a:latin typeface="Arial" charset="0"/>
+                <a:ea typeface="+mn-ea"/>
+                <a:cs typeface="+mn-cs"/>
+              </a:rPr>
+              <a:t> projekt, ... Musíme to brať vážnejšie.</a:t>
+            </a:r>
+            <a:endParaRPr lang="sk-SK" sz="1200" b="0" kern="1200" dirty="0" smtClean="0">
+              <a:solidFill>
+                <a:schemeClr val="tx1"/>
+              </a:solidFill>
+              <a:effectLst/>
+              <a:latin typeface="Arial" charset="0"/>
+              <a:ea typeface="+mn-ea"/>
+              <a:cs typeface="+mn-cs"/>
+            </a:endParaRPr>
+          </a:p>
+          <a:p>
+            <a:endParaRPr lang="sk-SK" sz="1200" b="0" kern="1200" dirty="0" smtClean="0">
+              <a:solidFill>
+                <a:schemeClr val="tx1"/>
+              </a:solidFill>
+              <a:effectLst/>
+              <a:latin typeface="Arial" charset="0"/>
+              <a:ea typeface="+mn-ea"/>
+              <a:cs typeface="+mn-cs"/>
+            </a:endParaRPr>
+          </a:p>
+          <a:p>
+            <a:r>
+              <a:rPr lang="sk-SK" sz="1200" b="0" kern="1200" dirty="0" smtClean="0">
+                <a:solidFill>
+                  <a:schemeClr val="tx1"/>
+                </a:solidFill>
+                <a:effectLst/>
+                <a:latin typeface="Arial" charset="0"/>
+                <a:ea typeface="+mn-ea"/>
+                <a:cs typeface="+mn-cs"/>
+              </a:rPr>
+              <a:t>Každý chce tvoriť nový softvér, začínať na zelenej lúke s novými technológiami. Realita je však iná. Aj pokiaľ sa Vám podarí začať pracovať na niečom novom, tak väčšinu našej práce je rozširovanie existujúcich projektov. Každý kód, ktorý sme napísali včera, </a:t>
+            </a:r>
+            <a:r>
+              <a:rPr lang="sk-SK" sz="1200" b="0" kern="1200" dirty="0" err="1" smtClean="0">
+                <a:solidFill>
+                  <a:schemeClr val="tx1"/>
+                </a:solidFill>
+                <a:effectLst/>
+                <a:latin typeface="Arial" charset="0"/>
+                <a:ea typeface="+mn-ea"/>
+                <a:cs typeface="+mn-cs"/>
+              </a:rPr>
+              <a:t>minlý</a:t>
+            </a:r>
+            <a:r>
+              <a:rPr lang="sk-SK" sz="1200" b="0" kern="1200" dirty="0" smtClean="0">
+                <a:solidFill>
+                  <a:schemeClr val="tx1"/>
+                </a:solidFill>
+                <a:effectLst/>
+                <a:latin typeface="Arial" charset="0"/>
+                <a:ea typeface="+mn-ea"/>
+                <a:cs typeface="+mn-cs"/>
+              </a:rPr>
+              <a:t> mesiac, rok je v princípe zlý kód. Je to tak správne. Pretože sme ho písali s aktuálnymi vedomosťami, ktoré sme si opäť obohatili.</a:t>
+            </a:r>
+          </a:p>
+          <a:p>
+            <a:r>
+              <a:rPr lang="sk-SK" sz="1200" b="0" kern="1200" dirty="0" smtClean="0">
+                <a:solidFill>
+                  <a:schemeClr val="tx1"/>
+                </a:solidFill>
+                <a:effectLst/>
+                <a:latin typeface="Arial" charset="0"/>
+                <a:ea typeface="+mn-ea"/>
+                <a:cs typeface="+mn-cs"/>
+              </a:rPr>
+              <a:t>Technológie sa menia, menia sa rôzne techniky. Ale </a:t>
+            </a:r>
+            <a:r>
+              <a:rPr lang="sk-SK" sz="1200" b="0" kern="1200" dirty="0" err="1" smtClean="0">
+                <a:solidFill>
+                  <a:schemeClr val="tx1"/>
+                </a:solidFill>
+                <a:effectLst/>
+                <a:latin typeface="Arial" charset="0"/>
+                <a:ea typeface="+mn-ea"/>
+                <a:cs typeface="+mn-cs"/>
+              </a:rPr>
+              <a:t>princípi</a:t>
+            </a:r>
+            <a:r>
+              <a:rPr lang="sk-SK" sz="1200" b="0" kern="1200" dirty="0" smtClean="0">
+                <a:solidFill>
+                  <a:schemeClr val="tx1"/>
+                </a:solidFill>
+                <a:effectLst/>
+                <a:latin typeface="Arial" charset="0"/>
+                <a:ea typeface="+mn-ea"/>
+                <a:cs typeface="+mn-cs"/>
+              </a:rPr>
+              <a:t>, o ktorých si budeme dnes rozprávať sú stále. Boli sformulované pred 20rokmi a stále sú aktuálne.</a:t>
+            </a:r>
+          </a:p>
+          <a:p>
+            <a:endParaRPr lang="sk-SK" dirty="0" smtClean="0"/>
+          </a:p>
+          <a:p>
             <a:endParaRPr lang="sk-SK" dirty="0"/>
           </a:p>
         </p:txBody>
       </p:sp>
       <p:sp>
         <p:nvSpPr>
-          <p:cNvPr id="4" name="Zástupný symbol čísla snímky 3"/>
+          <p:cNvPr id="4" name="Zástupný objekt pre číslo snímky 3"/>
           <p:cNvSpPr>
             <a:spLocks noGrp="1"/>
           </p:cNvSpPr>
@@ -1838,6 +2321,11 @@
         </p:txBody>
       </p:sp>
     </p:spTree>
+    <p:extLst>
+      <p:ext uri="{BB962C8B-B14F-4D97-AF65-F5344CB8AC3E}">
+        <p14:creationId xmlns:p14="http://schemas.microsoft.com/office/powerpoint/2010/main" val="2797315312"/>
+      </p:ext>
+    </p:extLst>
   </p:cSld>
   <p:clrMapOvr>
     <a:masterClrMapping/>
@@ -1864,7 +2352,7 @@
       </p:grpSpPr>
       <p:sp>
         <p:nvSpPr>
-          <p:cNvPr id="2" name="Zástupný symbol obrazu snímky 1"/>
+          <p:cNvPr id="2" name="Zástupný objekt pre obrázok snímky 1"/>
           <p:cNvSpPr>
             <a:spLocks noGrp="1" noRot="1" noChangeAspect="1"/>
           </p:cNvSpPr>
@@ -1876,7 +2364,7 @@
       </p:sp>
       <p:sp>
         <p:nvSpPr>
-          <p:cNvPr id="3" name="Zástupný symbol poznámok 2"/>
+          <p:cNvPr id="3" name="Zástupný objekt pre poznámky 2"/>
           <p:cNvSpPr>
             <a:spLocks noGrp="1"/>
           </p:cNvSpPr>
@@ -1886,18 +2374,16 @@
         </p:nvSpPr>
         <p:spPr/>
         <p:txBody>
-          <a:bodyPr>
-            <a:normAutofit fontScale="92500" lnSpcReduction="20000"/>
-          </a:bodyPr>
+          <a:bodyPr/>
           <a:lstStyle/>
           <a:p>
-            <a:endParaRPr lang="en-US" dirty="0" smtClean="0"/>
-          </a:p>
-        </p:txBody>
-      </p:sp>
-      <p:sp>
-        <p:nvSpPr>
-          <p:cNvPr id="4" name="Zástupný symbol čísla snímky 3"/>
+            <a:endParaRPr lang="sk-SK" dirty="0"/>
+          </a:p>
+        </p:txBody>
+      </p:sp>
+      <p:sp>
+        <p:nvSpPr>
+          <p:cNvPr id="4" name="Zástupný objekt pre číslo snímky 3"/>
           <p:cNvSpPr>
             <a:spLocks noGrp="1"/>
           </p:cNvSpPr>
@@ -1918,2173 +2404,18 @@
               <a:pPr>
                 <a:defRPr/>
               </a:pPr>
-              <a:t>4</a:t>
+              <a:t>13</a:t>
             </a:fld>
             <a:endParaRPr lang="sk-SK" altLang="sk-SK"/>
           </a:p>
         </p:txBody>
       </p:sp>
     </p:spTree>
-  </p:cSld>
-  <p:clrMapOvr>
-    <a:masterClrMapping/>
-  </p:clrMapOvr>
-</p:notes>
-</file>
-
-<file path=ppt/notesSlides/notesSlide5.xml><?xml version="1.0" encoding="utf-8"?>
-<p:notes xmlns:a="http://schemas.openxmlformats.org/drawingml/2006/main" xmlns:r="http://schemas.openxmlformats.org/officeDocument/2006/relationships" xmlns:p="http://schemas.openxmlformats.org/presentationml/2006/main">
-  <p:cSld>
-    <p:spTree>
-      <p:nvGrpSpPr>
-        <p:cNvPr id="1" name=""/>
-        <p:cNvGrpSpPr/>
-        <p:nvPr/>
-      </p:nvGrpSpPr>
-      <p:grpSpPr>
-        <a:xfrm>
-          <a:off x="0" y="0"/>
-          <a:ext cx="0" cy="0"/>
-          <a:chOff x="0" y="0"/>
-          <a:chExt cx="0" cy="0"/>
-        </a:xfrm>
-      </p:grpSpPr>
-      <p:sp>
-        <p:nvSpPr>
-          <p:cNvPr id="2" name="Zástupný symbol obrazu snímky 1"/>
-          <p:cNvSpPr>
-            <a:spLocks noGrp="1" noRot="1" noChangeAspect="1"/>
-          </p:cNvSpPr>
-          <p:nvPr>
-            <p:ph type="sldImg"/>
-          </p:nvPr>
-        </p:nvSpPr>
-        <p:spPr/>
-      </p:sp>
-      <p:sp>
-        <p:nvSpPr>
-          <p:cNvPr id="3" name="Zástupný symbol poznámok 2"/>
-          <p:cNvSpPr>
-            <a:spLocks noGrp="1"/>
-          </p:cNvSpPr>
-          <p:nvPr>
-            <p:ph type="body" idx="1"/>
-          </p:nvPr>
-        </p:nvSpPr>
-        <p:spPr/>
-        <p:txBody>
-          <a:bodyPr>
-            <a:normAutofit/>
-          </a:bodyPr>
-          <a:lstStyle/>
-          <a:p>
-            <a:r>
-              <a:rPr lang="sk-SK" sz="1200" b="1" kern="1200" dirty="0" err="1" smtClean="0">
-                <a:solidFill>
-                  <a:schemeClr val="tx1"/>
-                </a:solidFill>
-                <a:latin typeface="Arial" charset="0"/>
-                <a:ea typeface="+mn-ea"/>
-                <a:cs typeface="+mn-cs"/>
-              </a:rPr>
-              <a:t>Fast</a:t>
-            </a:r>
-            <a:endParaRPr lang="sk-SK" sz="1200" b="1" kern="1200" dirty="0" smtClean="0">
-              <a:solidFill>
-                <a:schemeClr val="tx1"/>
-              </a:solidFill>
-              <a:latin typeface="Arial" charset="0"/>
-              <a:ea typeface="+mn-ea"/>
-              <a:cs typeface="+mn-cs"/>
-            </a:endParaRPr>
-          </a:p>
-          <a:p>
-            <a:r>
-              <a:rPr lang="sk-SK" sz="1200" kern="1200" dirty="0" smtClean="0">
-                <a:solidFill>
-                  <a:schemeClr val="tx1"/>
-                </a:solidFill>
-                <a:latin typeface="Arial" charset="0"/>
-                <a:ea typeface="+mn-ea"/>
-                <a:cs typeface="+mn-cs"/>
-              </a:rPr>
-              <a:t>- Čím rýchlejšie testy máte, tým častejšie</a:t>
-            </a:r>
-            <a:r>
-              <a:rPr lang="sk-SK" sz="1200" kern="1200" baseline="0" dirty="0" smtClean="0">
-                <a:solidFill>
-                  <a:schemeClr val="tx1"/>
-                </a:solidFill>
-                <a:latin typeface="Arial" charset="0"/>
-                <a:ea typeface="+mn-ea"/>
-                <a:cs typeface="+mn-cs"/>
-              </a:rPr>
-              <a:t> budete tieto testy púšťať. A naopak</a:t>
-            </a:r>
-          </a:p>
-          <a:p>
-            <a:pPr>
-              <a:buFontTx/>
-              <a:buChar char="-"/>
-            </a:pPr>
-            <a:r>
-              <a:rPr lang="sk-SK" sz="1200" kern="1200" baseline="0" dirty="0" smtClean="0">
-                <a:solidFill>
-                  <a:schemeClr val="tx1"/>
-                </a:solidFill>
-                <a:latin typeface="Arial" charset="0"/>
-                <a:ea typeface="+mn-ea"/>
-                <a:cs typeface="+mn-cs"/>
-              </a:rPr>
-              <a:t> Rýchlosť testu by sa mala pohybovať v milisekundách</a:t>
-            </a:r>
-          </a:p>
-          <a:p>
-            <a:pPr>
-              <a:buFontTx/>
-              <a:buChar char="-"/>
-            </a:pPr>
-            <a:r>
-              <a:rPr lang="sk-SK" sz="1200" kern="1200" baseline="0" dirty="0" smtClean="0">
-                <a:solidFill>
-                  <a:schemeClr val="tx1"/>
-                </a:solidFill>
-                <a:latin typeface="Arial" charset="0"/>
-                <a:ea typeface="+mn-ea"/>
-                <a:cs typeface="+mn-cs"/>
-              </a:rPr>
-              <a:t> Inač začne byť neochota ich púšťať</a:t>
-            </a:r>
-          </a:p>
-          <a:p>
-            <a:pPr>
-              <a:buFontTx/>
-              <a:buNone/>
-            </a:pPr>
-            <a:r>
-              <a:rPr lang="en-US" sz="1200" kern="1200" baseline="0" dirty="0" smtClean="0">
-                <a:solidFill>
-                  <a:schemeClr val="tx1"/>
-                </a:solidFill>
-                <a:latin typeface="Arial" charset="0"/>
-                <a:ea typeface="+mn-ea"/>
-                <a:cs typeface="+mn-cs"/>
-              </a:rPr>
-              <a:t>- M</a:t>
-            </a:r>
-            <a:r>
-              <a:rPr lang="sk-SK" sz="1200" kern="1200" baseline="0" dirty="0" err="1" smtClean="0">
-                <a:solidFill>
-                  <a:schemeClr val="tx1"/>
-                </a:solidFill>
-                <a:latin typeface="Arial" charset="0"/>
-                <a:ea typeface="+mn-ea"/>
-                <a:cs typeface="+mn-cs"/>
-              </a:rPr>
-              <a:t>ôžete</a:t>
-            </a:r>
-            <a:r>
-              <a:rPr lang="sk-SK" sz="1200" kern="1200" baseline="0" dirty="0" smtClean="0">
-                <a:solidFill>
-                  <a:schemeClr val="tx1"/>
-                </a:solidFill>
-                <a:latin typeface="Arial" charset="0"/>
-                <a:ea typeface="+mn-ea"/>
-                <a:cs typeface="+mn-cs"/>
-              </a:rPr>
-              <a:t> akceptovať dlhšie trvajúce testy integračné alebo automatické testy, ktoré testujú aplikáciu ako celok. Ale neakceptujete dlhotrvajúce </a:t>
-            </a:r>
-            <a:r>
-              <a:rPr lang="sk-SK" sz="1200" kern="1200" baseline="0" dirty="0" err="1" smtClean="0">
-                <a:solidFill>
-                  <a:schemeClr val="tx1"/>
-                </a:solidFill>
-                <a:latin typeface="Arial" charset="0"/>
-                <a:ea typeface="+mn-ea"/>
-                <a:cs typeface="+mn-cs"/>
-              </a:rPr>
-              <a:t>UnitTesty</a:t>
-            </a:r>
-            <a:r>
-              <a:rPr lang="sk-SK" sz="1200" kern="1200" baseline="0" dirty="0" smtClean="0">
-                <a:solidFill>
-                  <a:schemeClr val="tx1"/>
-                </a:solidFill>
-                <a:latin typeface="Arial" charset="0"/>
-                <a:ea typeface="+mn-ea"/>
-                <a:cs typeface="+mn-cs"/>
-              </a:rPr>
-              <a:t>, pretože </a:t>
-            </a:r>
-            <a:r>
-              <a:rPr lang="sk-SK" sz="1200" kern="1200" baseline="0" dirty="0" err="1" smtClean="0">
-                <a:solidFill>
-                  <a:schemeClr val="tx1"/>
-                </a:solidFill>
-                <a:latin typeface="Arial" charset="0"/>
-                <a:ea typeface="+mn-ea"/>
-                <a:cs typeface="+mn-cs"/>
-              </a:rPr>
-              <a:t>unitttesty</a:t>
-            </a:r>
-            <a:r>
-              <a:rPr lang="sk-SK" sz="1200" kern="1200" baseline="0" dirty="0" smtClean="0">
-                <a:solidFill>
-                  <a:schemeClr val="tx1"/>
-                </a:solidFill>
-                <a:latin typeface="Arial" charset="0"/>
-                <a:ea typeface="+mn-ea"/>
-                <a:cs typeface="+mn-cs"/>
-              </a:rPr>
-              <a:t> chcete púšťať pomaly po každej zmene v </a:t>
-            </a:r>
-            <a:r>
-              <a:rPr lang="sk-SK" sz="1200" kern="1200" baseline="0" dirty="0" err="1" smtClean="0">
-                <a:solidFill>
-                  <a:schemeClr val="tx1"/>
-                </a:solidFill>
-                <a:latin typeface="Arial" charset="0"/>
-                <a:ea typeface="+mn-ea"/>
-                <a:cs typeface="+mn-cs"/>
-              </a:rPr>
-              <a:t>zdrojákoch</a:t>
-            </a:r>
-            <a:r>
-              <a:rPr lang="sk-SK" sz="1200" kern="1200" baseline="0" dirty="0" smtClean="0">
-                <a:solidFill>
-                  <a:schemeClr val="tx1"/>
-                </a:solidFill>
-                <a:latin typeface="Arial" charset="0"/>
-                <a:ea typeface="+mn-ea"/>
-                <a:cs typeface="+mn-cs"/>
-              </a:rPr>
-              <a:t>.</a:t>
-            </a:r>
-            <a:endParaRPr lang="en-US" sz="1200" kern="1200" baseline="0" dirty="0" smtClean="0">
-              <a:solidFill>
-                <a:schemeClr val="tx1"/>
-              </a:solidFill>
-              <a:latin typeface="Arial" charset="0"/>
-              <a:ea typeface="+mn-ea"/>
-              <a:cs typeface="+mn-cs"/>
-            </a:endParaRPr>
-          </a:p>
-          <a:p>
-            <a:pPr>
-              <a:buFontTx/>
-              <a:buNone/>
-            </a:pPr>
-            <a:endParaRPr lang="sk-SK" sz="1200" kern="1200" baseline="0" dirty="0" smtClean="0">
-              <a:solidFill>
-                <a:schemeClr val="tx1"/>
-              </a:solidFill>
-              <a:latin typeface="Arial" charset="0"/>
-              <a:ea typeface="+mn-ea"/>
-              <a:cs typeface="+mn-cs"/>
-            </a:endParaRPr>
-          </a:p>
-          <a:p>
-            <a:pPr>
-              <a:buFontTx/>
-              <a:buNone/>
-            </a:pPr>
-            <a:r>
-              <a:rPr lang="sk-SK" sz="1200" b="1" kern="1200" baseline="0" dirty="0" err="1" smtClean="0">
-                <a:solidFill>
-                  <a:schemeClr val="tx1"/>
-                </a:solidFill>
-                <a:latin typeface="Arial" charset="0"/>
-                <a:ea typeface="+mn-ea"/>
-                <a:cs typeface="+mn-cs"/>
-              </a:rPr>
-              <a:t>Isolated</a:t>
-            </a:r>
-            <a:endParaRPr lang="sk-SK" sz="1200" b="1" kern="1200" baseline="0" dirty="0" smtClean="0">
-              <a:solidFill>
-                <a:schemeClr val="tx1"/>
-              </a:solidFill>
-              <a:latin typeface="Arial" charset="0"/>
-              <a:ea typeface="+mn-ea"/>
-              <a:cs typeface="+mn-cs"/>
-            </a:endParaRPr>
-          </a:p>
-          <a:p>
-            <a:pPr>
-              <a:buFontTx/>
-              <a:buNone/>
-            </a:pPr>
-            <a:r>
-              <a:rPr lang="sk-SK" sz="1200" b="0" kern="1200" baseline="0" dirty="0" smtClean="0">
-                <a:solidFill>
-                  <a:schemeClr val="tx1"/>
-                </a:solidFill>
-                <a:latin typeface="Arial" charset="0"/>
-                <a:ea typeface="+mn-ea"/>
-                <a:cs typeface="+mn-cs"/>
-              </a:rPr>
-              <a:t> - Každý test má mať iba jeden dôvod pre zlyhanie</a:t>
-            </a:r>
-          </a:p>
-          <a:p>
-            <a:pPr>
-              <a:buFontTx/>
-              <a:buNone/>
-            </a:pPr>
-            <a:r>
-              <a:rPr lang="sk-SK" sz="1200" b="0" kern="1200" baseline="0" dirty="0" smtClean="0">
-                <a:solidFill>
-                  <a:schemeClr val="tx1"/>
-                </a:solidFill>
-                <a:latin typeface="Arial" charset="0"/>
-                <a:ea typeface="+mn-ea"/>
-                <a:cs typeface="+mn-cs"/>
-              </a:rPr>
-              <a:t> - Musíte navrhovať vaše testy nezávislé od externých faktorov a tiež od ostatných testov. Keď sú testy závislé jeden na druhom, zlyhanie jedného spôsoby kaskádové padanie všetkých ostatných.</a:t>
-            </a:r>
-          </a:p>
-          <a:p>
-            <a:pPr>
-              <a:buFontTx/>
-              <a:buNone/>
-            </a:pPr>
-            <a:r>
-              <a:rPr lang="sk-SK" sz="1200" b="0" kern="1200" baseline="0" dirty="0" smtClean="0">
-                <a:solidFill>
-                  <a:schemeClr val="tx1"/>
-                </a:solidFill>
-                <a:latin typeface="Arial" charset="0"/>
-                <a:ea typeface="+mn-ea"/>
-                <a:cs typeface="+mn-cs"/>
-              </a:rPr>
-              <a:t> - Pokiaľ sa budete snažiť organizovať poradie testov, aby ste predišli ich padaniu, je to znamením, že ich máte zle navrhnuté. (bežia asynchrónne)</a:t>
-            </a:r>
-          </a:p>
-          <a:p>
-            <a:pPr>
-              <a:buFontTx/>
-              <a:buNone/>
-            </a:pPr>
-            <a:r>
-              <a:rPr lang="sk-SK" sz="1200" b="0" kern="1200" baseline="0" dirty="0" smtClean="0">
-                <a:solidFill>
-                  <a:schemeClr val="tx1"/>
-                </a:solidFill>
-                <a:latin typeface="Arial" charset="0"/>
-                <a:ea typeface="+mn-ea"/>
-                <a:cs typeface="+mn-cs"/>
-              </a:rPr>
-              <a:t> - Každý test by mal byť postavený a jeho vlastnom test </a:t>
-            </a:r>
-            <a:r>
-              <a:rPr lang="sk-SK" sz="1200" b="0" kern="1200" baseline="0" dirty="0" err="1" smtClean="0">
-                <a:solidFill>
-                  <a:schemeClr val="tx1"/>
-                </a:solidFill>
-                <a:latin typeface="Arial" charset="0"/>
-                <a:ea typeface="+mn-ea"/>
-                <a:cs typeface="+mn-cs"/>
-              </a:rPr>
-              <a:t>case</a:t>
-            </a:r>
-            <a:r>
-              <a:rPr lang="sk-SK" sz="1200" b="0" kern="1200" baseline="0" dirty="0" smtClean="0">
-                <a:solidFill>
-                  <a:schemeClr val="tx1"/>
-                </a:solidFill>
-                <a:latin typeface="Arial" charset="0"/>
-                <a:ea typeface="+mn-ea"/>
-                <a:cs typeface="+mn-cs"/>
-              </a:rPr>
-              <a:t>, ktorý dokumentuje jedno diskrétne správanie (takže nie v jednom teste test na 0 / 1 / 2 / 4 / ...) každý samostatne, aby keď niektorý z nich padne, aby bolo jasné prečo padol.</a:t>
-            </a:r>
-          </a:p>
-          <a:p>
-            <a:pPr>
-              <a:buFontTx/>
-              <a:buNone/>
-            </a:pPr>
-            <a:r>
-              <a:rPr lang="sk-SK" sz="1200" b="0" kern="1200" baseline="0" dirty="0" smtClean="0">
-                <a:solidFill>
-                  <a:schemeClr val="tx1"/>
-                </a:solidFill>
-                <a:latin typeface="Arial" charset="0"/>
-                <a:ea typeface="+mn-ea"/>
-                <a:cs typeface="+mn-cs"/>
-              </a:rPr>
-              <a:t> - Podľa Dave </a:t>
-            </a:r>
-            <a:r>
-              <a:rPr lang="sk-SK" sz="1200" b="0" kern="1200" baseline="0" dirty="0" err="1" smtClean="0">
-                <a:solidFill>
-                  <a:schemeClr val="tx1"/>
-                </a:solidFill>
-                <a:latin typeface="Arial" charset="0"/>
-                <a:ea typeface="+mn-ea"/>
-                <a:cs typeface="+mn-cs"/>
-              </a:rPr>
-              <a:t>Astela</a:t>
-            </a:r>
-            <a:r>
-              <a:rPr lang="sk-SK" sz="1200" b="0" kern="1200" baseline="0" dirty="0" smtClean="0">
-                <a:solidFill>
-                  <a:schemeClr val="tx1"/>
-                </a:solidFill>
-                <a:latin typeface="Arial" charset="0"/>
-                <a:ea typeface="+mn-ea"/>
-                <a:cs typeface="+mn-cs"/>
-              </a:rPr>
-              <a:t> (Guru čo sa týka extrémneho programovania) by mal byť v jednom teste iba jeden </a:t>
-            </a:r>
-            <a:r>
-              <a:rPr lang="sk-SK" sz="1200" b="0" kern="1200" baseline="0" dirty="0" err="1" smtClean="0">
-                <a:solidFill>
-                  <a:schemeClr val="tx1"/>
-                </a:solidFill>
-                <a:latin typeface="Arial" charset="0"/>
-                <a:ea typeface="+mn-ea"/>
-                <a:cs typeface="+mn-cs"/>
-              </a:rPr>
-              <a:t>assert</a:t>
-            </a:r>
-            <a:r>
-              <a:rPr lang="sk-SK" sz="1200" b="0" kern="1200" baseline="0" dirty="0" smtClean="0">
-                <a:solidFill>
-                  <a:schemeClr val="tx1"/>
-                </a:solidFill>
-                <a:latin typeface="Arial" charset="0"/>
-                <a:ea typeface="+mn-ea"/>
-                <a:cs typeface="+mn-cs"/>
-              </a:rPr>
-              <a:t>.</a:t>
-            </a:r>
-            <a:endParaRPr lang="en-US" sz="1200" b="0" kern="1200" baseline="0" dirty="0" smtClean="0">
-              <a:solidFill>
-                <a:schemeClr val="tx1"/>
-              </a:solidFill>
-              <a:latin typeface="Arial" charset="0"/>
-              <a:ea typeface="+mn-ea"/>
-              <a:cs typeface="+mn-cs"/>
-            </a:endParaRPr>
-          </a:p>
-          <a:p>
-            <a:pPr>
-              <a:buFontTx/>
-              <a:buNone/>
-            </a:pPr>
-            <a:endParaRPr lang="sk-SK" sz="1200" b="0" kern="1200" baseline="0" dirty="0" smtClean="0">
-              <a:solidFill>
-                <a:schemeClr val="tx1"/>
-              </a:solidFill>
-              <a:latin typeface="Arial" charset="0"/>
-              <a:ea typeface="+mn-ea"/>
-              <a:cs typeface="+mn-cs"/>
-            </a:endParaRPr>
-          </a:p>
-          <a:p>
-            <a:pPr>
-              <a:buFontTx/>
-              <a:buNone/>
-            </a:pPr>
-            <a:r>
-              <a:rPr lang="sk-SK" sz="1200" b="1" kern="1200" baseline="0" dirty="0" err="1" smtClean="0">
-                <a:solidFill>
-                  <a:schemeClr val="tx1"/>
-                </a:solidFill>
-                <a:latin typeface="Arial" charset="0"/>
-                <a:ea typeface="+mn-ea"/>
-                <a:cs typeface="+mn-cs"/>
-              </a:rPr>
-              <a:t>Repeatable</a:t>
-            </a:r>
-            <a:endParaRPr lang="sk-SK" sz="1200" b="1" kern="1200" baseline="0" dirty="0" smtClean="0">
-              <a:solidFill>
-                <a:schemeClr val="tx1"/>
-              </a:solidFill>
-              <a:latin typeface="Arial" charset="0"/>
-              <a:ea typeface="+mn-ea"/>
-              <a:cs typeface="+mn-cs"/>
-            </a:endParaRPr>
-          </a:p>
-          <a:p>
-            <a:pPr>
-              <a:buFontTx/>
-              <a:buNone/>
-            </a:pPr>
-            <a:r>
-              <a:rPr lang="sk-SK" sz="1200" b="0" kern="1200" baseline="0" dirty="0" smtClean="0">
-                <a:solidFill>
-                  <a:schemeClr val="tx1"/>
-                </a:solidFill>
-                <a:latin typeface="Arial" charset="0"/>
-                <a:ea typeface="+mn-ea"/>
-                <a:cs typeface="+mn-cs"/>
-              </a:rPr>
-              <a:t> To je asi jasne pravidlo. Pokiaľ ste nezmenili </a:t>
-            </a:r>
-            <a:r>
-              <a:rPr lang="sk-SK" sz="1200" b="0" kern="1200" baseline="0" dirty="0" err="1" smtClean="0">
-                <a:solidFill>
-                  <a:schemeClr val="tx1"/>
-                </a:solidFill>
-                <a:latin typeface="Arial" charset="0"/>
-                <a:ea typeface="+mn-ea"/>
-                <a:cs typeface="+mn-cs"/>
-              </a:rPr>
-              <a:t>code</a:t>
-            </a:r>
-            <a:r>
-              <a:rPr lang="sk-SK" sz="1200" b="0" kern="1200" baseline="0" dirty="0" smtClean="0">
-                <a:solidFill>
-                  <a:schemeClr val="tx1"/>
-                </a:solidFill>
-                <a:latin typeface="Arial" charset="0"/>
-                <a:ea typeface="+mn-ea"/>
-                <a:cs typeface="+mn-cs"/>
-              </a:rPr>
-              <a:t> base (testovanú funkčnosť) musíte pri každom behu dostať rovnaké výsledky.</a:t>
-            </a:r>
-          </a:p>
-          <a:p>
-            <a:pPr>
-              <a:buFontTx/>
-              <a:buNone/>
-            </a:pPr>
-            <a:r>
-              <a:rPr lang="sk-SK" sz="1200" b="0" kern="1200" baseline="0" dirty="0" smtClean="0">
-                <a:solidFill>
-                  <a:schemeClr val="tx1"/>
-                </a:solidFill>
-                <a:latin typeface="Arial" charset="0"/>
-                <a:ea typeface="+mn-ea"/>
-                <a:cs typeface="+mn-cs"/>
-              </a:rPr>
-              <a:t> - Kedy tomu tak nie je:</a:t>
-            </a:r>
-          </a:p>
-          <a:p>
-            <a:pPr>
-              <a:buFontTx/>
-              <a:buNone/>
-            </a:pPr>
-            <a:r>
-              <a:rPr lang="sk-SK" sz="1200" b="0" kern="1200" baseline="0" dirty="0" smtClean="0">
-                <a:solidFill>
-                  <a:schemeClr val="tx1"/>
-                </a:solidFill>
-                <a:latin typeface="Arial" charset="0"/>
-                <a:ea typeface="+mn-ea"/>
-                <a:cs typeface="+mn-cs"/>
-              </a:rPr>
-              <a:t>    - Keď sa vaše testy, poprípade testovaná funkčnosť spolieha na statické dáta. Typicky vedia zamiešať karty </a:t>
-            </a:r>
-            <a:r>
-              <a:rPr lang="sk-SK" sz="1200" b="0" kern="1200" baseline="0" dirty="0" err="1" smtClean="0">
-                <a:solidFill>
-                  <a:schemeClr val="tx1"/>
-                </a:solidFill>
-                <a:latin typeface="Arial" charset="0"/>
-                <a:ea typeface="+mn-ea"/>
-                <a:cs typeface="+mn-cs"/>
-              </a:rPr>
-              <a:t>Singletony</a:t>
-            </a:r>
-            <a:r>
-              <a:rPr lang="sk-SK" sz="1200" b="0" kern="1200" baseline="0" dirty="0" smtClean="0">
-                <a:solidFill>
-                  <a:schemeClr val="tx1"/>
-                </a:solidFill>
-                <a:latin typeface="Arial" charset="0"/>
-                <a:ea typeface="+mn-ea"/>
-                <a:cs typeface="+mn-cs"/>
-              </a:rPr>
-              <a:t>.</a:t>
-            </a:r>
-          </a:p>
-          <a:p>
-            <a:pPr>
-              <a:buFontTx/>
-              <a:buNone/>
-            </a:pPr>
-            <a:r>
-              <a:rPr lang="sk-SK" sz="1200" b="0" kern="1200" baseline="0" dirty="0" smtClean="0">
-                <a:solidFill>
-                  <a:schemeClr val="tx1"/>
-                </a:solidFill>
-                <a:latin typeface="Arial" charset="0"/>
-                <a:ea typeface="+mn-ea"/>
-                <a:cs typeface="+mn-cs"/>
-              </a:rPr>
-              <a:t>    - Pokiaľ priamo / nepriamo testujete </a:t>
-            </a:r>
-            <a:r>
-              <a:rPr lang="sk-SK" sz="1200" b="0" kern="1200" baseline="0" dirty="0" err="1" smtClean="0">
-                <a:solidFill>
-                  <a:schemeClr val="tx1"/>
-                </a:solidFill>
-                <a:latin typeface="Arial" charset="0"/>
-                <a:ea typeface="+mn-ea"/>
-                <a:cs typeface="+mn-cs"/>
-              </a:rPr>
-              <a:t>exte</a:t>
-            </a:r>
-            <a:r>
-              <a:rPr lang="en-US" sz="1200" b="0" kern="1200" baseline="0" dirty="0" smtClean="0">
-                <a:solidFill>
-                  <a:schemeClr val="tx1"/>
-                </a:solidFill>
-                <a:latin typeface="Arial" charset="0"/>
-                <a:ea typeface="+mn-ea"/>
-                <a:cs typeface="+mn-cs"/>
-              </a:rPr>
-              <a:t>r</a:t>
-            </a:r>
-            <a:r>
-              <a:rPr lang="sk-SK" sz="1200" b="0" kern="1200" baseline="0" dirty="0" smtClean="0">
-                <a:solidFill>
-                  <a:schemeClr val="tx1"/>
-                </a:solidFill>
-                <a:latin typeface="Arial" charset="0"/>
-                <a:ea typeface="+mn-ea"/>
-                <a:cs typeface="+mn-cs"/>
-              </a:rPr>
-              <a:t>ne </a:t>
-            </a:r>
-            <a:r>
-              <a:rPr lang="sk-SK" sz="1200" b="0" kern="1200" baseline="0" dirty="0" smtClean="0">
-                <a:solidFill>
-                  <a:schemeClr val="tx1"/>
-                </a:solidFill>
-                <a:latin typeface="Arial" charset="0"/>
-                <a:ea typeface="+mn-ea"/>
-                <a:cs typeface="+mn-cs"/>
-              </a:rPr>
-              <a:t>služby (</a:t>
-            </a:r>
-            <a:r>
-              <a:rPr lang="sk-SK" sz="1200" b="0" kern="1200" baseline="0" dirty="0" err="1" smtClean="0">
-                <a:solidFill>
-                  <a:schemeClr val="tx1"/>
-                </a:solidFill>
-                <a:latin typeface="Arial" charset="0"/>
-                <a:ea typeface="+mn-ea"/>
-                <a:cs typeface="+mn-cs"/>
-              </a:rPr>
-              <a:t>file</a:t>
-            </a:r>
-            <a:r>
-              <a:rPr lang="sk-SK" sz="1200" b="0" kern="1200" baseline="0" dirty="0" smtClean="0">
-                <a:solidFill>
-                  <a:schemeClr val="tx1"/>
-                </a:solidFill>
-                <a:latin typeface="Arial" charset="0"/>
-                <a:ea typeface="+mn-ea"/>
-                <a:cs typeface="+mn-cs"/>
-              </a:rPr>
-              <a:t> </a:t>
-            </a:r>
-            <a:r>
-              <a:rPr lang="sk-SK" sz="1200" b="0" kern="1200" baseline="0" dirty="0" err="1" smtClean="0">
-                <a:solidFill>
-                  <a:schemeClr val="tx1"/>
-                </a:solidFill>
-                <a:latin typeface="Arial" charset="0"/>
-                <a:ea typeface="+mn-ea"/>
-                <a:cs typeface="+mn-cs"/>
-              </a:rPr>
-              <a:t>system</a:t>
-            </a:r>
-            <a:r>
-              <a:rPr lang="sk-SK" sz="1200" b="0" kern="1200" baseline="0" dirty="0" smtClean="0">
-                <a:solidFill>
-                  <a:schemeClr val="tx1"/>
-                </a:solidFill>
-                <a:latin typeface="Arial" charset="0"/>
-                <a:ea typeface="+mn-ea"/>
-                <a:cs typeface="+mn-cs"/>
-              </a:rPr>
-              <a:t> / </a:t>
-            </a:r>
-            <a:r>
-              <a:rPr lang="sk-SK" sz="1200" b="0" kern="1200" baseline="0" dirty="0" err="1" smtClean="0">
-                <a:solidFill>
-                  <a:schemeClr val="tx1"/>
-                </a:solidFill>
-                <a:latin typeface="Arial" charset="0"/>
-                <a:ea typeface="+mn-ea"/>
-                <a:cs typeface="+mn-cs"/>
-              </a:rPr>
-              <a:t>database</a:t>
-            </a:r>
-            <a:r>
-              <a:rPr lang="sk-SK" sz="1200" b="0" kern="1200" baseline="0" dirty="0" smtClean="0">
-                <a:solidFill>
-                  <a:schemeClr val="tx1"/>
-                </a:solidFill>
-                <a:latin typeface="Arial" charset="0"/>
-                <a:ea typeface="+mn-ea"/>
-                <a:cs typeface="+mn-cs"/>
-              </a:rPr>
-              <a:t> / web servis / </a:t>
-            </a:r>
-            <a:r>
-              <a:rPr lang="sk-SK" sz="1200" b="0" kern="1200" baseline="0" dirty="0" err="1" smtClean="0">
-                <a:solidFill>
-                  <a:schemeClr val="tx1"/>
-                </a:solidFill>
-                <a:latin typeface="Arial" charset="0"/>
-                <a:ea typeface="+mn-ea"/>
-                <a:cs typeface="+mn-cs"/>
-              </a:rPr>
-              <a:t>api</a:t>
-            </a:r>
-            <a:r>
-              <a:rPr lang="sk-SK" sz="1200" b="0" kern="1200" baseline="0" dirty="0" smtClean="0">
-                <a:solidFill>
-                  <a:schemeClr val="tx1"/>
-                </a:solidFill>
-                <a:latin typeface="Arial" charset="0"/>
-                <a:ea typeface="+mn-ea"/>
-                <a:cs typeface="+mn-cs"/>
-              </a:rPr>
-              <a:t>)</a:t>
-            </a:r>
-          </a:p>
-          <a:p>
-            <a:pPr>
-              <a:buFontTx/>
-              <a:buNone/>
-            </a:pPr>
-            <a:r>
-              <a:rPr lang="sk-SK" sz="1200" b="0" kern="1200" baseline="0" dirty="0" smtClean="0">
-                <a:solidFill>
-                  <a:schemeClr val="tx1"/>
-                </a:solidFill>
-                <a:latin typeface="Arial" charset="0"/>
-                <a:ea typeface="+mn-ea"/>
-                <a:cs typeface="+mn-cs"/>
-              </a:rPr>
-              <a:t>    - Vlákna – kapitola sama o sebe</a:t>
-            </a:r>
-          </a:p>
-          <a:p>
-            <a:pPr>
-              <a:buFontTx/>
-              <a:buNone/>
-            </a:pPr>
-            <a:r>
-              <a:rPr lang="sk-SK" sz="1200" b="0" kern="1200" baseline="0" dirty="0" smtClean="0">
-                <a:solidFill>
-                  <a:schemeClr val="tx1"/>
-                </a:solidFill>
-                <a:latin typeface="Arial" charset="0"/>
-                <a:ea typeface="+mn-ea"/>
-                <a:cs typeface="+mn-cs"/>
-              </a:rPr>
-              <a:t>    - </a:t>
-            </a:r>
-          </a:p>
-          <a:p>
-            <a:pPr>
-              <a:buFontTx/>
-              <a:buNone/>
-            </a:pPr>
-            <a:r>
-              <a:rPr lang="sk-SK" sz="1200" b="1" kern="1200" baseline="0" dirty="0" err="1" smtClean="0">
-                <a:solidFill>
-                  <a:schemeClr val="tx1"/>
-                </a:solidFill>
-                <a:latin typeface="Arial" charset="0"/>
-                <a:ea typeface="+mn-ea"/>
-                <a:cs typeface="+mn-cs"/>
-              </a:rPr>
-              <a:t>Self</a:t>
-            </a:r>
-            <a:r>
-              <a:rPr lang="sk-SK" sz="1200" b="1" kern="1200" baseline="0" dirty="0" smtClean="0">
-                <a:solidFill>
-                  <a:schemeClr val="tx1"/>
-                </a:solidFill>
-                <a:latin typeface="Arial" charset="0"/>
-                <a:ea typeface="+mn-ea"/>
-                <a:cs typeface="+mn-cs"/>
-              </a:rPr>
-              <a:t> – </a:t>
-            </a:r>
-            <a:r>
-              <a:rPr lang="sk-SK" sz="1200" b="1" kern="1200" baseline="0" dirty="0" err="1" smtClean="0">
-                <a:solidFill>
-                  <a:schemeClr val="tx1"/>
-                </a:solidFill>
-                <a:latin typeface="Arial" charset="0"/>
-                <a:ea typeface="+mn-ea"/>
-                <a:cs typeface="+mn-cs"/>
-              </a:rPr>
-              <a:t>Validation</a:t>
-            </a:r>
-            <a:endParaRPr lang="sk-SK" sz="1200" b="1" kern="1200" baseline="0" dirty="0" smtClean="0">
-              <a:solidFill>
-                <a:schemeClr val="tx1"/>
-              </a:solidFill>
-              <a:latin typeface="Arial" charset="0"/>
-              <a:ea typeface="+mn-ea"/>
-              <a:cs typeface="+mn-cs"/>
-            </a:endParaRPr>
-          </a:p>
-          <a:p>
-            <a:pPr>
-              <a:buFontTx/>
-              <a:buNone/>
-            </a:pPr>
-            <a:r>
-              <a:rPr lang="sk-SK" sz="1200" b="0" kern="1200" baseline="0" dirty="0" smtClean="0">
-                <a:solidFill>
-                  <a:schemeClr val="tx1"/>
-                </a:solidFill>
-                <a:latin typeface="Arial" charset="0"/>
-                <a:ea typeface="+mn-ea"/>
-                <a:cs typeface="+mn-cs"/>
-              </a:rPr>
-              <a:t> - Dobrý </a:t>
-            </a:r>
-            <a:r>
-              <a:rPr lang="sk-SK" sz="1200" b="0" kern="1200" baseline="0" dirty="0" err="1" smtClean="0">
-                <a:solidFill>
-                  <a:schemeClr val="tx1"/>
-                </a:solidFill>
-                <a:latin typeface="Arial" charset="0"/>
-                <a:ea typeface="+mn-ea"/>
-                <a:cs typeface="+mn-cs"/>
-              </a:rPr>
-              <a:t>unit</a:t>
-            </a:r>
-            <a:r>
-              <a:rPr lang="sk-SK" sz="1200" b="0" kern="1200" baseline="0" dirty="0" smtClean="0">
-                <a:solidFill>
-                  <a:schemeClr val="tx1"/>
-                </a:solidFill>
-                <a:latin typeface="Arial" charset="0"/>
-                <a:ea typeface="+mn-ea"/>
-                <a:cs typeface="+mn-cs"/>
-              </a:rPr>
-              <a:t> test prejde alebo padne jednoznačne</a:t>
-            </a:r>
-          </a:p>
-          <a:p>
-            <a:pPr>
-              <a:buFontTx/>
-              <a:buNone/>
-            </a:pPr>
-            <a:r>
-              <a:rPr lang="sk-SK" sz="1200" b="0" kern="1200" baseline="0" dirty="0" smtClean="0">
-                <a:solidFill>
-                  <a:schemeClr val="tx1"/>
-                </a:solidFill>
-                <a:latin typeface="Arial" charset="0"/>
-                <a:ea typeface="+mn-ea"/>
-                <a:cs typeface="+mn-cs"/>
-              </a:rPr>
-              <a:t> - keď všetky testy prejdú, mali by ste mať vysokú dôveru vo váš kód a môžete ho nasadiť.</a:t>
-            </a:r>
-          </a:p>
-          <a:p>
-            <a:pPr>
-              <a:buFontTx/>
-              <a:buNone/>
-            </a:pPr>
-            <a:r>
-              <a:rPr lang="sk-SK" sz="1200" b="0" kern="1200" baseline="0" dirty="0" smtClean="0">
-                <a:solidFill>
-                  <a:schemeClr val="tx1"/>
-                </a:solidFill>
-                <a:latin typeface="Arial" charset="0"/>
-                <a:ea typeface="+mn-ea"/>
-                <a:cs typeface="+mn-cs"/>
-              </a:rPr>
-              <a:t> - Ak akýkoľvek test neprejde, nemali by ste pokračovať kým ho neopravíte. </a:t>
-            </a:r>
-          </a:p>
-          <a:p>
-            <a:pPr>
-              <a:buFontTx/>
-              <a:buNone/>
-            </a:pPr>
-            <a:r>
-              <a:rPr lang="sk-SK" sz="1200" b="0" kern="1200" baseline="0" dirty="0" smtClean="0">
-                <a:solidFill>
-                  <a:schemeClr val="tx1"/>
-                </a:solidFill>
-                <a:latin typeface="Arial" charset="0"/>
-                <a:ea typeface="+mn-ea"/>
-                <a:cs typeface="+mn-cs"/>
-              </a:rPr>
-              <a:t> - takéto automatizované testovanie robia projekt životaschopným aj pri veľkých tímoch.</a:t>
-            </a:r>
-          </a:p>
-          <a:p>
-            <a:pPr>
-              <a:buFontTx/>
-              <a:buNone/>
-            </a:pPr>
-            <a:r>
-              <a:rPr lang="sk-SK" sz="1200" b="0" kern="1200" baseline="0" dirty="0" smtClean="0">
-                <a:solidFill>
-                  <a:schemeClr val="tx1"/>
-                </a:solidFill>
-                <a:latin typeface="Arial" charset="0"/>
-                <a:ea typeface="+mn-ea"/>
-                <a:cs typeface="+mn-cs"/>
-              </a:rPr>
-              <a:t> - ak budete mať testy, kde nie je jednoznačný výsledok a je potrebné zhodnotenie výsledku človekom, tak takéto testy sa stanú brzdou produktivity.</a:t>
-            </a:r>
-          </a:p>
-          <a:p>
-            <a:pPr>
-              <a:buFontTx/>
-              <a:buNone/>
-            </a:pPr>
-            <a:r>
-              <a:rPr lang="sk-SK" sz="1200" b="0" kern="1200" baseline="0" dirty="0" smtClean="0">
-                <a:solidFill>
-                  <a:schemeClr val="tx1"/>
-                </a:solidFill>
-                <a:latin typeface="Arial" charset="0"/>
-                <a:ea typeface="+mn-ea"/>
-                <a:cs typeface="+mn-cs"/>
-              </a:rPr>
-              <a:t> - Nejednoznačné testy nie sú užitočné.</a:t>
-            </a:r>
-          </a:p>
-          <a:p>
-            <a:pPr>
-              <a:buFontTx/>
-              <a:buNone/>
-            </a:pPr>
-            <a:r>
-              <a:rPr lang="sk-SK" sz="1200" b="0" kern="1200" baseline="0" dirty="0" smtClean="0">
-                <a:solidFill>
-                  <a:schemeClr val="tx1"/>
-                </a:solidFill>
-                <a:latin typeface="Arial" charset="0"/>
-                <a:ea typeface="+mn-ea"/>
-                <a:cs typeface="+mn-cs"/>
-              </a:rPr>
-              <a:t> - Spomínal som už </a:t>
-            </a:r>
-            <a:r>
-              <a:rPr lang="sk-SK" sz="1200" b="0" kern="1200" baseline="0" dirty="0" err="1" smtClean="0">
-                <a:solidFill>
-                  <a:schemeClr val="tx1"/>
-                </a:solidFill>
-                <a:latin typeface="Arial" charset="0"/>
-                <a:ea typeface="+mn-ea"/>
-                <a:cs typeface="+mn-cs"/>
-              </a:rPr>
-              <a:t>code</a:t>
-            </a:r>
-            <a:r>
-              <a:rPr lang="sk-SK" sz="1200" b="0" kern="1200" baseline="0" dirty="0" smtClean="0">
-                <a:solidFill>
-                  <a:schemeClr val="tx1"/>
-                </a:solidFill>
-                <a:latin typeface="Arial" charset="0"/>
-                <a:ea typeface="+mn-ea"/>
-                <a:cs typeface="+mn-cs"/>
-              </a:rPr>
-              <a:t> </a:t>
-            </a:r>
-            <a:r>
-              <a:rPr lang="sk-SK" sz="1200" b="0" kern="1200" baseline="0" dirty="0" err="1" smtClean="0">
-                <a:solidFill>
-                  <a:schemeClr val="tx1"/>
-                </a:solidFill>
-                <a:latin typeface="Arial" charset="0"/>
-                <a:ea typeface="+mn-ea"/>
-                <a:cs typeface="+mn-cs"/>
-              </a:rPr>
-              <a:t>coverage</a:t>
-            </a:r>
-            <a:r>
-              <a:rPr lang="sk-SK" sz="1200" b="0" kern="1200" baseline="0" dirty="0" smtClean="0">
-                <a:solidFill>
-                  <a:schemeClr val="tx1"/>
-                </a:solidFill>
-                <a:latin typeface="Arial" charset="0"/>
-                <a:ea typeface="+mn-ea"/>
-                <a:cs typeface="+mn-cs"/>
-              </a:rPr>
-              <a:t>. V dobrej mienke sme chceli mať čo najvyššie pokrytie testami. Tak sa stávalo, že vznikali komplexné testy, ktoré mali za úlohu len prejsť čo najväčšiu časť kódu, ale vlastne nemali žiadny </a:t>
-            </a:r>
-            <a:r>
-              <a:rPr lang="sk-SK" sz="1200" b="0" kern="1200" baseline="0" dirty="0" err="1" smtClean="0">
-                <a:solidFill>
-                  <a:schemeClr val="tx1"/>
-                </a:solidFill>
-                <a:latin typeface="Arial" charset="0"/>
-                <a:ea typeface="+mn-ea"/>
-                <a:cs typeface="+mn-cs"/>
-              </a:rPr>
-              <a:t>assert</a:t>
-            </a:r>
-            <a:r>
-              <a:rPr lang="sk-SK" sz="1200" b="0" kern="1200" baseline="0" dirty="0" smtClean="0">
-                <a:solidFill>
-                  <a:schemeClr val="tx1"/>
-                </a:solidFill>
-                <a:latin typeface="Arial" charset="0"/>
-                <a:ea typeface="+mn-ea"/>
-                <a:cs typeface="+mn-cs"/>
-              </a:rPr>
-              <a:t>, alebo ich mali veľa. Časom, réžia ohľadom zisťovanie prečo tieto testy padajú bola taká veľká, že sme ich postupne začali vyhadzovať.</a:t>
-            </a:r>
-          </a:p>
-          <a:p>
-            <a:pPr>
-              <a:buFontTx/>
-              <a:buNone/>
-            </a:pPr>
-            <a:endParaRPr lang="sk-SK" sz="1200" b="0" kern="1200" baseline="0" dirty="0" smtClean="0">
-              <a:solidFill>
-                <a:schemeClr val="tx1"/>
-              </a:solidFill>
-              <a:latin typeface="Arial" charset="0"/>
-              <a:ea typeface="+mn-ea"/>
-              <a:cs typeface="+mn-cs"/>
-            </a:endParaRPr>
-          </a:p>
-          <a:p>
-            <a:pPr>
-              <a:buFontTx/>
-              <a:buNone/>
-            </a:pPr>
-            <a:r>
-              <a:rPr lang="sk-SK" sz="1200" b="1" kern="1200" baseline="0" dirty="0" err="1" smtClean="0">
-                <a:solidFill>
-                  <a:schemeClr val="tx1"/>
-                </a:solidFill>
-                <a:latin typeface="Arial" charset="0"/>
-                <a:ea typeface="+mn-ea"/>
-                <a:cs typeface="+mn-cs"/>
-              </a:rPr>
-              <a:t>Timely</a:t>
-            </a:r>
-            <a:endParaRPr lang="sk-SK" sz="1200" b="1" kern="1200" baseline="0" dirty="0" smtClean="0">
-              <a:solidFill>
-                <a:schemeClr val="tx1"/>
-              </a:solidFill>
-              <a:latin typeface="Arial" charset="0"/>
-              <a:ea typeface="+mn-ea"/>
-              <a:cs typeface="+mn-cs"/>
-            </a:endParaRPr>
-          </a:p>
-          <a:p>
-            <a:pPr>
-              <a:buFontTx/>
-              <a:buNone/>
-            </a:pPr>
-            <a:r>
-              <a:rPr lang="sk-SK" sz="1200" b="0" kern="1200" baseline="0" dirty="0" smtClean="0">
-                <a:solidFill>
-                  <a:schemeClr val="tx1"/>
-                </a:solidFill>
-                <a:latin typeface="Arial" charset="0"/>
-                <a:ea typeface="+mn-ea"/>
-                <a:cs typeface="+mn-cs"/>
-              </a:rPr>
-              <a:t> - </a:t>
-            </a:r>
-            <a:r>
-              <a:rPr lang="en-US" sz="1200" b="0" kern="1200" baseline="0" dirty="0" smtClean="0">
-                <a:solidFill>
-                  <a:schemeClr val="tx1"/>
-                </a:solidFill>
-                <a:latin typeface="Arial" charset="0"/>
-                <a:ea typeface="+mn-ea"/>
-                <a:cs typeface="+mn-cs"/>
-              </a:rPr>
-              <a:t>No a </a:t>
-            </a:r>
-            <a:r>
-              <a:rPr lang="en-US" sz="1200" b="0" kern="1200" baseline="0" dirty="0" err="1" smtClean="0">
-                <a:solidFill>
-                  <a:schemeClr val="tx1"/>
-                </a:solidFill>
-                <a:latin typeface="Arial" charset="0"/>
-                <a:ea typeface="+mn-ea"/>
-                <a:cs typeface="+mn-cs"/>
-              </a:rPr>
-              <a:t>toto</a:t>
-            </a:r>
-            <a:r>
-              <a:rPr lang="en-US" sz="1200" b="0" kern="1200" baseline="0" dirty="0" smtClean="0">
-                <a:solidFill>
-                  <a:schemeClr val="tx1"/>
-                </a:solidFill>
-                <a:latin typeface="Arial" charset="0"/>
-                <a:ea typeface="+mn-ea"/>
-                <a:cs typeface="+mn-cs"/>
-              </a:rPr>
-              <a:t> je pr</a:t>
-            </a:r>
-            <a:r>
-              <a:rPr lang="sk-SK" sz="1200" b="0" kern="1200" baseline="0" dirty="0" err="1" smtClean="0">
-                <a:solidFill>
-                  <a:schemeClr val="tx1"/>
-                </a:solidFill>
-                <a:latin typeface="Arial" charset="0"/>
-                <a:ea typeface="+mn-ea"/>
-                <a:cs typeface="+mn-cs"/>
-              </a:rPr>
-              <a:t>áve</a:t>
-            </a:r>
-            <a:r>
-              <a:rPr lang="sk-SK" sz="1200" b="0" kern="1200" baseline="0" dirty="0" smtClean="0">
-                <a:solidFill>
-                  <a:schemeClr val="tx1"/>
-                </a:solidFill>
-                <a:latin typeface="Arial" charset="0"/>
-                <a:ea typeface="+mn-ea"/>
-                <a:cs typeface="+mn-cs"/>
-              </a:rPr>
-              <a:t> o TDD. Teda o tom, že testy pred implementáciou. </a:t>
-            </a:r>
-          </a:p>
-          <a:p>
-            <a:pPr>
-              <a:buFontTx/>
-              <a:buNone/>
-            </a:pPr>
-            <a:endParaRPr lang="sk-SK" sz="1200" kern="1200" baseline="0" dirty="0" smtClean="0">
-              <a:solidFill>
-                <a:schemeClr val="tx1"/>
-              </a:solidFill>
-              <a:latin typeface="Arial" charset="0"/>
-              <a:ea typeface="+mn-ea"/>
-              <a:cs typeface="+mn-cs"/>
-            </a:endParaRPr>
-          </a:p>
-          <a:p>
-            <a:endParaRPr lang="sk-SK" sz="1200" kern="1200" dirty="0" smtClean="0">
-              <a:solidFill>
-                <a:schemeClr val="tx1"/>
-              </a:solidFill>
-              <a:latin typeface="Arial" charset="0"/>
-              <a:ea typeface="+mn-ea"/>
-              <a:cs typeface="+mn-cs"/>
-            </a:endParaRPr>
-          </a:p>
-        </p:txBody>
-      </p:sp>
-      <p:sp>
-        <p:nvSpPr>
-          <p:cNvPr id="4" name="Zástupný symbol čísla snímky 3"/>
-          <p:cNvSpPr>
-            <a:spLocks noGrp="1"/>
-          </p:cNvSpPr>
-          <p:nvPr>
-            <p:ph type="sldNum" sz="quarter" idx="10"/>
-          </p:nvPr>
-        </p:nvSpPr>
-        <p:spPr/>
-        <p:txBody>
-          <a:bodyPr/>
-          <a:lstStyle/>
-          <a:p>
-            <a:pPr>
-              <a:defRPr/>
-            </a:pPr>
-            <a:fld id="{92DFF3FC-38D1-4665-8859-B524ABE5B3D9}" type="slidenum">
-              <a:rPr lang="sk-SK" altLang="sk-SK" smtClean="0"/>
-              <a:pPr>
-                <a:defRPr/>
-              </a:pPr>
-              <a:t>5</a:t>
-            </a:fld>
-            <a:endParaRPr lang="sk-SK" altLang="sk-SK"/>
-          </a:p>
-        </p:txBody>
-      </p:sp>
-    </p:spTree>
-  </p:cSld>
-  <p:clrMapOvr>
-    <a:masterClrMapping/>
-  </p:clrMapOvr>
-</p:notes>
-</file>
-
-<file path=ppt/notesSlides/notesSlide6.xml><?xml version="1.0" encoding="utf-8"?>
-<p:notes xmlns:a="http://schemas.openxmlformats.org/drawingml/2006/main" xmlns:r="http://schemas.openxmlformats.org/officeDocument/2006/relationships" xmlns:p="http://schemas.openxmlformats.org/presentationml/2006/main">
-  <p:cSld>
-    <p:spTree>
-      <p:nvGrpSpPr>
-        <p:cNvPr id="1" name=""/>
-        <p:cNvGrpSpPr/>
-        <p:nvPr/>
-      </p:nvGrpSpPr>
-      <p:grpSpPr>
-        <a:xfrm>
-          <a:off x="0" y="0"/>
-          <a:ext cx="0" cy="0"/>
-          <a:chOff x="0" y="0"/>
-          <a:chExt cx="0" cy="0"/>
-        </a:xfrm>
-      </p:grpSpPr>
-      <p:sp>
-        <p:nvSpPr>
-          <p:cNvPr id="2" name="Zástupný symbol obrazu snímky 1"/>
-          <p:cNvSpPr>
-            <a:spLocks noGrp="1" noRot="1" noChangeAspect="1"/>
-          </p:cNvSpPr>
-          <p:nvPr>
-            <p:ph type="sldImg"/>
-          </p:nvPr>
-        </p:nvSpPr>
-        <p:spPr/>
-      </p:sp>
-      <p:sp>
-        <p:nvSpPr>
-          <p:cNvPr id="3" name="Zástupný symbol poznámok 2"/>
-          <p:cNvSpPr>
-            <a:spLocks noGrp="1"/>
-          </p:cNvSpPr>
-          <p:nvPr>
-            <p:ph type="body" idx="1"/>
-          </p:nvPr>
-        </p:nvSpPr>
-        <p:spPr/>
-        <p:txBody>
-          <a:bodyPr>
-            <a:normAutofit/>
-          </a:bodyPr>
-          <a:lstStyle/>
-          <a:p>
-            <a:r>
-              <a:rPr lang="sk-SK" dirty="0" smtClean="0"/>
-              <a:t>O čom to je.</a:t>
-            </a:r>
-          </a:p>
-          <a:p>
-            <a:r>
-              <a:rPr lang="sk-SK" dirty="0" smtClean="0"/>
-              <a:t>Test </a:t>
-            </a:r>
-            <a:r>
-              <a:rPr lang="sk-SK" dirty="0" err="1" smtClean="0"/>
-              <a:t>first</a:t>
-            </a:r>
-            <a:r>
-              <a:rPr lang="sk-SK" dirty="0" smtClean="0"/>
-              <a:t>.</a:t>
-            </a:r>
-          </a:p>
-          <a:p>
-            <a:r>
-              <a:rPr lang="sk-SK" dirty="0" smtClean="0"/>
-              <a:t>Najskôr</a:t>
-            </a:r>
-            <a:r>
-              <a:rPr lang="sk-SK" baseline="0" dirty="0" smtClean="0"/>
-              <a:t> vznikne test, ktorý padá. Pomocou takýchto testov si špecifikujeme požiadavky na danú funkčnosť.</a:t>
-            </a:r>
-          </a:p>
-          <a:p>
-            <a:r>
-              <a:rPr lang="sk-SK" baseline="0" dirty="0" smtClean="0"/>
-              <a:t>Následne implementujeme produkčný kód tak aby sme splnili požiadavky z testov.</a:t>
-            </a:r>
-          </a:p>
-          <a:p>
-            <a:r>
-              <a:rPr lang="sk-SK" baseline="0" dirty="0" smtClean="0"/>
-              <a:t> - môže to byť </a:t>
-            </a:r>
-            <a:r>
-              <a:rPr lang="sk-SK" baseline="0" dirty="0" err="1" smtClean="0"/>
-              <a:t>kľudne</a:t>
-            </a:r>
-            <a:r>
-              <a:rPr lang="sk-SK" baseline="0" dirty="0" smtClean="0"/>
-              <a:t> hrubá implementácia. Prvé riešenie, ktoré nás napadne. Ale tak aby spĺňalo definované požiadavky.</a:t>
-            </a:r>
-          </a:p>
-          <a:p>
-            <a:r>
-              <a:rPr lang="sk-SK" baseline="0" dirty="0" smtClean="0"/>
-              <a:t> - no a následne toto riešenie </a:t>
-            </a:r>
-            <a:r>
-              <a:rPr lang="sk-SK" baseline="0" dirty="0" err="1" smtClean="0"/>
-              <a:t>refaktorujeme</a:t>
-            </a:r>
-            <a:r>
-              <a:rPr lang="sk-SK" baseline="0" dirty="0" smtClean="0"/>
-              <a:t>. Optimalizujeme. Tak aby bolo rýchle, aby sme udržali čistotu kódu. Rozdelíme to na viac metód atď.</a:t>
-            </a:r>
-          </a:p>
-          <a:p>
-            <a:r>
-              <a:rPr lang="sk-SK" baseline="0" dirty="0" smtClean="0"/>
-              <a:t> - je to iteratívny spôsob vývoja.</a:t>
-            </a:r>
-          </a:p>
-          <a:p>
-            <a:r>
-              <a:rPr lang="sk-SK" baseline="0" dirty="0" smtClean="0"/>
-              <a:t> - ak sme </a:t>
-            </a:r>
-            <a:r>
-              <a:rPr lang="sk-SK" baseline="0" dirty="0" err="1" smtClean="0"/>
-              <a:t>refaktorom</a:t>
-            </a:r>
-            <a:r>
-              <a:rPr lang="sk-SK" baseline="0" dirty="0" smtClean="0"/>
-              <a:t> spôsobili chybu testy nám to odhalia.</a:t>
-            </a:r>
-            <a:endParaRPr lang="sk-SK" dirty="0"/>
-          </a:p>
-        </p:txBody>
-      </p:sp>
-      <p:sp>
-        <p:nvSpPr>
-          <p:cNvPr id="4" name="Zástupný symbol čísla snímky 3"/>
-          <p:cNvSpPr>
-            <a:spLocks noGrp="1"/>
-          </p:cNvSpPr>
-          <p:nvPr>
-            <p:ph type="sldNum" sz="quarter" idx="10"/>
-          </p:nvPr>
-        </p:nvSpPr>
-        <p:spPr/>
-        <p:txBody>
-          <a:bodyPr/>
-          <a:lstStyle/>
-          <a:p>
-            <a:pPr>
-              <a:defRPr/>
-            </a:pPr>
-            <a:fld id="{92DFF3FC-38D1-4665-8859-B524ABE5B3D9}" type="slidenum">
-              <a:rPr lang="sk-SK" altLang="sk-SK" smtClean="0"/>
-              <a:pPr>
-                <a:defRPr/>
-              </a:pPr>
-              <a:t>6</a:t>
-            </a:fld>
-            <a:endParaRPr lang="sk-SK" altLang="sk-SK"/>
-          </a:p>
-        </p:txBody>
-      </p:sp>
-    </p:spTree>
-  </p:cSld>
-  <p:clrMapOvr>
-    <a:masterClrMapping/>
-  </p:clrMapOvr>
-</p:notes>
-</file>
-
-<file path=ppt/notesSlides/notesSlide7.xml><?xml version="1.0" encoding="utf-8"?>
-<p:notes xmlns:a="http://schemas.openxmlformats.org/drawingml/2006/main" xmlns:r="http://schemas.openxmlformats.org/officeDocument/2006/relationships" xmlns:p="http://schemas.openxmlformats.org/presentationml/2006/main">
-  <p:cSld>
-    <p:spTree>
-      <p:nvGrpSpPr>
-        <p:cNvPr id="1" name=""/>
-        <p:cNvGrpSpPr/>
-        <p:nvPr/>
-      </p:nvGrpSpPr>
-      <p:grpSpPr>
-        <a:xfrm>
-          <a:off x="0" y="0"/>
-          <a:ext cx="0" cy="0"/>
-          <a:chOff x="0" y="0"/>
-          <a:chExt cx="0" cy="0"/>
-        </a:xfrm>
-      </p:grpSpPr>
-      <p:sp>
-        <p:nvSpPr>
-          <p:cNvPr id="2" name="Zástupný symbol obrazu snímky 1"/>
-          <p:cNvSpPr>
-            <a:spLocks noGrp="1" noRot="1" noChangeAspect="1"/>
-          </p:cNvSpPr>
-          <p:nvPr>
-            <p:ph type="sldImg"/>
-          </p:nvPr>
-        </p:nvSpPr>
-        <p:spPr/>
-      </p:sp>
-      <p:sp>
-        <p:nvSpPr>
-          <p:cNvPr id="3" name="Zástupný symbol poznámok 2"/>
-          <p:cNvSpPr>
-            <a:spLocks noGrp="1"/>
-          </p:cNvSpPr>
-          <p:nvPr>
-            <p:ph type="body" idx="1"/>
-          </p:nvPr>
-        </p:nvSpPr>
-        <p:spPr/>
-        <p:txBody>
-          <a:bodyPr>
-            <a:normAutofit/>
-          </a:bodyPr>
-          <a:lstStyle/>
-          <a:p>
-            <a:endParaRPr lang="sk-SK" dirty="0"/>
-          </a:p>
-        </p:txBody>
-      </p:sp>
-      <p:sp>
-        <p:nvSpPr>
-          <p:cNvPr id="4" name="Zástupný symbol čísla snímky 3"/>
-          <p:cNvSpPr>
-            <a:spLocks noGrp="1"/>
-          </p:cNvSpPr>
-          <p:nvPr>
-            <p:ph type="sldNum" sz="quarter" idx="10"/>
-          </p:nvPr>
-        </p:nvSpPr>
-        <p:spPr/>
-        <p:txBody>
-          <a:bodyPr/>
-          <a:lstStyle/>
-          <a:p>
-            <a:pPr>
-              <a:defRPr/>
-            </a:pPr>
-            <a:fld id="{92DFF3FC-38D1-4665-8859-B524ABE5B3D9}" type="slidenum">
-              <a:rPr lang="sk-SK" altLang="sk-SK" smtClean="0"/>
-              <a:pPr>
-                <a:defRPr/>
-              </a:pPr>
-              <a:t>7</a:t>
-            </a:fld>
-            <a:endParaRPr lang="sk-SK" altLang="sk-SK"/>
-          </a:p>
-        </p:txBody>
-      </p:sp>
-    </p:spTree>
-  </p:cSld>
-  <p:clrMapOvr>
-    <a:masterClrMapping/>
-  </p:clrMapOvr>
-</p:notes>
-</file>
-
-<file path=ppt/notesSlides/notesSlide8.xml><?xml version="1.0" encoding="utf-8"?>
-<p:notes xmlns:a="http://schemas.openxmlformats.org/drawingml/2006/main" xmlns:r="http://schemas.openxmlformats.org/officeDocument/2006/relationships" xmlns:p="http://schemas.openxmlformats.org/presentationml/2006/main">
-  <p:cSld>
-    <p:spTree>
-      <p:nvGrpSpPr>
-        <p:cNvPr id="1" name=""/>
-        <p:cNvGrpSpPr/>
-        <p:nvPr/>
-      </p:nvGrpSpPr>
-      <p:grpSpPr>
-        <a:xfrm>
-          <a:off x="0" y="0"/>
-          <a:ext cx="0" cy="0"/>
-          <a:chOff x="0" y="0"/>
-          <a:chExt cx="0" cy="0"/>
-        </a:xfrm>
-      </p:grpSpPr>
-      <p:sp>
-        <p:nvSpPr>
-          <p:cNvPr id="2" name="Zástupný symbol obrazu snímky 1"/>
-          <p:cNvSpPr>
-            <a:spLocks noGrp="1" noRot="1" noChangeAspect="1"/>
-          </p:cNvSpPr>
-          <p:nvPr>
-            <p:ph type="sldImg"/>
-          </p:nvPr>
-        </p:nvSpPr>
-        <p:spPr/>
-      </p:sp>
-      <p:sp>
-        <p:nvSpPr>
-          <p:cNvPr id="3" name="Zástupný symbol poznámok 2"/>
-          <p:cNvSpPr>
-            <a:spLocks noGrp="1"/>
-          </p:cNvSpPr>
-          <p:nvPr>
-            <p:ph type="body" idx="1"/>
-          </p:nvPr>
-        </p:nvSpPr>
-        <p:spPr/>
-        <p:txBody>
-          <a:bodyPr>
-            <a:normAutofit/>
-          </a:bodyPr>
-          <a:lstStyle/>
-          <a:p>
-            <a:r>
-              <a:rPr lang="sk-SK" dirty="0" err="1" smtClean="0"/>
-              <a:t>Loosely</a:t>
-            </a:r>
-            <a:r>
-              <a:rPr lang="sk-SK" baseline="0" dirty="0" smtClean="0"/>
-              <a:t> </a:t>
-            </a:r>
-            <a:r>
-              <a:rPr lang="sk-SK" baseline="0" dirty="0" err="1" smtClean="0"/>
-              <a:t>coupled</a:t>
-            </a:r>
-            <a:r>
-              <a:rPr lang="sk-SK" baseline="0" dirty="0" smtClean="0"/>
-              <a:t> – také riešenie, kde jednotlivé súčasti systému majú žiadnu poprípade minimálnu vedomosť o svojom okolí. Čiže eliminovať väzby medzi komponentmi systému</a:t>
-            </a:r>
-          </a:p>
-          <a:p>
-            <a:endParaRPr lang="sk-SK" baseline="0" dirty="0" smtClean="0"/>
-          </a:p>
-          <a:p>
-            <a:pPr>
-              <a:buFontTx/>
-              <a:buChar char="-"/>
-            </a:pPr>
-            <a:r>
-              <a:rPr lang="sk-SK" baseline="0" dirty="0" smtClean="0"/>
-              <a:t>na to nám môžu slúžiť princípy objektového programovania SOLID </a:t>
-            </a:r>
-            <a:r>
-              <a:rPr lang="sk-SK" baseline="0" dirty="0" err="1" smtClean="0"/>
-              <a:t>principles</a:t>
-            </a:r>
-            <a:endParaRPr lang="sk-SK" baseline="0" dirty="0" smtClean="0"/>
-          </a:p>
-          <a:p>
-            <a:pPr>
-              <a:buFontTx/>
-              <a:buChar char="-"/>
-            </a:pPr>
-            <a:endParaRPr lang="sk-SK" baseline="0" dirty="0" smtClean="0"/>
-          </a:p>
-          <a:p>
-            <a:pPr>
-              <a:buFontTx/>
-              <a:buNone/>
-            </a:pPr>
-            <a:r>
-              <a:rPr lang="en-US" b="1" baseline="0" dirty="0" smtClean="0"/>
-              <a:t>S – Single-</a:t>
-            </a:r>
-            <a:r>
-              <a:rPr lang="en-US" b="1" baseline="0" dirty="0" err="1" smtClean="0"/>
-              <a:t>responsiblity</a:t>
-            </a:r>
-            <a:r>
-              <a:rPr lang="en-US" b="1" baseline="0" dirty="0" smtClean="0"/>
-              <a:t> principle</a:t>
-            </a:r>
-            <a:r>
-              <a:rPr lang="sk-SK" baseline="0" dirty="0" smtClean="0"/>
-              <a:t> (trieda má mať jeden a iba jeden dôvod pre zmenu. Už aj to, že si vytvára inštancie iných tried je porušenie tohto pravidla) </a:t>
-            </a:r>
-            <a:r>
-              <a:rPr lang="sk-SK" baseline="0" dirty="0" err="1" smtClean="0"/>
-              <a:t>AreaCalculator</a:t>
-            </a:r>
-            <a:r>
-              <a:rPr lang="sk-SK" baseline="0" dirty="0" smtClean="0"/>
-              <a:t> a </a:t>
-            </a:r>
-            <a:r>
-              <a:rPr lang="sk-SK" baseline="0" dirty="0" err="1" smtClean="0"/>
-              <a:t>Output</a:t>
-            </a:r>
-            <a:endParaRPr lang="en-US" baseline="0" dirty="0" smtClean="0"/>
-          </a:p>
-          <a:p>
-            <a:pPr>
-              <a:buFontTx/>
-              <a:buNone/>
-            </a:pPr>
-            <a:r>
-              <a:rPr lang="en-US" b="1" baseline="0" dirty="0" smtClean="0"/>
-              <a:t>O – Open-closed principle</a:t>
-            </a:r>
-            <a:r>
-              <a:rPr lang="sk-SK" b="0" baseline="0" dirty="0" smtClean="0"/>
-              <a:t> otvorený pre rozšírenie ale uzavretý pre modifikáciu. dedičnosť, ... </a:t>
-            </a:r>
-            <a:r>
-              <a:rPr lang="sk-SK" b="0" baseline="0" dirty="0" err="1" smtClean="0"/>
-              <a:t>Sum</a:t>
-            </a:r>
-            <a:r>
-              <a:rPr lang="sk-SK" b="0" baseline="0" dirty="0" smtClean="0"/>
-              <a:t> objektov (</a:t>
-            </a:r>
-            <a:r>
-              <a:rPr lang="sk-SK" b="0" baseline="0" dirty="0" err="1" smtClean="0"/>
-              <a:t>Scuare</a:t>
-            </a:r>
-            <a:r>
-              <a:rPr lang="sk-SK" b="0" baseline="0" dirty="0" smtClean="0"/>
-              <a:t> / </a:t>
-            </a:r>
-            <a:r>
-              <a:rPr lang="sk-SK" b="0" baseline="0" dirty="0" err="1" smtClean="0"/>
-              <a:t>cyrcle</a:t>
-            </a:r>
-            <a:r>
-              <a:rPr lang="sk-SK" b="0" baseline="0" dirty="0" smtClean="0"/>
-              <a:t> / ...)</a:t>
-            </a:r>
-            <a:endParaRPr lang="en-US" b="1" baseline="0" dirty="0" smtClean="0"/>
-          </a:p>
-          <a:p>
-            <a:pPr>
-              <a:buFontTx/>
-              <a:buNone/>
-            </a:pPr>
-            <a:r>
-              <a:rPr lang="en-US" b="1" baseline="0" dirty="0" smtClean="0"/>
-              <a:t>L – </a:t>
-            </a:r>
-            <a:r>
-              <a:rPr lang="en-US" b="1" baseline="0" dirty="0" err="1" smtClean="0"/>
-              <a:t>Liskov</a:t>
-            </a:r>
-            <a:r>
-              <a:rPr lang="en-US" b="1" baseline="0" dirty="0" smtClean="0"/>
-              <a:t> substitution principle</a:t>
-            </a:r>
-            <a:r>
-              <a:rPr lang="sk-SK" b="1" baseline="0" dirty="0" smtClean="0"/>
-              <a:t> </a:t>
-            </a:r>
-            <a:r>
-              <a:rPr lang="sk-SK" b="0" baseline="0" dirty="0" smtClean="0"/>
-              <a:t>– každý potomok by mal byť schopný plne nahradiť predka</a:t>
-            </a:r>
-            <a:endParaRPr lang="en-US" b="1" baseline="0" dirty="0" smtClean="0"/>
-          </a:p>
-          <a:p>
-            <a:pPr>
-              <a:buFontTx/>
-              <a:buNone/>
-            </a:pPr>
-            <a:r>
-              <a:rPr lang="en-US" b="1" baseline="0" dirty="0" smtClean="0"/>
-              <a:t>I – Interface segregation principle</a:t>
-            </a:r>
-            <a:r>
-              <a:rPr lang="sk-SK" b="1" baseline="0" dirty="0" smtClean="0"/>
-              <a:t> </a:t>
-            </a:r>
-            <a:r>
-              <a:rPr lang="sk-SK" b="0" baseline="0" dirty="0" err="1" smtClean="0"/>
-              <a:t>IPerson</a:t>
-            </a:r>
-            <a:r>
-              <a:rPr lang="sk-SK" b="0" baseline="0" dirty="0" smtClean="0"/>
-              <a:t> / </a:t>
-            </a:r>
-            <a:r>
-              <a:rPr lang="sk-SK" b="0" baseline="0" dirty="0" err="1" smtClean="0"/>
-              <a:t>IAddress</a:t>
-            </a:r>
-            <a:r>
-              <a:rPr lang="sk-SK" b="0" baseline="0" dirty="0" smtClean="0"/>
-              <a:t> / </a:t>
-            </a:r>
-            <a:r>
-              <a:rPr lang="sk-SK" b="0" baseline="0" dirty="0" err="1" smtClean="0"/>
-              <a:t>IStuff</a:t>
-            </a:r>
-            <a:endParaRPr lang="en-US" b="1" baseline="0" dirty="0" smtClean="0"/>
-          </a:p>
-          <a:p>
-            <a:pPr>
-              <a:buFontTx/>
-              <a:buNone/>
-            </a:pPr>
-            <a:r>
-              <a:rPr lang="en-US" b="1" baseline="0" dirty="0" smtClean="0"/>
-              <a:t>D – Dependency Inversion Principle</a:t>
-            </a:r>
-            <a:r>
-              <a:rPr lang="sk-SK" b="1" baseline="0" dirty="0" smtClean="0"/>
-              <a:t> – </a:t>
-            </a:r>
-            <a:r>
-              <a:rPr lang="sk-SK" b="0" baseline="0" dirty="0" smtClean="0"/>
-              <a:t>trieda nesmie mať odkaz na konkrétnu inú triedu, ale iba na jej </a:t>
-            </a:r>
-            <a:r>
-              <a:rPr lang="sk-SK" b="0" baseline="0" dirty="0" err="1" smtClean="0"/>
-              <a:t>interface</a:t>
-            </a:r>
-            <a:r>
-              <a:rPr lang="sk-SK" b="0" baseline="0" dirty="0" smtClean="0"/>
-              <a:t>. Programovanie voči </a:t>
-            </a:r>
-            <a:r>
-              <a:rPr lang="sk-SK" b="0" baseline="0" dirty="0" err="1" smtClean="0"/>
-              <a:t>interfajsom</a:t>
-            </a:r>
-            <a:r>
-              <a:rPr lang="sk-SK" b="0" baseline="0" dirty="0" smtClean="0"/>
-              <a:t>.</a:t>
-            </a:r>
-            <a:endParaRPr lang="sk-SK" b="0" baseline="0" dirty="0" smtClean="0"/>
-          </a:p>
-          <a:p>
-            <a:pPr>
-              <a:buFontTx/>
-              <a:buNone/>
-            </a:pPr>
-            <a:endParaRPr lang="sk-SK" b="0" baseline="0" dirty="0" smtClean="0"/>
-          </a:p>
-          <a:p>
-            <a:pPr>
-              <a:buFontTx/>
-              <a:buNone/>
-            </a:pPr>
-            <a:r>
-              <a:rPr lang="sk-SK" b="0" baseline="0" dirty="0" smtClean="0"/>
-              <a:t>na DIP nadväzuje </a:t>
-            </a:r>
-            <a:r>
-              <a:rPr lang="sk-SK" b="0" baseline="0" dirty="0" err="1" smtClean="0"/>
-              <a:t>Dependency</a:t>
-            </a:r>
-            <a:r>
-              <a:rPr lang="sk-SK" b="0" baseline="0" dirty="0" smtClean="0"/>
-              <a:t> </a:t>
-            </a:r>
-            <a:r>
-              <a:rPr lang="sk-SK" b="0" baseline="0" dirty="0" err="1" smtClean="0"/>
-              <a:t>injection</a:t>
-            </a:r>
-            <a:r>
-              <a:rPr lang="sk-SK" b="0" baseline="0" dirty="0" smtClean="0"/>
-              <a:t> </a:t>
-            </a:r>
-            <a:r>
-              <a:rPr lang="sk-SK" b="0" baseline="0" dirty="0" err="1" smtClean="0"/>
-              <a:t>pattern</a:t>
-            </a:r>
-            <a:r>
-              <a:rPr lang="sk-SK" b="0" baseline="0" dirty="0" smtClean="0"/>
-              <a:t> a IOC kontajnery</a:t>
-            </a:r>
-          </a:p>
-          <a:p>
-            <a:pPr>
-              <a:buFontTx/>
-              <a:buNone/>
-            </a:pPr>
-            <a:r>
-              <a:rPr lang="sk-SK" b="0" baseline="0" dirty="0" smtClean="0"/>
-              <a:t> - sú to techniky / </a:t>
-            </a:r>
-            <a:r>
-              <a:rPr lang="sk-SK" b="0" baseline="0" dirty="0" err="1" smtClean="0"/>
-              <a:t>frameworky</a:t>
-            </a:r>
-            <a:r>
-              <a:rPr lang="sk-SK" b="0" baseline="0" dirty="0" smtClean="0"/>
-              <a:t> ktoré implementujú </a:t>
-            </a:r>
-            <a:r>
-              <a:rPr lang="sk-SK" b="0" baseline="0" dirty="0" err="1" smtClean="0"/>
-              <a:t>inversion</a:t>
-            </a:r>
-            <a:r>
-              <a:rPr lang="sk-SK" b="0" baseline="0" dirty="0" smtClean="0"/>
-              <a:t> </a:t>
-            </a:r>
-            <a:r>
-              <a:rPr lang="sk-SK" b="0" baseline="0" dirty="0" err="1" smtClean="0"/>
-              <a:t>of</a:t>
-            </a:r>
-            <a:r>
-              <a:rPr lang="sk-SK" b="0" baseline="0" dirty="0" smtClean="0"/>
-              <a:t> </a:t>
-            </a:r>
-            <a:r>
-              <a:rPr lang="sk-SK" b="0" baseline="0" dirty="0" err="1" smtClean="0"/>
-              <a:t>control</a:t>
-            </a:r>
-            <a:r>
-              <a:rPr lang="sk-SK" b="0" baseline="0" dirty="0" smtClean="0"/>
-              <a:t> pre riešenie </a:t>
-            </a:r>
-            <a:r>
-              <a:rPr lang="sk-SK" b="0" baseline="0" dirty="0" smtClean="0"/>
-              <a:t>závislosti.</a:t>
-            </a:r>
-            <a:endParaRPr lang="sk-SK" b="0" baseline="0" dirty="0" smtClean="0"/>
-          </a:p>
-          <a:p>
-            <a:pPr>
-              <a:buFontTx/>
-              <a:buNone/>
-            </a:pPr>
-            <a:r>
-              <a:rPr lang="sk-SK" b="0" baseline="0" dirty="0" smtClean="0"/>
-              <a:t> - najčastejšie sa to rieši tak, že trieda dostane </a:t>
-            </a:r>
-            <a:r>
-              <a:rPr lang="sk-SK" b="0" baseline="0" dirty="0" err="1" smtClean="0"/>
-              <a:t>injektnuté</a:t>
-            </a:r>
-            <a:r>
-              <a:rPr lang="sk-SK" b="0" baseline="0" dirty="0" smtClean="0"/>
-              <a:t> inštancie ostatných tried na ktorých </a:t>
-            </a:r>
-            <a:r>
-              <a:rPr lang="sk-SK" b="0" baseline="0" dirty="0" smtClean="0"/>
-              <a:t>závisí </a:t>
-            </a:r>
-            <a:r>
-              <a:rPr lang="sk-SK" b="0" baseline="0" dirty="0" smtClean="0"/>
-              <a:t>cez konštruktor. </a:t>
-            </a:r>
-          </a:p>
-          <a:p>
-            <a:pPr>
-              <a:buFontTx/>
-              <a:buNone/>
-            </a:pPr>
-            <a:r>
-              <a:rPr lang="sk-SK" b="0" baseline="0" dirty="0" smtClean="0"/>
-              <a:t> - no a </a:t>
-            </a:r>
-            <a:r>
-              <a:rPr lang="sk-SK" b="0" baseline="0" dirty="0" err="1" smtClean="0"/>
-              <a:t>frameworky</a:t>
-            </a:r>
-            <a:r>
-              <a:rPr lang="sk-SK" b="0" baseline="0" dirty="0" smtClean="0"/>
-              <a:t> ako </a:t>
-            </a:r>
-            <a:r>
-              <a:rPr lang="sk-SK" b="0" baseline="0" dirty="0" err="1" smtClean="0"/>
-              <a:t>Unity</a:t>
-            </a:r>
-            <a:r>
-              <a:rPr lang="sk-SK" b="0" baseline="0" dirty="0" smtClean="0"/>
-              <a:t>, alebo </a:t>
-            </a:r>
-            <a:r>
-              <a:rPr lang="sk-SK" b="0" baseline="0" dirty="0" err="1" smtClean="0"/>
-              <a:t>Prism</a:t>
-            </a:r>
-            <a:r>
-              <a:rPr lang="sk-SK" b="0" baseline="0" dirty="0" smtClean="0"/>
-              <a:t> potom vedia vytvárať inštancie takýchto tried na základe </a:t>
-            </a:r>
-            <a:r>
-              <a:rPr lang="sk-SK" b="0" baseline="0" dirty="0" err="1" smtClean="0"/>
-              <a:t>konfigu</a:t>
-            </a:r>
-            <a:r>
-              <a:rPr lang="sk-SK" b="0" baseline="0" dirty="0" smtClean="0"/>
-              <a:t>. Nadefinujete mu, že ktorý </a:t>
-            </a:r>
-            <a:r>
-              <a:rPr lang="sk-SK" b="0" baseline="0" dirty="0" err="1" smtClean="0"/>
-              <a:t>interface</a:t>
-            </a:r>
-            <a:r>
-              <a:rPr lang="sk-SK" b="0" baseline="0" dirty="0" smtClean="0"/>
-              <a:t> sa má </a:t>
-            </a:r>
-            <a:r>
-              <a:rPr lang="sk-SK" b="0" baseline="0" dirty="0" err="1" smtClean="0"/>
-              <a:t>implem</a:t>
-            </a:r>
-            <a:r>
-              <a:rPr lang="en-US" b="0" baseline="0" dirty="0" smtClean="0"/>
-              <a:t>e</a:t>
-            </a:r>
-            <a:r>
-              <a:rPr lang="sk-SK" b="0" baseline="0" dirty="0" err="1" smtClean="0"/>
-              <a:t>ntovať</a:t>
-            </a:r>
-            <a:r>
-              <a:rPr lang="sk-SK" b="0" baseline="0" dirty="0" smtClean="0"/>
-              <a:t> </a:t>
-            </a:r>
-            <a:r>
-              <a:rPr lang="sk-SK" b="0" baseline="0" dirty="0" smtClean="0"/>
-              <a:t>akou triedou a potom už len </a:t>
-            </a:r>
-            <a:r>
-              <a:rPr lang="sk-SK" b="0" baseline="0" dirty="0" err="1" smtClean="0"/>
-              <a:t>kontainer</a:t>
-            </a:r>
-            <a:r>
-              <a:rPr lang="sk-SK" b="0" baseline="0" dirty="0" smtClean="0"/>
-              <a:t> požiadate aby vám inštanciu takejto triedy vytvoril.</a:t>
-            </a:r>
-          </a:p>
-          <a:p>
-            <a:pPr>
-              <a:buFontTx/>
-              <a:buNone/>
-            </a:pPr>
-            <a:r>
-              <a:rPr lang="sk-SK" b="1" baseline="0" dirty="0" err="1" smtClean="0"/>
-              <a:t>Repository</a:t>
-            </a:r>
-            <a:r>
-              <a:rPr lang="sk-SK" b="1" baseline="0" dirty="0" smtClean="0"/>
-              <a:t> </a:t>
-            </a:r>
-            <a:r>
-              <a:rPr lang="sk-SK" b="1" baseline="0" dirty="0" err="1" smtClean="0"/>
-              <a:t>pattern</a:t>
-            </a:r>
-            <a:endParaRPr lang="sk-SK" b="1" baseline="0" dirty="0" smtClean="0"/>
-          </a:p>
-          <a:p>
-            <a:pPr>
-              <a:buFontTx/>
-              <a:buNone/>
-            </a:pPr>
-            <a:r>
-              <a:rPr lang="sk-SK" b="1" baseline="0" dirty="0" smtClean="0"/>
-              <a:t> - </a:t>
-            </a:r>
-            <a:r>
-              <a:rPr lang="sk-SK" b="0" baseline="0" dirty="0" smtClean="0"/>
-              <a:t>návrhový vzor, kde prácu s dátami takzvané CRUD operácie extrahujeme do samostatnej triedy </a:t>
-            </a:r>
-            <a:r>
-              <a:rPr lang="sk-SK" b="0" baseline="0" dirty="0" err="1" smtClean="0"/>
-              <a:t>Reposioty</a:t>
-            </a:r>
-            <a:r>
-              <a:rPr lang="sk-SK" b="0" baseline="0" dirty="0" smtClean="0"/>
-              <a:t>, ktorej predchádza </a:t>
-            </a:r>
-            <a:r>
-              <a:rPr lang="sk-SK" b="0" baseline="0" dirty="0" err="1" smtClean="0"/>
-              <a:t>interface</a:t>
-            </a:r>
-            <a:r>
-              <a:rPr lang="sk-SK" b="0" baseline="0" dirty="0" smtClean="0"/>
-              <a:t>. No a potom sa v aplikácií odkazujeme len na tento </a:t>
-            </a:r>
-            <a:r>
-              <a:rPr lang="sk-SK" b="0" baseline="0" dirty="0" err="1" smtClean="0"/>
-              <a:t>interfejs</a:t>
-            </a:r>
-            <a:r>
-              <a:rPr lang="sk-SK" b="0" baseline="0" dirty="0" smtClean="0"/>
-              <a:t>. IOC nám umožní vytvárať konkrétne inštancie ako potrebujeme. EF / XML / </a:t>
-            </a:r>
-            <a:r>
-              <a:rPr lang="sk-SK" b="0" baseline="0" dirty="0" err="1" smtClean="0"/>
-              <a:t>WebApi</a:t>
-            </a:r>
-            <a:r>
-              <a:rPr lang="sk-SK" b="0" baseline="0" dirty="0" smtClean="0"/>
-              <a:t> / ...</a:t>
-            </a:r>
-          </a:p>
-          <a:p>
-            <a:pPr>
-              <a:buFontTx/>
-              <a:buNone/>
-            </a:pPr>
-            <a:endParaRPr lang="sk-SK" b="0" baseline="0" dirty="0" smtClean="0"/>
-          </a:p>
-          <a:p>
-            <a:pPr>
-              <a:buFontTx/>
-              <a:buNone/>
-            </a:pPr>
-            <a:r>
-              <a:rPr lang="sk-SK" b="0" baseline="0" dirty="0" err="1" smtClean="0"/>
-              <a:t>Mock</a:t>
-            </a:r>
-            <a:r>
-              <a:rPr lang="sk-SK" b="0" baseline="0" dirty="0" smtClean="0"/>
-              <a:t> </a:t>
-            </a:r>
-            <a:r>
-              <a:rPr lang="sk-SK" b="0" baseline="0" dirty="0" err="1" smtClean="0"/>
-              <a:t>Frameworks</a:t>
-            </a:r>
-            <a:r>
-              <a:rPr lang="sk-SK" b="0" baseline="0" dirty="0" smtClean="0"/>
-              <a:t> – to nie je ani o </a:t>
-            </a:r>
-            <a:r>
-              <a:rPr lang="sk-SK" b="0" baseline="0" dirty="0" smtClean="0"/>
-              <a:t>návrhu, </a:t>
-            </a:r>
-            <a:r>
-              <a:rPr lang="sk-SK" b="0" baseline="0" dirty="0" smtClean="0"/>
-              <a:t>ale o tom </a:t>
-            </a:r>
-            <a:r>
-              <a:rPr lang="sk-SK" b="0" baseline="0" dirty="0" smtClean="0"/>
-              <a:t>že existujú </a:t>
-            </a:r>
-            <a:r>
-              <a:rPr lang="sk-SK" b="0" baseline="0" dirty="0" err="1" smtClean="0"/>
-              <a:t>frameworky</a:t>
-            </a:r>
-            <a:r>
-              <a:rPr lang="sk-SK" b="0" baseline="0" dirty="0" smtClean="0"/>
-              <a:t>, </a:t>
-            </a:r>
-            <a:r>
-              <a:rPr lang="sk-SK" b="0" baseline="0" dirty="0" smtClean="0"/>
-              <a:t>ktoré nám </a:t>
-            </a:r>
-            <a:r>
-              <a:rPr lang="sk-SK" b="0" baseline="0" dirty="0" smtClean="0"/>
-              <a:t>vedia </a:t>
-            </a:r>
-            <a:r>
-              <a:rPr lang="sk-SK" b="0" baseline="0" dirty="0" smtClean="0"/>
-              <a:t>zjednodušiť </a:t>
-            </a:r>
-            <a:r>
-              <a:rPr lang="sk-SK" b="0" baseline="0" dirty="0" err="1" smtClean="0"/>
-              <a:t>unit</a:t>
-            </a:r>
-            <a:r>
-              <a:rPr lang="sk-SK" b="0" baseline="0" dirty="0" smtClean="0"/>
-              <a:t> testovanie. </a:t>
-            </a:r>
-            <a:r>
-              <a:rPr lang="sk-SK" b="0" baseline="0" dirty="0" smtClean="0"/>
-              <a:t>Ukážeme </a:t>
-            </a:r>
-            <a:r>
-              <a:rPr lang="sk-SK" b="0" baseline="0" dirty="0" smtClean="0"/>
-              <a:t>si </a:t>
-            </a:r>
-            <a:r>
-              <a:rPr lang="sk-SK" b="0" baseline="0" dirty="0" smtClean="0"/>
-              <a:t>neskôr.</a:t>
-            </a:r>
-            <a:endParaRPr lang="sk-SK" b="1" baseline="0" dirty="0" smtClean="0"/>
-          </a:p>
-        </p:txBody>
-      </p:sp>
-      <p:sp>
-        <p:nvSpPr>
-          <p:cNvPr id="4" name="Zástupný symbol čísla snímky 3"/>
-          <p:cNvSpPr>
-            <a:spLocks noGrp="1"/>
-          </p:cNvSpPr>
-          <p:nvPr>
-            <p:ph type="sldNum" sz="quarter" idx="10"/>
-          </p:nvPr>
-        </p:nvSpPr>
-        <p:spPr/>
-        <p:txBody>
-          <a:bodyPr/>
-          <a:lstStyle/>
-          <a:p>
-            <a:pPr>
-              <a:defRPr/>
-            </a:pPr>
-            <a:fld id="{92DFF3FC-38D1-4665-8859-B524ABE5B3D9}" type="slidenum">
-              <a:rPr lang="sk-SK" altLang="sk-SK" smtClean="0"/>
-              <a:pPr>
-                <a:defRPr/>
-              </a:pPr>
-              <a:t>8</a:t>
-            </a:fld>
-            <a:endParaRPr lang="sk-SK" altLang="sk-SK"/>
-          </a:p>
-        </p:txBody>
-      </p:sp>
-    </p:spTree>
-  </p:cSld>
-  <p:clrMapOvr>
-    <a:masterClrMapping/>
-  </p:clrMapOvr>
-</p:notes>
-</file>
-
-<file path=ppt/notesSlides/notesSlide9.xml><?xml version="1.0" encoding="utf-8"?>
-<p:notes xmlns:a="http://schemas.openxmlformats.org/drawingml/2006/main" xmlns:r="http://schemas.openxmlformats.org/officeDocument/2006/relationships" xmlns:p="http://schemas.openxmlformats.org/presentationml/2006/main">
-  <p:cSld>
-    <p:spTree>
-      <p:nvGrpSpPr>
-        <p:cNvPr id="1" name=""/>
-        <p:cNvGrpSpPr/>
-        <p:nvPr/>
-      </p:nvGrpSpPr>
-      <p:grpSpPr>
-        <a:xfrm>
-          <a:off x="0" y="0"/>
-          <a:ext cx="0" cy="0"/>
-          <a:chOff x="0" y="0"/>
-          <a:chExt cx="0" cy="0"/>
-        </a:xfrm>
-      </p:grpSpPr>
-      <p:sp>
-        <p:nvSpPr>
-          <p:cNvPr id="2" name="Zástupný symbol obrazu snímky 1"/>
-          <p:cNvSpPr>
-            <a:spLocks noGrp="1" noRot="1" noChangeAspect="1"/>
-          </p:cNvSpPr>
-          <p:nvPr>
-            <p:ph type="sldImg"/>
-          </p:nvPr>
-        </p:nvSpPr>
-        <p:spPr/>
-      </p:sp>
-      <p:sp>
-        <p:nvSpPr>
-          <p:cNvPr id="3" name="Zástupný symbol poznámok 2"/>
-          <p:cNvSpPr>
-            <a:spLocks noGrp="1"/>
-          </p:cNvSpPr>
-          <p:nvPr>
-            <p:ph type="body" idx="1"/>
-          </p:nvPr>
-        </p:nvSpPr>
-        <p:spPr/>
-        <p:txBody>
-          <a:bodyPr>
-            <a:normAutofit/>
-          </a:bodyPr>
-          <a:lstStyle/>
-          <a:p>
-            <a:endParaRPr lang="sk-SK" baseline="0" dirty="0" smtClean="0"/>
-          </a:p>
-        </p:txBody>
-      </p:sp>
-      <p:sp>
-        <p:nvSpPr>
-          <p:cNvPr id="4" name="Zástupný symbol čísla snímky 3"/>
-          <p:cNvSpPr>
-            <a:spLocks noGrp="1"/>
-          </p:cNvSpPr>
-          <p:nvPr>
-            <p:ph type="sldNum" sz="quarter" idx="10"/>
-          </p:nvPr>
-        </p:nvSpPr>
-        <p:spPr/>
-        <p:txBody>
-          <a:bodyPr/>
-          <a:lstStyle/>
-          <a:p>
-            <a:pPr>
-              <a:defRPr/>
-            </a:pPr>
-            <a:fld id="{92DFF3FC-38D1-4665-8859-B524ABE5B3D9}" type="slidenum">
-              <a:rPr lang="sk-SK" altLang="sk-SK" smtClean="0"/>
-              <a:pPr>
-                <a:defRPr/>
-              </a:pPr>
-              <a:t>9</a:t>
-            </a:fld>
-            <a:endParaRPr lang="sk-SK" altLang="sk-SK"/>
-          </a:p>
-        </p:txBody>
-      </p:sp>
-    </p:spTree>
+    <p:extLst>
+      <p:ext uri="{BB962C8B-B14F-4D97-AF65-F5344CB8AC3E}">
+        <p14:creationId xmlns:p14="http://schemas.microsoft.com/office/powerpoint/2010/main" val="4192003387"/>
+      </p:ext>
+    </p:extLst>
   </p:cSld>
   <p:clrMapOvr>
     <a:masterClrMapping/>
@@ -4290,7 +2621,7 @@
     </p:spTree>
     <p:extLst>
       <p:ext uri="{BB962C8B-B14F-4D97-AF65-F5344CB8AC3E}">
-        <p14:creationId xmlns:p14="http://schemas.microsoft.com/office/powerpoint/2010/main" xmlns="" val="1615016173"/>
+        <p14:creationId xmlns:p14="http://schemas.microsoft.com/office/powerpoint/2010/main" val="1615016173"/>
       </p:ext>
     </p:extLst>
   </p:cSld>
@@ -4480,7 +2811,7 @@
     </p:spTree>
     <p:extLst>
       <p:ext uri="{BB962C8B-B14F-4D97-AF65-F5344CB8AC3E}">
-        <p14:creationId xmlns:p14="http://schemas.microsoft.com/office/powerpoint/2010/main" xmlns="" val="1584885872"/>
+        <p14:creationId xmlns:p14="http://schemas.microsoft.com/office/powerpoint/2010/main" val="1584885872"/>
       </p:ext>
     </p:extLst>
   </p:cSld>
@@ -4680,7 +3011,7 @@
     </p:spTree>
     <p:extLst>
       <p:ext uri="{BB962C8B-B14F-4D97-AF65-F5344CB8AC3E}">
-        <p14:creationId xmlns:p14="http://schemas.microsoft.com/office/powerpoint/2010/main" xmlns="" val="3422833635"/>
+        <p14:creationId xmlns:p14="http://schemas.microsoft.com/office/powerpoint/2010/main" val="3422833635"/>
       </p:ext>
     </p:extLst>
   </p:cSld>
@@ -4937,7 +3268,7 @@
     </p:spTree>
     <p:extLst>
       <p:ext uri="{BB962C8B-B14F-4D97-AF65-F5344CB8AC3E}">
-        <p14:creationId xmlns:p14="http://schemas.microsoft.com/office/powerpoint/2010/main" xmlns="" val="3893553108"/>
+        <p14:creationId xmlns:p14="http://schemas.microsoft.com/office/powerpoint/2010/main" val="3893553108"/>
       </p:ext>
     </p:extLst>
   </p:cSld>
@@ -5127,7 +3458,7 @@
     </p:spTree>
     <p:extLst>
       <p:ext uri="{BB962C8B-B14F-4D97-AF65-F5344CB8AC3E}">
-        <p14:creationId xmlns:p14="http://schemas.microsoft.com/office/powerpoint/2010/main" xmlns="" val="1990406496"/>
+        <p14:creationId xmlns:p14="http://schemas.microsoft.com/office/powerpoint/2010/main" val="1990406496"/>
       </p:ext>
     </p:extLst>
   </p:cSld>
@@ -5339,7 +3670,7 @@
     </p:spTree>
     <p:extLst>
       <p:ext uri="{BB962C8B-B14F-4D97-AF65-F5344CB8AC3E}">
-        <p14:creationId xmlns:p14="http://schemas.microsoft.com/office/powerpoint/2010/main" xmlns="" val="3268065699"/>
+        <p14:creationId xmlns:p14="http://schemas.microsoft.com/office/powerpoint/2010/main" val="3268065699"/>
       </p:ext>
     </p:extLst>
   </p:cSld>
@@ -5647,7 +3978,7 @@
     </p:spTree>
     <p:extLst>
       <p:ext uri="{BB962C8B-B14F-4D97-AF65-F5344CB8AC3E}">
-        <p14:creationId xmlns:p14="http://schemas.microsoft.com/office/powerpoint/2010/main" xmlns="" val="3133581692"/>
+        <p14:creationId xmlns:p14="http://schemas.microsoft.com/office/powerpoint/2010/main" val="3133581692"/>
       </p:ext>
     </p:extLst>
   </p:cSld>
@@ -6094,7 +4425,7 @@
     </p:spTree>
     <p:extLst>
       <p:ext uri="{BB962C8B-B14F-4D97-AF65-F5344CB8AC3E}">
-        <p14:creationId xmlns:p14="http://schemas.microsoft.com/office/powerpoint/2010/main" xmlns="" val="1320267133"/>
+        <p14:creationId xmlns:p14="http://schemas.microsoft.com/office/powerpoint/2010/main" val="1320267133"/>
       </p:ext>
     </p:extLst>
   </p:cSld>
@@ -6232,7 +4563,7 @@
     </p:spTree>
     <p:extLst>
       <p:ext uri="{BB962C8B-B14F-4D97-AF65-F5344CB8AC3E}">
-        <p14:creationId xmlns:p14="http://schemas.microsoft.com/office/powerpoint/2010/main" xmlns="" val="1231251510"/>
+        <p14:creationId xmlns:p14="http://schemas.microsoft.com/office/powerpoint/2010/main" val="1231251510"/>
       </p:ext>
     </p:extLst>
   </p:cSld>
@@ -6347,7 +4678,7 @@
     </p:spTree>
     <p:extLst>
       <p:ext uri="{BB962C8B-B14F-4D97-AF65-F5344CB8AC3E}">
-        <p14:creationId xmlns:p14="http://schemas.microsoft.com/office/powerpoint/2010/main" xmlns="" val="1372199889"/>
+        <p14:creationId xmlns:p14="http://schemas.microsoft.com/office/powerpoint/2010/main" val="1372199889"/>
       </p:ext>
     </p:extLst>
   </p:cSld>
@@ -6644,7 +4975,7 @@
     </p:spTree>
     <p:extLst>
       <p:ext uri="{BB962C8B-B14F-4D97-AF65-F5344CB8AC3E}">
-        <p14:creationId xmlns:p14="http://schemas.microsoft.com/office/powerpoint/2010/main" xmlns="" val="2658826561"/>
+        <p14:creationId xmlns:p14="http://schemas.microsoft.com/office/powerpoint/2010/main" val="2658826561"/>
       </p:ext>
     </p:extLst>
   </p:cSld>
@@ -6918,7 +5249,7 @@
     </p:spTree>
     <p:extLst>
       <p:ext uri="{BB962C8B-B14F-4D97-AF65-F5344CB8AC3E}">
-        <p14:creationId xmlns:p14="http://schemas.microsoft.com/office/powerpoint/2010/main" xmlns="" val="1428712116"/>
+        <p14:creationId xmlns:p14="http://schemas.microsoft.com/office/powerpoint/2010/main" val="1428712116"/>
       </p:ext>
     </p:extLst>
   </p:cSld>
@@ -6969,7 +5300,7 @@
           <a:blip r:embed="rId15" cstate="print">
             <a:extLst>
               <a:ext uri="{28A0092B-C50C-407E-A947-70E740481C1C}">
-                <a14:useLocalDpi xmlns:a14="http://schemas.microsoft.com/office/drawing/2010/main" xmlns="" val="0"/>
+                <a14:useLocalDpi xmlns:a14="http://schemas.microsoft.com/office/drawing/2010/main" val="0"/>
               </a:ext>
             </a:extLst>
           </a:blip>
@@ -6992,14 +5323,14 @@
           </a:ln>
           <a:extLst>
             <a:ext uri="{909E8E84-426E-40DD-AFC4-6F175D3DCCD1}">
-              <a14:hiddenFill xmlns:a14="http://schemas.microsoft.com/office/drawing/2010/main" xmlns="">
+              <a14:hiddenFill xmlns:a14="http://schemas.microsoft.com/office/drawing/2010/main">
                 <a:solidFill>
                   <a:srgbClr val="FFFFFF"/>
                 </a:solidFill>
               </a14:hiddenFill>
             </a:ext>
             <a:ext uri="{91240B29-F687-4F45-9708-019B960494DF}">
-              <a14:hiddenLine xmlns:a14="http://schemas.microsoft.com/office/drawing/2010/main" xmlns="" w="9525">
+              <a14:hiddenLine xmlns:a14="http://schemas.microsoft.com/office/drawing/2010/main" w="9525">
                 <a:solidFill>
                   <a:srgbClr val="000000"/>
                 </a:solidFill>
@@ -7036,14 +5367,14 @@
           <a:effectLst/>
           <a:extLst>
             <a:ext uri="{909E8E84-426E-40DD-AFC4-6F175D3DCCD1}">
-              <a14:hiddenFill xmlns:a14="http://schemas.microsoft.com/office/drawing/2010/main" xmlns="">
+              <a14:hiddenFill xmlns:a14="http://schemas.microsoft.com/office/drawing/2010/main">
                 <a:solidFill>
                   <a:schemeClr val="accent1"/>
                 </a:solidFill>
               </a14:hiddenFill>
             </a:ext>
             <a:ext uri="{91240B29-F687-4F45-9708-019B960494DF}">
-              <a14:hiddenLine xmlns:a14="http://schemas.microsoft.com/office/drawing/2010/main" xmlns="" w="9525">
+              <a14:hiddenLine xmlns:a14="http://schemas.microsoft.com/office/drawing/2010/main" w="9525">
                 <a:solidFill>
                   <a:schemeClr val="tx1"/>
                 </a:solidFill>
@@ -7053,7 +5384,7 @@
               </a14:hiddenLine>
             </a:ext>
             <a:ext uri="{AF507438-7753-43E0-B8FC-AC1667EBCBE1}">
-              <a14:hiddenEffects xmlns:a14="http://schemas.microsoft.com/office/drawing/2010/main" xmlns="">
+              <a14:hiddenEffects xmlns:a14="http://schemas.microsoft.com/office/drawing/2010/main">
                 <a:effectLst>
                   <a:outerShdw dist="35921" dir="2700000" algn="ctr" rotWithShape="0">
                     <a:schemeClr val="bg2"/>
@@ -7104,14 +5435,14 @@
           <a:effectLst/>
           <a:extLst>
             <a:ext uri="{909E8E84-426E-40DD-AFC4-6F175D3DCCD1}">
-              <a14:hiddenFill xmlns:a14="http://schemas.microsoft.com/office/drawing/2010/main" xmlns="">
+              <a14:hiddenFill xmlns:a14="http://schemas.microsoft.com/office/drawing/2010/main">
                 <a:solidFill>
                   <a:schemeClr val="accent1"/>
                 </a:solidFill>
               </a14:hiddenFill>
             </a:ext>
             <a:ext uri="{91240B29-F687-4F45-9708-019B960494DF}">
-              <a14:hiddenLine xmlns:a14="http://schemas.microsoft.com/office/drawing/2010/main" xmlns="" w="9525">
+              <a14:hiddenLine xmlns:a14="http://schemas.microsoft.com/office/drawing/2010/main" w="9525">
                 <a:solidFill>
                   <a:schemeClr val="tx1"/>
                 </a:solidFill>
@@ -7121,7 +5452,7 @@
               </a14:hiddenLine>
             </a:ext>
             <a:ext uri="{AF507438-7753-43E0-B8FC-AC1667EBCBE1}">
-              <a14:hiddenEffects xmlns:a14="http://schemas.microsoft.com/office/drawing/2010/main" xmlns="">
+              <a14:hiddenEffects xmlns:a14="http://schemas.microsoft.com/office/drawing/2010/main">
                 <a:effectLst>
                   <a:outerShdw dist="35921" dir="2700000" algn="ctr" rotWithShape="0">
                     <a:schemeClr val="bg2"/>
@@ -7200,14 +5531,14 @@
           <a:effectLst/>
           <a:extLst>
             <a:ext uri="{909E8E84-426E-40DD-AFC4-6F175D3DCCD1}">
-              <a14:hiddenFill xmlns:a14="http://schemas.microsoft.com/office/drawing/2010/main" xmlns="">
+              <a14:hiddenFill xmlns:a14="http://schemas.microsoft.com/office/drawing/2010/main">
                 <a:solidFill>
                   <a:schemeClr val="accent1"/>
                 </a:solidFill>
               </a14:hiddenFill>
             </a:ext>
             <a:ext uri="{91240B29-F687-4F45-9708-019B960494DF}">
-              <a14:hiddenLine xmlns:a14="http://schemas.microsoft.com/office/drawing/2010/main" xmlns="" w="9525">
+              <a14:hiddenLine xmlns:a14="http://schemas.microsoft.com/office/drawing/2010/main" w="9525">
                 <a:solidFill>
                   <a:schemeClr val="tx1"/>
                 </a:solidFill>
@@ -7217,7 +5548,7 @@
               </a14:hiddenLine>
             </a:ext>
             <a:ext uri="{AF507438-7753-43E0-B8FC-AC1667EBCBE1}">
-              <a14:hiddenEffects xmlns:a14="http://schemas.microsoft.com/office/drawing/2010/main" xmlns="">
+              <a14:hiddenEffects xmlns:a14="http://schemas.microsoft.com/office/drawing/2010/main">
                 <a:effectLst>
                   <a:outerShdw dist="35921" dir="2700000" algn="ctr" rotWithShape="0">
                     <a:schemeClr val="bg2"/>
@@ -7273,14 +5604,14 @@
           <a:effectLst/>
           <a:extLst>
             <a:ext uri="{909E8E84-426E-40DD-AFC4-6F175D3DCCD1}">
-              <a14:hiddenFill xmlns:a14="http://schemas.microsoft.com/office/drawing/2010/main" xmlns="">
+              <a14:hiddenFill xmlns:a14="http://schemas.microsoft.com/office/drawing/2010/main">
                 <a:solidFill>
                   <a:schemeClr val="accent1"/>
                 </a:solidFill>
               </a14:hiddenFill>
             </a:ext>
             <a:ext uri="{91240B29-F687-4F45-9708-019B960494DF}">
-              <a14:hiddenLine xmlns:a14="http://schemas.microsoft.com/office/drawing/2010/main" xmlns="" w="9525">
+              <a14:hiddenLine xmlns:a14="http://schemas.microsoft.com/office/drawing/2010/main" w="9525">
                 <a:solidFill>
                   <a:schemeClr val="tx1"/>
                 </a:solidFill>
@@ -7290,7 +5621,7 @@
               </a14:hiddenLine>
             </a:ext>
             <a:ext uri="{AF507438-7753-43E0-B8FC-AC1667EBCBE1}">
-              <a14:hiddenEffects xmlns:a14="http://schemas.microsoft.com/office/drawing/2010/main" xmlns="">
+              <a14:hiddenEffects xmlns:a14="http://schemas.microsoft.com/office/drawing/2010/main">
                 <a:effectLst>
                   <a:outerShdw dist="35921" dir="2700000" algn="ctr" rotWithShape="0">
                     <a:schemeClr val="bg2"/>
@@ -7346,14 +5677,14 @@
           <a:effectLst/>
           <a:extLst>
             <a:ext uri="{909E8E84-426E-40DD-AFC4-6F175D3DCCD1}">
-              <a14:hiddenFill xmlns:a14="http://schemas.microsoft.com/office/drawing/2010/main" xmlns="">
+              <a14:hiddenFill xmlns:a14="http://schemas.microsoft.com/office/drawing/2010/main">
                 <a:solidFill>
                   <a:schemeClr val="accent1"/>
                 </a:solidFill>
               </a14:hiddenFill>
             </a:ext>
             <a:ext uri="{91240B29-F687-4F45-9708-019B960494DF}">
-              <a14:hiddenLine xmlns:a14="http://schemas.microsoft.com/office/drawing/2010/main" xmlns="" w="9525">
+              <a14:hiddenLine xmlns:a14="http://schemas.microsoft.com/office/drawing/2010/main" w="9525">
                 <a:solidFill>
                   <a:schemeClr val="tx1"/>
                 </a:solidFill>
@@ -7363,7 +5694,7 @@
               </a14:hiddenLine>
             </a:ext>
             <a:ext uri="{AF507438-7753-43E0-B8FC-AC1667EBCBE1}">
-              <a14:hiddenEffects xmlns:a14="http://schemas.microsoft.com/office/drawing/2010/main" xmlns="">
+              <a14:hiddenEffects xmlns:a14="http://schemas.microsoft.com/office/drawing/2010/main">
                 <a:effectLst>
                   <a:outerShdw dist="35921" dir="2700000" algn="ctr" rotWithShape="0">
                     <a:schemeClr val="bg2"/>
@@ -7837,14 +6168,14 @@
           </a:ln>
           <a:extLst>
             <a:ext uri="{909E8E84-426E-40DD-AFC4-6F175D3DCCD1}">
-              <a14:hiddenFill xmlns:a14="http://schemas.microsoft.com/office/drawing/2010/main" xmlns="">
+              <a14:hiddenFill xmlns:a14="http://schemas.microsoft.com/office/drawing/2010/main">
                 <a:solidFill>
                   <a:srgbClr val="FFFFFF"/>
                 </a:solidFill>
               </a14:hiddenFill>
             </a:ext>
             <a:ext uri="{91240B29-F687-4F45-9708-019B960494DF}">
-              <a14:hiddenLine xmlns:a14="http://schemas.microsoft.com/office/drawing/2010/main" xmlns="" w="9525">
+              <a14:hiddenLine xmlns:a14="http://schemas.microsoft.com/office/drawing/2010/main" w="9525">
                 <a:solidFill>
                   <a:srgbClr val="000000"/>
                 </a:solidFill>
@@ -7996,7 +6327,7 @@
                 </a:solidFill>
                 <a:latin typeface="Ubuntu" pitchFamily="34" charset="0"/>
               </a:rPr>
-              <a:t>Test Driven Development</a:t>
+              <a:t>S.O.L.I.D Principles</a:t>
             </a:r>
             <a:endParaRPr lang="sk-SK" altLang="sk-SK" sz="4400" b="1" dirty="0">
               <a:solidFill>
@@ -8029,14 +6360,14 @@
           </a:ln>
           <a:extLst>
             <a:ext uri="{909E8E84-426E-40DD-AFC4-6F175D3DCCD1}">
-              <a14:hiddenFill xmlns:a14="http://schemas.microsoft.com/office/drawing/2010/main" xmlns="">
+              <a14:hiddenFill xmlns:a14="http://schemas.microsoft.com/office/drawing/2010/main">
                 <a:solidFill>
                   <a:srgbClr val="FFFFFF"/>
                 </a:solidFill>
               </a14:hiddenFill>
             </a:ext>
             <a:ext uri="{91240B29-F687-4F45-9708-019B960494DF}">
-              <a14:hiddenLine xmlns:a14="http://schemas.microsoft.com/office/drawing/2010/main" xmlns="" w="9525">
+              <a14:hiddenLine xmlns:a14="http://schemas.microsoft.com/office/drawing/2010/main" w="9525">
                 <a:solidFill>
                   <a:srgbClr val="000000"/>
                 </a:solidFill>
@@ -8230,14 +6561,14 @@
           </a:ln>
           <a:extLst>
             <a:ext uri="{909E8E84-426E-40DD-AFC4-6F175D3DCCD1}">
-              <a14:hiddenFill xmlns:a14="http://schemas.microsoft.com/office/drawing/2010/main" xmlns="">
+              <a14:hiddenFill xmlns:a14="http://schemas.microsoft.com/office/drawing/2010/main">
                 <a:solidFill>
                   <a:srgbClr val="FFFFFF"/>
                 </a:solidFill>
               </a14:hiddenFill>
             </a:ext>
             <a:ext uri="{91240B29-F687-4F45-9708-019B960494DF}">
-              <a14:hiddenLine xmlns:a14="http://schemas.microsoft.com/office/drawing/2010/main" xmlns="" w="9525">
+              <a14:hiddenLine xmlns:a14="http://schemas.microsoft.com/office/drawing/2010/main" w="9525">
                 <a:solidFill>
                   <a:srgbClr val="000000"/>
                 </a:solidFill>
@@ -8389,7 +6720,7 @@
                 </a:solidFill>
                 <a:latin typeface="Arial" panose="020B0604020202020204" pitchFamily="34" charset="0"/>
               </a:rPr>
-              <a:t>TDD</a:t>
+              <a:t>SOLID</a:t>
             </a:r>
             <a:endParaRPr lang="sk-SK" altLang="sk-SK" sz="1800" b="1" dirty="0">
               <a:solidFill>
@@ -8452,16 +6783,20 @@
           <a:lstStyle/>
           <a:p>
             <a:r>
+              <a:rPr lang="en-US" dirty="0" err="1"/>
+              <a:t>Liskov</a:t>
+            </a:r>
+            <a:r>
+              <a:rPr lang="en-US" dirty="0"/>
+              <a:t> substitution Principle (LSP</a:t>
+            </a:r>
+            <a:r>
+              <a:rPr lang="en-US" dirty="0" smtClean="0"/>
+              <a:t>)</a:t>
+            </a:r>
+            <a:r>
               <a:rPr lang="sk-SK" dirty="0" smtClean="0"/>
-              <a:t>Výhody </a:t>
-            </a:r>
-            <a:r>
-              <a:rPr lang="sk-SK" dirty="0" err="1" smtClean="0"/>
-              <a:t>Unit</a:t>
-            </a:r>
-            <a:r>
-              <a:rPr lang="sk-SK" dirty="0" smtClean="0"/>
-              <a:t> Testov a TDD</a:t>
+              <a:t> xxx</a:t>
             </a:r>
             <a:endParaRPr lang="sk-SK" dirty="0"/>
           </a:p>
@@ -8469,7 +6804,7 @@
       </p:sp>
       <p:sp>
         <p:nvSpPr>
-          <p:cNvPr id="3" name="Zástupný symbol obsahu 2"/>
+          <p:cNvPr id="3" name="Zástupný objekt pre obsah 2"/>
           <p:cNvSpPr>
             <a:spLocks noGrp="1"/>
           </p:cNvSpPr>
@@ -8484,149 +6819,30 @@
           <a:p>
             <a:r>
               <a:rPr lang="sk-SK" dirty="0" smtClean="0"/>
-              <a:t>predchádzanie vzniku chýb</a:t>
-            </a:r>
-          </a:p>
-          <a:p>
+              <a:t>„</a:t>
+            </a:r>
+            <a:r>
+              <a:rPr lang="en-US" dirty="0"/>
+              <a:t>You should be able to use any derived class instead of a parent class and have it behave in the same manner without </a:t>
+            </a:r>
+            <a:r>
+              <a:rPr lang="en-US" dirty="0" smtClean="0"/>
+              <a:t>modification</a:t>
+            </a:r>
             <a:r>
               <a:rPr lang="sk-SK" dirty="0" smtClean="0"/>
-              <a:t>uľahčuj</a:t>
-            </a:r>
-            <a:r>
-              <a:rPr lang="en-US" dirty="0" err="1" smtClean="0"/>
-              <a:t>nie</a:t>
-            </a:r>
-            <a:r>
-              <a:rPr lang="sk-SK" dirty="0" smtClean="0"/>
-              <a:t> </a:t>
-            </a:r>
-            <a:r>
-              <a:rPr lang="sk-SK" dirty="0" err="1" smtClean="0"/>
-              <a:t>refaktoru</a:t>
-            </a:r>
-            <a:endParaRPr lang="sk-SK" dirty="0" smtClean="0"/>
-          </a:p>
-          <a:p>
-            <a:r>
-              <a:rPr lang="sk-SK" dirty="0" smtClean="0"/>
-              <a:t>dokumentácia správania</a:t>
-            </a:r>
-          </a:p>
-          <a:p>
-            <a:r>
-              <a:rPr lang="sk-SK" dirty="0" smtClean="0"/>
-              <a:t>fixovanie požiadaviek</a:t>
-            </a:r>
-          </a:p>
-          <a:p>
-            <a:r>
-              <a:rPr lang="sk-SK" dirty="0" smtClean="0"/>
-              <a:t>je to prvý klient pre vaše riešenie</a:t>
-            </a:r>
-            <a:endParaRPr lang="sk-SK" b="1" dirty="0" smtClean="0"/>
-          </a:p>
-          <a:p>
-            <a:pPr>
-              <a:buNone/>
-            </a:pPr>
-            <a:r>
-              <a:rPr lang="sk-SK" b="1" dirty="0" smtClean="0"/>
-              <a:t>TDD</a:t>
-            </a:r>
-          </a:p>
-          <a:p>
-            <a:r>
-              <a:rPr lang="sk-SK" dirty="0" smtClean="0"/>
-              <a:t>„</a:t>
-            </a:r>
-            <a:r>
-              <a:rPr lang="sk-SK" dirty="0" err="1" smtClean="0"/>
-              <a:t>specifications</a:t>
-            </a:r>
-            <a:r>
-              <a:rPr lang="sk-SK" dirty="0" smtClean="0"/>
-              <a:t> by </a:t>
-            </a:r>
-            <a:r>
-              <a:rPr lang="sk-SK" dirty="0" err="1" smtClean="0"/>
-              <a:t>example</a:t>
-            </a:r>
-            <a:r>
-              <a:rPr lang="sk-SK" dirty="0" smtClean="0"/>
-              <a:t>“</a:t>
-            </a:r>
-          </a:p>
-          <a:p>
-            <a:r>
-              <a:rPr lang="sk-SK" dirty="0" smtClean="0"/>
-              <a:t>YAGNI prístup</a:t>
-            </a:r>
-          </a:p>
-          <a:p>
-            <a:r>
-              <a:rPr lang="sk-SK" dirty="0" smtClean="0"/>
-              <a:t>umožňuje navrhovať lepšie / čistejšie riešenia</a:t>
-            </a:r>
-          </a:p>
-          <a:p>
-            <a:pPr lvl="1"/>
-            <a:r>
-              <a:rPr lang="sk-SK" dirty="0" smtClean="0"/>
-              <a:t>testovacia technika ale aj „</a:t>
-            </a:r>
-            <a:r>
-              <a:rPr lang="sk-SK" dirty="0" err="1" smtClean="0"/>
-              <a:t>design</a:t>
-            </a:r>
-            <a:r>
-              <a:rPr lang="sk-SK" dirty="0" smtClean="0"/>
-              <a:t> </a:t>
-            </a:r>
-            <a:r>
-              <a:rPr lang="sk-SK" dirty="0" err="1" smtClean="0"/>
-              <a:t>technique</a:t>
-            </a:r>
-            <a:r>
-              <a:rPr lang="sk-SK" dirty="0" smtClean="0"/>
-              <a:t>“</a:t>
-            </a:r>
-          </a:p>
-          <a:p>
-            <a:r>
-              <a:rPr lang="sk-SK" dirty="0" smtClean="0"/>
-              <a:t>testy napísane pomocou TDD sú lepšie ako TAD</a:t>
-            </a:r>
-          </a:p>
-          <a:p>
-            <a:r>
-              <a:rPr lang="sk-SK" dirty="0" smtClean="0"/>
-              <a:t>iba o 15-35% viac času, ale o 45-90% menej chýb</a:t>
-            </a:r>
-          </a:p>
-          <a:p>
-            <a:r>
-              <a:rPr lang="sk-SK" dirty="0" smtClean="0"/>
-              <a:t>nestane sa, že neostal čas na </a:t>
-            </a:r>
-            <a:r>
-              <a:rPr lang="sk-SK" dirty="0" err="1" smtClean="0"/>
-              <a:t>Unit</a:t>
-            </a:r>
-            <a:r>
-              <a:rPr lang="sk-SK" dirty="0" smtClean="0"/>
-              <a:t> Testy </a:t>
-            </a:r>
-            <a:r>
-              <a:rPr lang="en-US" dirty="0" smtClean="0">
-                <a:sym typeface="Wingdings" pitchFamily="2" charset="2"/>
-              </a:rPr>
-              <a:t></a:t>
-            </a:r>
-            <a:endParaRPr lang="sk-SK" dirty="0" smtClean="0"/>
+              <a:t>.“</a:t>
+            </a:r>
+            <a:endParaRPr lang="sk-SK" dirty="0"/>
           </a:p>
         </p:txBody>
       </p:sp>
     </p:spTree>
+    <p:extLst>
+      <p:ext uri="{BB962C8B-B14F-4D97-AF65-F5344CB8AC3E}">
+        <p14:creationId xmlns:p14="http://schemas.microsoft.com/office/powerpoint/2010/main" val="1315475314"/>
+      </p:ext>
+    </p:extLst>
   </p:cSld>
   <p:clrMapOvr>
     <a:masterClrMapping/>
@@ -8674,8 +6890,16 @@
           <a:lstStyle/>
           <a:p>
             <a:r>
+              <a:rPr lang="en-US" dirty="0"/>
+              <a:t>Interface Segregation Principle (ISP</a:t>
+            </a:r>
+            <a:r>
+              <a:rPr lang="en-US" dirty="0" smtClean="0"/>
+              <a:t>)</a:t>
+            </a:r>
+            <a:r>
               <a:rPr lang="sk-SK" dirty="0" smtClean="0"/>
-              <a:t>Odporúčania a rady</a:t>
+              <a:t> xxx</a:t>
             </a:r>
             <a:endParaRPr lang="sk-SK" dirty="0"/>
           </a:p>
@@ -8683,7 +6907,7 @@
       </p:sp>
       <p:sp>
         <p:nvSpPr>
-          <p:cNvPr id="3" name="Zástupný symbol obsahu 2"/>
+          <p:cNvPr id="3" name="Zástupný objekt pre obsah 2"/>
           <p:cNvSpPr>
             <a:spLocks noGrp="1"/>
           </p:cNvSpPr>
@@ -8691,193 +6915,37 @@
             <p:ph idx="1"/>
           </p:nvPr>
         </p:nvSpPr>
-        <p:spPr>
-          <a:xfrm>
-            <a:off x="514350" y="1628800"/>
-            <a:ext cx="9258300" cy="4896544"/>
-          </a:xfrm>
-        </p:spPr>
+        <p:spPr/>
         <p:txBody>
           <a:bodyPr/>
           <a:lstStyle/>
           <a:p>
             <a:r>
               <a:rPr lang="sk-SK" dirty="0" smtClean="0"/>
-              <a:t>začni s niečím jednoduchým</a:t>
-            </a:r>
-          </a:p>
-          <a:p>
-            <a:pPr lvl="1"/>
+              <a:t>„</a:t>
+            </a:r>
+            <a:r>
+              <a:rPr lang="en-US" dirty="0"/>
+              <a:t>Clients should not be forced to implement interfaces they don't use. Instead of one fat interface many small interfaces are preferred based on groups of methods, each one serving one sub module</a:t>
+            </a:r>
+            <a:r>
+              <a:rPr lang="en-US" dirty="0" smtClean="0"/>
+              <a:t>.</a:t>
+            </a:r>
             <a:r>
               <a:rPr lang="sk-SK" dirty="0" smtClean="0"/>
-              <a:t>statické </a:t>
-            </a:r>
-            <a:r>
-              <a:rPr lang="sk-SK" dirty="0" err="1" smtClean="0"/>
-              <a:t>helpery</a:t>
-            </a:r>
-            <a:r>
-              <a:rPr lang="sk-SK" dirty="0" smtClean="0"/>
-              <a:t> / izolované triedy</a:t>
-            </a:r>
-          </a:p>
-          <a:p>
-            <a:r>
-              <a:rPr lang="sk-SK" dirty="0" smtClean="0"/>
-              <a:t>snaž sa písať jednoduché testy</a:t>
-            </a:r>
-          </a:p>
-          <a:p>
-            <a:r>
-              <a:rPr lang="sk-SK" dirty="0" smtClean="0"/>
-              <a:t>dodržuj AAA </a:t>
-            </a:r>
-            <a:r>
-              <a:rPr lang="sk-SK" sz="1600" dirty="0" smtClean="0">
-                <a:solidFill>
-                  <a:schemeClr val="bg1">
-                    <a:lumMod val="50000"/>
-                  </a:schemeClr>
-                </a:solidFill>
-              </a:rPr>
-              <a:t>(</a:t>
-            </a:r>
-            <a:r>
-              <a:rPr lang="sk-SK" sz="1600" dirty="0" err="1" smtClean="0">
-                <a:solidFill>
-                  <a:schemeClr val="bg1">
-                    <a:lumMod val="50000"/>
-                  </a:schemeClr>
-                </a:solidFill>
-              </a:rPr>
-              <a:t>Arrange-Act-Assert</a:t>
-            </a:r>
-            <a:r>
-              <a:rPr lang="sk-SK" sz="1600" dirty="0" smtClean="0">
-                <a:solidFill>
-                  <a:schemeClr val="bg1">
-                    <a:lumMod val="50000"/>
-                  </a:schemeClr>
-                </a:solidFill>
-              </a:rPr>
-              <a:t>)</a:t>
-            </a:r>
-          </a:p>
-          <a:p>
-            <a:r>
-              <a:rPr lang="sk-SK" dirty="0" smtClean="0"/>
-              <a:t>daj si záležať na názve testu</a:t>
-            </a:r>
-            <a:endParaRPr lang="sk-SK" dirty="0" smtClean="0">
-              <a:solidFill>
-                <a:schemeClr val="bg1">
-                  <a:lumMod val="50000"/>
-                </a:schemeClr>
-              </a:solidFill>
-            </a:endParaRPr>
-          </a:p>
-          <a:p>
-            <a:r>
-              <a:rPr lang="sk-SK" dirty="0" smtClean="0"/>
-              <a:t>testy sú rovnocenný kód k produkčnému</a:t>
-            </a:r>
-          </a:p>
-          <a:p>
-            <a:pPr lvl="1"/>
-            <a:r>
-              <a:rPr lang="sk-SK" dirty="0" smtClean="0"/>
-              <a:t>staraj sa o ne / </a:t>
-            </a:r>
-            <a:r>
-              <a:rPr lang="sk-SK" dirty="0" err="1" smtClean="0"/>
-              <a:t>refaktoruj</a:t>
-            </a:r>
-            <a:r>
-              <a:rPr lang="sk-SK" dirty="0" smtClean="0"/>
-              <a:t> ich</a:t>
-            </a:r>
-          </a:p>
-          <a:p>
-            <a:r>
-              <a:rPr lang="sk-SK" dirty="0" smtClean="0"/>
-              <a:t>nepíš testy kvôli </a:t>
-            </a:r>
-            <a:r>
-              <a:rPr lang="sk-SK" dirty="0" err="1" smtClean="0"/>
-              <a:t>code</a:t>
-            </a:r>
-            <a:r>
-              <a:rPr lang="sk-SK" dirty="0" smtClean="0"/>
-              <a:t> </a:t>
-            </a:r>
-            <a:r>
-              <a:rPr lang="sk-SK" dirty="0" err="1" smtClean="0"/>
-              <a:t>coverage</a:t>
-            </a:r>
-            <a:endParaRPr lang="sk-SK" dirty="0" smtClean="0"/>
-          </a:p>
-          <a:p>
-            <a:pPr lvl="1"/>
-            <a:r>
-              <a:rPr lang="sk-SK" dirty="0" smtClean="0"/>
-              <a:t>snaž sa písať testy na základe požiadaviek na danú funkčnosť</a:t>
-            </a:r>
-          </a:p>
-          <a:p>
-            <a:r>
-              <a:rPr lang="sk-SK" dirty="0" smtClean="0"/>
-              <a:t>100</a:t>
-            </a:r>
-            <a:r>
-              <a:rPr lang="en-US" dirty="0" smtClean="0"/>
-              <a:t>%</a:t>
-            </a:r>
-            <a:r>
-              <a:rPr lang="sk-SK" dirty="0" smtClean="0"/>
-              <a:t> </a:t>
-            </a:r>
-            <a:r>
-              <a:rPr lang="sk-SK" dirty="0" err="1" smtClean="0"/>
-              <a:t>code</a:t>
-            </a:r>
-            <a:r>
-              <a:rPr lang="sk-SK" dirty="0" smtClean="0"/>
-              <a:t> </a:t>
-            </a:r>
-            <a:r>
-              <a:rPr lang="sk-SK" dirty="0" err="1" smtClean="0"/>
-              <a:t>coverage</a:t>
-            </a:r>
-            <a:r>
-              <a:rPr lang="sk-SK" dirty="0" smtClean="0"/>
-              <a:t> je kontra produktívne</a:t>
-            </a:r>
-          </a:p>
-          <a:p>
-            <a:pPr lvl="1"/>
-            <a:r>
-              <a:rPr lang="sk-SK" dirty="0" smtClean="0"/>
-              <a:t>odporúča sa 70-80%</a:t>
-            </a:r>
-          </a:p>
-          <a:p>
-            <a:r>
-              <a:rPr lang="sk-SK" dirty="0" smtClean="0"/>
-              <a:t>daj tomu čas (TDD je koncept)</a:t>
-            </a:r>
-          </a:p>
-          <a:p>
-            <a:r>
-              <a:rPr lang="sk-SK" dirty="0" smtClean="0"/>
-              <a:t>píš testy tak často, ako sa Ti len dá (vráti sa Ti to)</a:t>
-            </a:r>
-          </a:p>
-          <a:p>
+              <a:t>“</a:t>
+            </a:r>
             <a:endParaRPr lang="sk-SK" dirty="0"/>
           </a:p>
         </p:txBody>
       </p:sp>
     </p:spTree>
+    <p:extLst>
+      <p:ext uri="{BB962C8B-B14F-4D97-AF65-F5344CB8AC3E}">
+        <p14:creationId xmlns:p14="http://schemas.microsoft.com/office/powerpoint/2010/main" val="3742952897"/>
+      </p:ext>
+    </p:extLst>
   </p:cSld>
   <p:clrMapOvr>
     <a:masterClrMapping/>
@@ -8893,7 +6961,7 @@
 </file>
 
 <file path=ppt/slides/slide12.xml><?xml version="1.0" encoding="utf-8"?>
-<p:sld xmlns:a="http://schemas.openxmlformats.org/drawingml/2006/main" xmlns:r="http://schemas.openxmlformats.org/officeDocument/2006/relationships" xmlns:p="http://schemas.openxmlformats.org/presentationml/2006/main" showMasterPhAnim="0">
+<p:sld xmlns:a="http://schemas.openxmlformats.org/drawingml/2006/main" xmlns:r="http://schemas.openxmlformats.org/officeDocument/2006/relationships" xmlns:p="http://schemas.openxmlformats.org/presentationml/2006/main">
   <p:cSld>
     <p:spTree>
       <p:nvGrpSpPr>
@@ -8911,465 +6979,94 @@
       </p:grpSpPr>
       <p:sp>
         <p:nvSpPr>
-          <p:cNvPr id="18434" name="Rectangle 2"/>
-          <p:cNvSpPr>
-            <a:spLocks noGrp="1" noChangeArrowheads="1"/>
+          <p:cNvPr id="2" name="Nadpis 1"/>
+          <p:cNvSpPr>
+            <a:spLocks noGrp="1"/>
           </p:cNvSpPr>
           <p:nvPr>
             <p:ph type="title"/>
           </p:nvPr>
         </p:nvSpPr>
-        <p:spPr>
-          <a:xfrm>
-            <a:off x="1111250" y="44450"/>
-            <a:ext cx="7886700" cy="576263"/>
-          </a:xfrm>
-        </p:spPr>
+        <p:spPr/>
         <p:txBody>
           <a:bodyPr/>
           <a:lstStyle/>
           <a:p>
-            <a:pPr algn="l" eaLnBrk="1" hangingPunct="1"/>
-            <a:endParaRPr lang="sk-SK" altLang="sk-SK" sz="2400" b="1" dirty="0" smtClean="0">
-              <a:solidFill>
-                <a:schemeClr val="bg1"/>
-              </a:solidFill>
-              <a:latin typeface="Ubuntu" pitchFamily="34" charset="0"/>
-            </a:endParaRPr>
-          </a:p>
-        </p:txBody>
-      </p:sp>
-      <p:pic>
-        <p:nvPicPr>
-          <p:cNvPr id="2050" name="Picture 2" descr="C:\Users\xx\Downloads\5c24aedc-479d-460a-bc36-fa3534cd48f8.jpg"/>
-          <p:cNvPicPr>
-            <a:picLocks noChangeAspect="1" noChangeArrowheads="1"/>
-          </p:cNvPicPr>
-          <p:nvPr/>
-        </p:nvPicPr>
-        <p:blipFill>
-          <a:blip r:embed="rId2" cstate="print"/>
-          <a:srcRect/>
-          <a:stretch>
-            <a:fillRect/>
-          </a:stretch>
-        </p:blipFill>
-        <p:spPr bwMode="auto">
-          <a:xfrm>
-            <a:off x="0" y="764704"/>
-            <a:ext cx="7087716" cy="6272618"/>
-          </a:xfrm>
-          <a:prstGeom prst="rect">
-            <a:avLst/>
-          </a:prstGeom>
-          <a:noFill/>
-        </p:spPr>
-      </p:pic>
-      <p:sp>
-        <p:nvSpPr>
-          <p:cNvPr id="5" name="BlokTextu 4"/>
-          <p:cNvSpPr txBox="1"/>
-          <p:nvPr/>
-        </p:nvSpPr>
-        <p:spPr>
-          <a:xfrm rot="638912">
-            <a:off x="117874" y="2644170"/>
-            <a:ext cx="10065271" cy="1569660"/>
-          </a:xfrm>
-          <a:prstGeom prst="rect">
-            <a:avLst/>
-          </a:prstGeom>
-          <a:solidFill>
-            <a:srgbClr val="CC0000"/>
-          </a:solidFill>
-        </p:spPr>
-        <p:txBody>
-          <a:bodyPr wrap="square" rtlCol="0">
-            <a:spAutoFit/>
-          </a:bodyPr>
+            <a:r>
+              <a:rPr lang="en-US" dirty="0"/>
+              <a:t>Dependency Inversion </a:t>
+            </a:r>
+            <a:r>
+              <a:rPr lang="en-US" dirty="0" err="1"/>
+              <a:t>Princile</a:t>
+            </a:r>
+            <a:r>
+              <a:rPr lang="en-US" dirty="0"/>
+              <a:t> (DIP</a:t>
+            </a:r>
+            <a:r>
+              <a:rPr lang="en-US" dirty="0" smtClean="0"/>
+              <a:t>)</a:t>
+            </a:r>
+            <a:r>
+              <a:rPr lang="sk-SK" dirty="0" smtClean="0"/>
+              <a:t> xxx</a:t>
+            </a:r>
+            <a:endParaRPr lang="sk-SK" dirty="0"/>
+          </a:p>
+        </p:txBody>
+      </p:sp>
+      <p:sp>
+        <p:nvSpPr>
+          <p:cNvPr id="3" name="Zástupný objekt pre obsah 2"/>
+          <p:cNvSpPr>
+            <a:spLocks noGrp="1"/>
+          </p:cNvSpPr>
+          <p:nvPr>
+            <p:ph idx="1"/>
+          </p:nvPr>
+        </p:nvSpPr>
+        <p:spPr/>
+        <p:txBody>
+          <a:bodyPr/>
           <a:lstStyle/>
           <a:p>
             <a:r>
-              <a:rPr lang="sk-SK" sz="2400" b="1" dirty="0" smtClean="0">
-                <a:solidFill>
-                  <a:schemeClr val="accent3"/>
-                </a:solidFill>
-              </a:rPr>
-              <a:t>Nezáleží na tom ako dobrý ste programátor, </a:t>
-            </a:r>
-          </a:p>
-          <a:p>
-            <a:r>
-              <a:rPr lang="sk-SK" sz="2400" b="1" dirty="0" smtClean="0">
-                <a:solidFill>
-                  <a:schemeClr val="accent3"/>
-                </a:solidFill>
-              </a:rPr>
-              <a:t>nezáleží na tom ako dôkladne napĺňate definované požiadavky a</a:t>
-            </a:r>
-          </a:p>
-          <a:p>
-            <a:r>
-              <a:rPr lang="sk-SK" sz="2400" b="1" dirty="0" smtClean="0">
-                <a:solidFill>
-                  <a:schemeClr val="accent3"/>
-                </a:solidFill>
-              </a:rPr>
-              <a:t>nezáleží na tom ako moc testujete svoj softvér, </a:t>
-            </a:r>
-          </a:p>
-          <a:p>
-            <a:r>
-              <a:rPr lang="sk-SK" sz="2400" b="1" dirty="0" smtClean="0">
-                <a:solidFill>
-                  <a:schemeClr val="accent3"/>
-                </a:solidFill>
-              </a:rPr>
-              <a:t>chyby sú súčasťou života.</a:t>
-            </a:r>
-            <a:endParaRPr lang="sk-SK" sz="2400" b="1" dirty="0">
-              <a:solidFill>
-                <a:schemeClr val="accent3"/>
-              </a:solidFill>
-            </a:endParaRPr>
-          </a:p>
-        </p:txBody>
-      </p:sp>
-      <p:sp>
-        <p:nvSpPr>
-          <p:cNvPr id="6" name="BlokTextu 5"/>
-          <p:cNvSpPr txBox="1"/>
-          <p:nvPr/>
-        </p:nvSpPr>
-        <p:spPr>
-          <a:xfrm>
-            <a:off x="0" y="1613119"/>
-            <a:ext cx="10287000" cy="3631763"/>
-          </a:xfrm>
-          <a:custGeom>
-            <a:avLst/>
-            <a:gdLst>
-              <a:gd name="connsiteX0" fmla="*/ 0 w 12128276"/>
-              <a:gd name="connsiteY0" fmla="*/ 0 h 3631763"/>
-              <a:gd name="connsiteX1" fmla="*/ 12128276 w 12128276"/>
-              <a:gd name="connsiteY1" fmla="*/ 0 h 3631763"/>
-              <a:gd name="connsiteX2" fmla="*/ 12128276 w 12128276"/>
-              <a:gd name="connsiteY2" fmla="*/ 3631763 h 3631763"/>
-              <a:gd name="connsiteX3" fmla="*/ 0 w 12128276"/>
-              <a:gd name="connsiteY3" fmla="*/ 3631763 h 3631763"/>
-              <a:gd name="connsiteX4" fmla="*/ 0 w 12128276"/>
-              <a:gd name="connsiteY4" fmla="*/ 0 h 3631763"/>
-            </a:gdLst>
-            <a:ahLst/>
-            <a:cxnLst>
-              <a:cxn ang="0">
-                <a:pos x="connsiteX0" y="connsiteY0"/>
-              </a:cxn>
-              <a:cxn ang="0">
-                <a:pos x="connsiteX1" y="connsiteY1"/>
-              </a:cxn>
-              <a:cxn ang="0">
-                <a:pos x="connsiteX2" y="connsiteY2"/>
-              </a:cxn>
-              <a:cxn ang="0">
-                <a:pos x="connsiteX3" y="connsiteY3"/>
-              </a:cxn>
-              <a:cxn ang="0">
-                <a:pos x="connsiteX4" y="connsiteY4"/>
-              </a:cxn>
-            </a:cxnLst>
-            <a:rect l="l" t="t" r="r" b="b"/>
-            <a:pathLst>
-              <a:path w="12128276" h="3631763">
-                <a:moveTo>
-                  <a:pt x="0" y="0"/>
-                </a:moveTo>
-                <a:lnTo>
-                  <a:pt x="12128276" y="0"/>
-                </a:lnTo>
-                <a:lnTo>
-                  <a:pt x="12128276" y="3631763"/>
-                </a:lnTo>
-                <a:lnTo>
-                  <a:pt x="0" y="3631763"/>
-                </a:lnTo>
-                <a:lnTo>
-                  <a:pt x="0" y="0"/>
-                </a:lnTo>
-                <a:close/>
-              </a:path>
-            </a:pathLst>
-          </a:custGeom>
-          <a:solidFill>
-            <a:srgbClr val="A69600"/>
-          </a:solidFill>
-        </p:spPr>
-        <p:txBody>
-          <a:bodyPr wrap="square" rtlCol="0">
-            <a:spAutoFit/>
-          </a:bodyPr>
-          <a:lstStyle/>
-          <a:p>
-            <a:pPr algn="ctr"/>
-            <a:r>
-              <a:rPr lang="sk-SK" sz="11500" b="1" dirty="0" smtClean="0">
-                <a:solidFill>
-                  <a:schemeClr val="bg1"/>
-                </a:solidFill>
-                <a:latin typeface="+mj-lt"/>
-              </a:rPr>
-              <a:t>TDD </a:t>
-            </a:r>
-          </a:p>
-          <a:p>
-            <a:pPr algn="ctr"/>
-            <a:r>
-              <a:rPr lang="sk-SK" sz="11500" b="1" dirty="0" smtClean="0">
-                <a:solidFill>
-                  <a:schemeClr val="bg1"/>
-                </a:solidFill>
-                <a:latin typeface="+mj-lt"/>
-              </a:rPr>
-              <a:t>je riešenie</a:t>
-            </a:r>
-            <a:endParaRPr lang="sk-SK" sz="11500" b="1" dirty="0">
-              <a:solidFill>
-                <a:schemeClr val="bg1"/>
-              </a:solidFill>
-              <a:latin typeface="+mj-lt"/>
-            </a:endParaRPr>
+              <a:rPr lang="sk-SK" dirty="0" smtClean="0"/>
+              <a:t>„</a:t>
+            </a:r>
+            <a:r>
+              <a:rPr lang="en-US" dirty="0"/>
+              <a:t>High-level modules/classes should not depend upon low-level modules/classes. Both should depend upon abstractions. Secondly, abstractions should not depend upon details. Details should depend upon abstractions</a:t>
+            </a:r>
+            <a:r>
+              <a:rPr lang="en-US" dirty="0" smtClean="0"/>
+              <a:t>.</a:t>
+            </a:r>
+            <a:r>
+              <a:rPr lang="sk-SK" dirty="0" smtClean="0"/>
+              <a:t>“</a:t>
+            </a:r>
+            <a:endParaRPr lang="sk-SK" dirty="0"/>
           </a:p>
         </p:txBody>
       </p:sp>
     </p:spTree>
+    <p:extLst>
+      <p:ext uri="{BB962C8B-B14F-4D97-AF65-F5344CB8AC3E}">
+        <p14:creationId xmlns:p14="http://schemas.microsoft.com/office/powerpoint/2010/main" val="3193278429"/>
+      </p:ext>
+    </p:extLst>
   </p:cSld>
   <p:clrMapOvr>
     <a:masterClrMapping/>
   </p:clrMapOvr>
-  <p:transition/>
   <p:timing>
     <p:tnLst>
       <p:par>
-        <p:cTn id="1" dur="indefinite" restart="never" nodeType="tmRoot">
-          <p:childTnLst>
-            <p:seq concurrent="1" nextAc="seek">
-              <p:cTn id="2" dur="indefinite" nodeType="mainSeq">
-                <p:childTnLst>
-                  <p:par>
-                    <p:cTn id="3" fill="hold">
-                      <p:stCondLst>
-                        <p:cond delay="indefinite"/>
-                      </p:stCondLst>
-                      <p:childTnLst>
-                        <p:par>
-                          <p:cTn id="4" fill="hold">
-                            <p:stCondLst>
-                              <p:cond delay="0"/>
-                            </p:stCondLst>
-                            <p:childTnLst>
-                              <p:par>
-                                <p:cTn id="5" presetID="1" presetClass="entr" presetSubtype="0" fill="hold" nodeType="clickEffect">
-                                  <p:stCondLst>
-                                    <p:cond delay="0"/>
-                                  </p:stCondLst>
-                                  <p:childTnLst>
-                                    <p:set>
-                                      <p:cBhvr>
-                                        <p:cTn id="6" dur="1" fill="hold">
-                                          <p:stCondLst>
-                                            <p:cond delay="0"/>
-                                          </p:stCondLst>
-                                        </p:cTn>
-                                        <p:tgtEl>
-                                          <p:spTgt spid="2050"/>
-                                        </p:tgtEl>
-                                        <p:attrNameLst>
-                                          <p:attrName>style.visibility</p:attrName>
-                                        </p:attrNameLst>
-                                      </p:cBhvr>
-                                      <p:to>
-                                        <p:strVal val="visible"/>
-                                      </p:to>
-                                    </p:set>
-                                  </p:childTnLst>
-                                </p:cTn>
-                              </p:par>
-                            </p:childTnLst>
-                          </p:cTn>
-                        </p:par>
-                      </p:childTnLst>
-                    </p:cTn>
-                  </p:par>
-                  <p:par>
-                    <p:cTn id="7" fill="hold">
-                      <p:stCondLst>
-                        <p:cond delay="indefinite"/>
-                      </p:stCondLst>
-                      <p:childTnLst>
-                        <p:par>
-                          <p:cTn id="8" fill="hold">
-                            <p:stCondLst>
-                              <p:cond delay="0"/>
-                            </p:stCondLst>
-                            <p:childTnLst>
-                              <p:par>
-                                <p:cTn id="9" presetID="1" presetClass="entr" presetSubtype="0" fill="hold" grpId="0" nodeType="clickEffect">
-                                  <p:stCondLst>
-                                    <p:cond delay="0"/>
-                                  </p:stCondLst>
-                                  <p:childTnLst>
-                                    <p:set>
-                                      <p:cBhvr>
-                                        <p:cTn id="10" dur="1" fill="hold">
-                                          <p:stCondLst>
-                                            <p:cond delay="0"/>
-                                          </p:stCondLst>
-                                        </p:cTn>
-                                        <p:tgtEl>
-                                          <p:spTgt spid="5"/>
-                                        </p:tgtEl>
-                                        <p:attrNameLst>
-                                          <p:attrName>style.visibility</p:attrName>
-                                        </p:attrNameLst>
-                                      </p:cBhvr>
-                                      <p:to>
-                                        <p:strVal val="visible"/>
-                                      </p:to>
-                                    </p:set>
-                                  </p:childTnLst>
-                                </p:cTn>
-                              </p:par>
-                            </p:childTnLst>
-                          </p:cTn>
-                        </p:par>
-                      </p:childTnLst>
-                    </p:cTn>
-                  </p:par>
-                  <p:par>
-                    <p:cTn id="11" fill="hold">
-                      <p:stCondLst>
-                        <p:cond delay="indefinite"/>
-                      </p:stCondLst>
-                      <p:childTnLst>
-                        <p:par>
-                          <p:cTn id="12" fill="hold">
-                            <p:stCondLst>
-                              <p:cond delay="0"/>
-                            </p:stCondLst>
-                            <p:childTnLst>
-                              <p:par>
-                                <p:cTn id="13" presetID="1" presetClass="exit" presetSubtype="0" fill="hold" nodeType="clickEffect">
-                                  <p:stCondLst>
-                                    <p:cond delay="0"/>
-                                  </p:stCondLst>
-                                  <p:childTnLst>
-                                    <p:set>
-                                      <p:cBhvr>
-                                        <p:cTn id="14" dur="1" fill="hold">
-                                          <p:stCondLst>
-                                            <p:cond delay="0"/>
-                                          </p:stCondLst>
-                                        </p:cTn>
-                                        <p:tgtEl>
-                                          <p:spTgt spid="2050"/>
-                                        </p:tgtEl>
-                                        <p:attrNameLst>
-                                          <p:attrName>style.visibility</p:attrName>
-                                        </p:attrNameLst>
-                                      </p:cBhvr>
-                                      <p:to>
-                                        <p:strVal val="hidden"/>
-                                      </p:to>
-                                    </p:set>
-                                  </p:childTnLst>
-                                </p:cTn>
-                              </p:par>
-                              <p:par>
-                                <p:cTn id="15" presetID="1" presetClass="exit" presetSubtype="0" fill="hold" grpId="1" nodeType="withEffect">
-                                  <p:stCondLst>
-                                    <p:cond delay="0"/>
-                                  </p:stCondLst>
-                                  <p:childTnLst>
-                                    <p:set>
-                                      <p:cBhvr>
-                                        <p:cTn id="16" dur="1" fill="hold">
-                                          <p:stCondLst>
-                                            <p:cond delay="0"/>
-                                          </p:stCondLst>
-                                        </p:cTn>
-                                        <p:tgtEl>
-                                          <p:spTgt spid="5"/>
-                                        </p:tgtEl>
-                                        <p:attrNameLst>
-                                          <p:attrName>style.visibility</p:attrName>
-                                        </p:attrNameLst>
-                                      </p:cBhvr>
-                                      <p:to>
-                                        <p:strVal val="hidden"/>
-                                      </p:to>
-                                    </p:set>
-                                  </p:childTnLst>
-                                </p:cTn>
-                              </p:par>
-                              <p:par>
-                                <p:cTn id="17" presetID="1" presetClass="entr" presetSubtype="0" fill="hold" grpId="0" nodeType="withEffect">
-                                  <p:stCondLst>
-                                    <p:cond delay="0"/>
-                                  </p:stCondLst>
-                                  <p:childTnLst>
-                                    <p:set>
-                                      <p:cBhvr>
-                                        <p:cTn id="18" dur="1" fill="hold">
-                                          <p:stCondLst>
-                                            <p:cond delay="0"/>
-                                          </p:stCondLst>
-                                        </p:cTn>
-                                        <p:tgtEl>
-                                          <p:spTgt spid="6"/>
-                                        </p:tgtEl>
-                                        <p:attrNameLst>
-                                          <p:attrName>style.visibility</p:attrName>
-                                        </p:attrNameLst>
-                                      </p:cBhvr>
-                                      <p:to>
-                                        <p:strVal val="visible"/>
-                                      </p:to>
-                                    </p:set>
-                                  </p:childTnLst>
-                                </p:cTn>
-                              </p:par>
-                            </p:childTnLst>
-                          </p:cTn>
-                        </p:par>
-                      </p:childTnLst>
-                    </p:cTn>
-                  </p:par>
-                </p:childTnLst>
-              </p:cTn>
-              <p:prevCondLst>
-                <p:cond evt="onPrev" delay="0">
-                  <p:tgtEl>
-                    <p:sldTgt/>
-                  </p:tgtEl>
-                </p:cond>
-              </p:prevCondLst>
-              <p:nextCondLst>
-                <p:cond evt="onNext" delay="0">
-                  <p:tgtEl>
-                    <p:sldTgt/>
-                  </p:tgtEl>
-                </p:cond>
-              </p:nextCondLst>
-            </p:seq>
-          </p:childTnLst>
-        </p:cTn>
+        <p:cTn id="1" dur="indefinite" restart="never" nodeType="tmRoot"/>
       </p:par>
     </p:tnLst>
-    <p:bldLst>
-      <p:bldP spid="5" grpId="0" animBg="1"/>
-      <p:bldP spid="5" grpId="1" animBg="1"/>
-      <p:bldP spid="6" grpId="0" animBg="1"/>
-    </p:bldLst>
   </p:timing>
 </p:sld>
 </file>
@@ -9393,29 +7090,106 @@
       </p:grpSpPr>
       <p:pic>
         <p:nvPicPr>
-          <p:cNvPr id="19458" name="Obrázok 1"/>
+          <p:cNvPr id="9" name="Obrázok 8"/>
           <p:cNvPicPr>
             <a:picLocks noChangeAspect="1"/>
           </p:cNvPicPr>
           <p:nvPr/>
         </p:nvPicPr>
         <p:blipFill>
-          <a:blip r:embed="rId3" cstate="print">
-            <a:extLst>
-              <a:ext uri="{28A0092B-C50C-407E-A947-70E740481C1C}">
-                <a14:useLocalDpi xmlns:a14="http://schemas.microsoft.com/office/drawing/2010/main" xmlns="" val="0"/>
-              </a:ext>
-            </a:extLst>
-          </a:blip>
-          <a:srcRect/>
+          <a:blip r:embed="rId3"/>
           <a:stretch>
             <a:fillRect/>
           </a:stretch>
         </p:blipFill>
+        <p:spPr>
+          <a:xfrm>
+            <a:off x="0" y="0"/>
+            <a:ext cx="10287000" cy="6858000"/>
+          </a:xfrm>
+          <a:prstGeom prst="rect">
+            <a:avLst/>
+          </a:prstGeom>
+        </p:spPr>
+      </p:pic>
+      <p:sp>
+        <p:nvSpPr>
+          <p:cNvPr id="2" name="Nadpis 1"/>
+          <p:cNvSpPr>
+            <a:spLocks noGrp="1"/>
+          </p:cNvSpPr>
+          <p:nvPr>
+            <p:ph type="title"/>
+          </p:nvPr>
+        </p:nvSpPr>
+        <p:spPr>
+          <a:xfrm>
+            <a:off x="3343300" y="1988840"/>
+            <a:ext cx="5616624" cy="725487"/>
+          </a:xfrm>
+        </p:spPr>
+        <p:txBody>
+          <a:bodyPr/>
+          <a:lstStyle/>
+          <a:p>
+            <a:r>
+              <a:rPr lang="sk-SK" dirty="0" smtClean="0">
+                <a:solidFill>
+                  <a:schemeClr val="bg1"/>
+                </a:solidFill>
+              </a:rPr>
+              <a:t>Ďakujem za pozornosť</a:t>
+            </a:r>
+            <a:endParaRPr lang="sk-SK" dirty="0">
+              <a:solidFill>
+                <a:schemeClr val="bg1"/>
+              </a:solidFill>
+            </a:endParaRPr>
+          </a:p>
+        </p:txBody>
+      </p:sp>
+      <p:pic>
+        <p:nvPicPr>
+          <p:cNvPr id="10" name="Obrázok 9"/>
+          <p:cNvPicPr>
+            <a:picLocks noChangeAspect="1"/>
+          </p:cNvPicPr>
+          <p:nvPr/>
+        </p:nvPicPr>
+        <p:blipFill>
+          <a:blip r:embed="rId4" cstate="print">
+            <a:extLst>
+              <a:ext uri="{28A0092B-C50C-407E-A947-70E740481C1C}">
+                <a14:useLocalDpi xmlns:a14="http://schemas.microsoft.com/office/drawing/2010/main" val="0"/>
+              </a:ext>
+            </a:extLst>
+          </a:blip>
+          <a:stretch>
+            <a:fillRect/>
+          </a:stretch>
+        </p:blipFill>
+        <p:spPr>
+          <a:xfrm>
+            <a:off x="606996" y="3933056"/>
+            <a:ext cx="2520280" cy="2520280"/>
+          </a:xfrm>
+          <a:prstGeom prst="rect">
+            <a:avLst/>
+          </a:prstGeom>
+        </p:spPr>
+      </p:pic>
+      <p:sp>
+        <p:nvSpPr>
+          <p:cNvPr id="13" name="Nadpis 1"/>
+          <p:cNvSpPr txBox="1">
+            <a:spLocks/>
+          </p:cNvSpPr>
+          <p:nvPr/>
+        </p:nvSpPr>
         <p:spPr bwMode="auto">
           <a:xfrm>
-            <a:off x="0" y="1588"/>
-            <a:ext cx="10290175" cy="6856412"/>
+            <a:off x="3487316" y="3933056"/>
+            <a:ext cx="5616624" cy="2520280"/>
           </a:xfrm>
           <a:prstGeom prst="rect">
             <a:avLst/>
@@ -9424,258 +7198,265 @@
           <a:ln>
             <a:noFill/>
           </a:ln>
+          <a:effectLst/>
           <a:extLst>
             <a:ext uri="{909E8E84-426E-40DD-AFC4-6F175D3DCCD1}">
-              <a14:hiddenFill xmlns:a14="http://schemas.microsoft.com/office/drawing/2010/main" xmlns="">
-                <a:solidFill>
-                  <a:srgbClr val="FFFFFF"/>
+              <a14:hiddenFill xmlns:a14="http://schemas.microsoft.com/office/drawing/2010/main">
+                <a:solidFill>
+                  <a:schemeClr val="accent1"/>
                 </a:solidFill>
               </a14:hiddenFill>
             </a:ext>
             <a:ext uri="{91240B29-F687-4F45-9708-019B960494DF}">
-              <a14:hiddenLine xmlns:a14="http://schemas.microsoft.com/office/drawing/2010/main" xmlns="" w="9525">
-                <a:solidFill>
-                  <a:srgbClr val="000000"/>
+              <a14:hiddenLine xmlns:a14="http://schemas.microsoft.com/office/drawing/2010/main" w="9525">
+                <a:solidFill>
+                  <a:schemeClr val="tx1"/>
                 </a:solidFill>
                 <a:miter lim="800000"/>
                 <a:headEnd/>
                 <a:tailEnd/>
               </a14:hiddenLine>
             </a:ext>
-          </a:extLst>
-        </p:spPr>
-      </p:pic>
-      <p:sp>
-        <p:nvSpPr>
-          <p:cNvPr id="19459" name="Rectangle 2"/>
-          <p:cNvSpPr>
-            <a:spLocks noGrp="1" noChangeArrowheads="1"/>
-          </p:cNvSpPr>
-          <p:nvPr>
-            <p:ph type="title"/>
-          </p:nvPr>
-        </p:nvSpPr>
-        <p:spPr>
-          <a:xfrm>
-            <a:off x="3559175" y="1557338"/>
-            <a:ext cx="6337300" cy="1325562"/>
-          </a:xfrm>
-        </p:spPr>
-        <p:txBody>
-          <a:bodyPr/>
-          <a:lstStyle/>
-          <a:p>
-            <a:pPr algn="l" eaLnBrk="1" hangingPunct="1"/>
-            <a:r>
-              <a:rPr lang="sk-SK" altLang="sk-SK" b="1" dirty="0" smtClean="0">
-                <a:solidFill>
-                  <a:schemeClr val="bg1"/>
-                </a:solidFill>
-                <a:latin typeface="Ubuntu" pitchFamily="34" charset="0"/>
-              </a:rPr>
-              <a:t>Ďakujem za pozornosť</a:t>
-            </a:r>
-          </a:p>
-        </p:txBody>
-      </p:sp>
-      <p:sp>
-        <p:nvSpPr>
-          <p:cNvPr id="19460" name="BlokTextu 2"/>
-          <p:cNvSpPr txBox="1">
-            <a:spLocks noChangeArrowheads="1"/>
-          </p:cNvSpPr>
-          <p:nvPr/>
-        </p:nvSpPr>
-        <p:spPr bwMode="auto">
-          <a:xfrm>
-            <a:off x="5059363" y="4162425"/>
-            <a:ext cx="936625" cy="369888"/>
-          </a:xfrm>
-          <a:prstGeom prst="rect">
-            <a:avLst/>
-          </a:prstGeom>
-          <a:noFill/>
-          <a:ln>
-            <a:noFill/>
-          </a:ln>
-          <a:extLst>
-            <a:ext uri="{909E8E84-426E-40DD-AFC4-6F175D3DCCD1}">
-              <a14:hiddenFill xmlns:a14="http://schemas.microsoft.com/office/drawing/2010/main" xmlns="">
-                <a:solidFill>
-                  <a:srgbClr val="FFFFFF"/>
-                </a:solidFill>
-              </a14:hiddenFill>
-            </a:ext>
-            <a:ext uri="{91240B29-F687-4F45-9708-019B960494DF}">
-              <a14:hiddenLine xmlns:a14="http://schemas.microsoft.com/office/drawing/2010/main" xmlns="" w="9525">
-                <a:solidFill>
-                  <a:srgbClr val="000000"/>
-                </a:solidFill>
-                <a:miter lim="800000"/>
-                <a:headEnd/>
-                <a:tailEnd/>
-              </a14:hiddenLine>
+            <a:ext uri="{AF507438-7753-43E0-B8FC-AC1667EBCBE1}">
+              <a14:hiddenEffects xmlns:a14="http://schemas.microsoft.com/office/drawing/2010/main">
+                <a:effectLst>
+                  <a:outerShdw dist="35921" dir="2700000" algn="ctr" rotWithShape="0">
+                    <a:schemeClr val="bg2"/>
+                  </a:outerShdw>
+                </a:effectLst>
+              </a14:hiddenEffects>
             </a:ext>
           </a:extLst>
         </p:spPr>
         <p:txBody>
-          <a:bodyPr>
-            <a:spAutoFit/>
+          <a:bodyPr vert="horz" wrap="square" lIns="91440" tIns="45720" rIns="91440" bIns="45720" numCol="1" anchor="ctr" anchorCtr="0" compatLnSpc="1">
+            <a:prstTxWarp prst="textNoShape">
+              <a:avLst/>
+            </a:prstTxWarp>
           </a:bodyPr>
           <a:lstStyle>
-            <a:lvl1pPr>
+            <a:lvl1pPr algn="ctr" rtl="0" eaLnBrk="0" fontAlgn="base" hangingPunct="0">
               <a:spcBef>
-                <a:spcPct val="20000"/>
-              </a:spcBef>
-              <a:buChar char="•"/>
-              <a:defRPr sz="2000">
-                <a:solidFill>
-                  <a:srgbClr val="003366"/>
-                </a:solidFill>
-                <a:latin typeface="Verdana" panose="020B0604030504040204" pitchFamily="34" charset="0"/>
-              </a:defRPr>
-            </a:lvl1pPr>
-            <a:lvl2pPr marL="742950" indent="-285750">
-              <a:spcBef>
-                <a:spcPct val="20000"/>
-              </a:spcBef>
-              <a:buChar char="–"/>
-              <a:defRPr sz="2000">
-                <a:solidFill>
-                  <a:srgbClr val="003366"/>
-                </a:solidFill>
-                <a:latin typeface="Verdana" panose="020B0604030504040204" pitchFamily="34" charset="0"/>
-              </a:defRPr>
-            </a:lvl2pPr>
-            <a:lvl3pPr marL="1143000" indent="-228600">
-              <a:spcBef>
-                <a:spcPct val="20000"/>
-              </a:spcBef>
-              <a:buChar char="•"/>
-              <a:defRPr sz="2000">
-                <a:solidFill>
-                  <a:srgbClr val="003366"/>
-                </a:solidFill>
-                <a:latin typeface="Verdana" panose="020B0604030504040204" pitchFamily="34" charset="0"/>
-              </a:defRPr>
-            </a:lvl3pPr>
-            <a:lvl4pPr marL="1600200" indent="-228600">
-              <a:spcBef>
-                <a:spcPct val="20000"/>
-              </a:spcBef>
-              <a:buChar char="–"/>
-              <a:defRPr sz="2000">
-                <a:solidFill>
-                  <a:srgbClr val="003366"/>
-                </a:solidFill>
-                <a:latin typeface="Verdana" panose="020B0604030504040204" pitchFamily="34" charset="0"/>
-              </a:defRPr>
-            </a:lvl4pPr>
-            <a:lvl5pPr marL="2057400" indent="-228600">
-              <a:spcBef>
-                <a:spcPct val="20000"/>
-              </a:spcBef>
-              <a:buChar char="»"/>
-              <a:defRPr sz="2000">
-                <a:solidFill>
-                  <a:srgbClr val="003366"/>
-                </a:solidFill>
-                <a:latin typeface="Verdana" panose="020B0604030504040204" pitchFamily="34" charset="0"/>
-              </a:defRPr>
-            </a:lvl5pPr>
-            <a:lvl6pPr marL="2514600" indent="-228600" eaLnBrk="0" fontAlgn="base" hangingPunct="0">
-              <a:spcBef>
-                <a:spcPct val="20000"/>
+                <a:spcPct val="0"/>
               </a:spcBef>
               <a:spcAft>
                 <a:spcPct val="0"/>
               </a:spcAft>
-              <a:buChar char="»"/>
-              <a:defRPr sz="2000">
-                <a:solidFill>
-                  <a:srgbClr val="003366"/>
-                </a:solidFill>
-                <a:latin typeface="Verdana" panose="020B0604030504040204" pitchFamily="34" charset="0"/>
+              <a:defRPr sz="3600">
+                <a:solidFill>
+                  <a:srgbClr val="0099CC"/>
+                </a:solidFill>
+                <a:latin typeface="+mj-lt"/>
+                <a:ea typeface="+mj-ea"/>
+                <a:cs typeface="+mj-cs"/>
               </a:defRPr>
-            </a:lvl6pPr>
-            <a:lvl7pPr marL="2971800" indent="-228600" eaLnBrk="0" fontAlgn="base" hangingPunct="0">
+            </a:lvl1pPr>
+            <a:lvl2pPr algn="ctr" rtl="0" eaLnBrk="0" fontAlgn="base" hangingPunct="0">
               <a:spcBef>
-                <a:spcPct val="20000"/>
+                <a:spcPct val="0"/>
               </a:spcBef>
               <a:spcAft>
                 <a:spcPct val="0"/>
               </a:spcAft>
-              <a:buChar char="»"/>
-              <a:defRPr sz="2000">
-                <a:solidFill>
-                  <a:srgbClr val="003366"/>
-                </a:solidFill>
-                <a:latin typeface="Verdana" panose="020B0604030504040204" pitchFamily="34" charset="0"/>
+              <a:defRPr sz="3600">
+                <a:solidFill>
+                  <a:srgbClr val="0099CC"/>
+                </a:solidFill>
+                <a:latin typeface="Verdana" pitchFamily="34" charset="0"/>
               </a:defRPr>
-            </a:lvl7pPr>
-            <a:lvl8pPr marL="3429000" indent="-228600" eaLnBrk="0" fontAlgn="base" hangingPunct="0">
+            </a:lvl2pPr>
+            <a:lvl3pPr algn="ctr" rtl="0" eaLnBrk="0" fontAlgn="base" hangingPunct="0">
               <a:spcBef>
-                <a:spcPct val="20000"/>
+                <a:spcPct val="0"/>
               </a:spcBef>
               <a:spcAft>
                 <a:spcPct val="0"/>
               </a:spcAft>
-              <a:buChar char="»"/>
-              <a:defRPr sz="2000">
-                <a:solidFill>
-                  <a:srgbClr val="003366"/>
-                </a:solidFill>
-                <a:latin typeface="Verdana" panose="020B0604030504040204" pitchFamily="34" charset="0"/>
+              <a:defRPr sz="3600">
+                <a:solidFill>
+                  <a:srgbClr val="0099CC"/>
+                </a:solidFill>
+                <a:latin typeface="Verdana" pitchFamily="34" charset="0"/>
               </a:defRPr>
-            </a:lvl8pPr>
-            <a:lvl9pPr marL="3886200" indent="-228600" eaLnBrk="0" fontAlgn="base" hangingPunct="0">
+            </a:lvl3pPr>
+            <a:lvl4pPr algn="ctr" rtl="0" eaLnBrk="0" fontAlgn="base" hangingPunct="0">
               <a:spcBef>
-                <a:spcPct val="20000"/>
+                <a:spcPct val="0"/>
               </a:spcBef>
               <a:spcAft>
                 <a:spcPct val="0"/>
               </a:spcAft>
-              <a:buChar char="»"/>
-              <a:defRPr sz="2000">
-                <a:solidFill>
-                  <a:srgbClr val="003366"/>
-                </a:solidFill>
-                <a:latin typeface="Verdana" panose="020B0604030504040204" pitchFamily="34" charset="0"/>
+              <a:defRPr sz="3600">
+                <a:solidFill>
+                  <a:srgbClr val="0099CC"/>
+                </a:solidFill>
+                <a:latin typeface="Verdana" pitchFamily="34" charset="0"/>
+              </a:defRPr>
+            </a:lvl4pPr>
+            <a:lvl5pPr algn="ctr" rtl="0" eaLnBrk="0" fontAlgn="base" hangingPunct="0">
+              <a:spcBef>
+                <a:spcPct val="0"/>
+              </a:spcBef>
+              <a:spcAft>
+                <a:spcPct val="0"/>
+              </a:spcAft>
+              <a:defRPr sz="3600">
+                <a:solidFill>
+                  <a:srgbClr val="0099CC"/>
+                </a:solidFill>
+                <a:latin typeface="Verdana" pitchFamily="34" charset="0"/>
+              </a:defRPr>
+            </a:lvl5pPr>
+            <a:lvl6pPr marL="457200" algn="ctr" rtl="0" fontAlgn="base">
+              <a:spcBef>
+                <a:spcPct val="0"/>
+              </a:spcBef>
+              <a:spcAft>
+                <a:spcPct val="0"/>
+              </a:spcAft>
+              <a:defRPr sz="3600">
+                <a:solidFill>
+                  <a:srgbClr val="0099CC"/>
+                </a:solidFill>
+                <a:latin typeface="Verdana" pitchFamily="34" charset="0"/>
+              </a:defRPr>
+            </a:lvl6pPr>
+            <a:lvl7pPr marL="914400" algn="ctr" rtl="0" fontAlgn="base">
+              <a:spcBef>
+                <a:spcPct val="0"/>
+              </a:spcBef>
+              <a:spcAft>
+                <a:spcPct val="0"/>
+              </a:spcAft>
+              <a:defRPr sz="3600">
+                <a:solidFill>
+                  <a:srgbClr val="0099CC"/>
+                </a:solidFill>
+                <a:latin typeface="Verdana" pitchFamily="34" charset="0"/>
+              </a:defRPr>
+            </a:lvl7pPr>
+            <a:lvl8pPr marL="1371600" algn="ctr" rtl="0" fontAlgn="base">
+              <a:spcBef>
+                <a:spcPct val="0"/>
+              </a:spcBef>
+              <a:spcAft>
+                <a:spcPct val="0"/>
+              </a:spcAft>
+              <a:defRPr sz="3600">
+                <a:solidFill>
+                  <a:srgbClr val="0099CC"/>
+                </a:solidFill>
+                <a:latin typeface="Verdana" pitchFamily="34" charset="0"/>
+              </a:defRPr>
+            </a:lvl8pPr>
+            <a:lvl9pPr marL="1828800" algn="ctr" rtl="0" fontAlgn="base">
+              <a:spcBef>
+                <a:spcPct val="0"/>
+              </a:spcBef>
+              <a:spcAft>
+                <a:spcPct val="0"/>
+              </a:spcAft>
+              <a:defRPr sz="3600">
+                <a:solidFill>
+                  <a:srgbClr val="0099CC"/>
+                </a:solidFill>
+                <a:latin typeface="Verdana" pitchFamily="34" charset="0"/>
               </a:defRPr>
             </a:lvl9pPr>
           </a:lstStyle>
           <a:p>
-            <a:pPr algn="ctr">
-              <a:spcBef>
-                <a:spcPct val="0"/>
-              </a:spcBef>
-              <a:buFontTx/>
-              <a:buNone/>
+            <a:pPr algn="l">
+              <a:lnSpc>
+                <a:spcPct val="150000"/>
+              </a:lnSpc>
             </a:pPr>
             <a:r>
-              <a:rPr lang="sk-SK" altLang="sk-SK" sz="1800" b="1" dirty="0" smtClean="0">
+              <a:rPr lang="en-US" sz="2800" kern="0" dirty="0" smtClean="0">
                 <a:solidFill>
                   <a:schemeClr val="bg1"/>
                 </a:solidFill>
-                <a:latin typeface="Arial" panose="020B0604020202020204" pitchFamily="34" charset="0"/>
               </a:rPr>
-              <a:t>TDD</a:t>
-            </a:r>
-            <a:endParaRPr lang="sk-SK" altLang="sk-SK" sz="1800" b="1" dirty="0">
+              <a:t>Milan Martiniak</a:t>
+            </a:r>
+          </a:p>
+          <a:p>
+            <a:pPr algn="l">
+              <a:lnSpc>
+                <a:spcPct val="150000"/>
+              </a:lnSpc>
+            </a:pPr>
+            <a:r>
+              <a:rPr lang="en-US" sz="2800" kern="0" dirty="0" smtClean="0">
+                <a:solidFill>
+                  <a:schemeClr val="bg1"/>
+                </a:solidFill>
+              </a:rPr>
+              <a:t>martiniak@kros.sk</a:t>
+            </a:r>
+          </a:p>
+          <a:p>
+            <a:pPr algn="l">
+              <a:lnSpc>
+                <a:spcPct val="150000"/>
+              </a:lnSpc>
+            </a:pPr>
+            <a:r>
+              <a:rPr lang="en-US" sz="2800" kern="0" dirty="0" smtClean="0">
+                <a:solidFill>
+                  <a:schemeClr val="bg1"/>
+                </a:solidFill>
+              </a:rPr>
+              <a:t>@</a:t>
+            </a:r>
+            <a:r>
+              <a:rPr lang="en-US" sz="2800" kern="0" dirty="0" err="1" smtClean="0">
+                <a:solidFill>
+                  <a:schemeClr val="bg1"/>
+                </a:solidFill>
+              </a:rPr>
+              <a:t>MinoMartiniak</a:t>
+            </a:r>
+            <a:endParaRPr lang="en-US" sz="2800" kern="0" dirty="0" smtClean="0">
               <a:solidFill>
                 <a:schemeClr val="bg1"/>
               </a:solidFill>
-              <a:latin typeface="Arial" panose="020B0604020202020204" pitchFamily="34" charset="0"/>
             </a:endParaRPr>
           </a:p>
+          <a:p>
+            <a:pPr algn="l">
+              <a:lnSpc>
+                <a:spcPct val="150000"/>
+              </a:lnSpc>
+            </a:pPr>
+            <a:r>
+              <a:rPr lang="en-US" sz="2800" kern="0" dirty="0">
+                <a:solidFill>
+                  <a:schemeClr val="bg1"/>
+                </a:solidFill>
+              </a:rPr>
+              <a:t>https://github.com/Burgyn</a:t>
+            </a:r>
+            <a:r>
+              <a:rPr lang="en-US" sz="2800" kern="0" dirty="0" smtClean="0">
+                <a:solidFill>
+                  <a:schemeClr val="bg1"/>
+                </a:solidFill>
+              </a:rPr>
+              <a:t>/</a:t>
+            </a:r>
+          </a:p>
         </p:txBody>
       </p:sp>
     </p:spTree>
+    <p:extLst>
+      <p:ext uri="{BB962C8B-B14F-4D97-AF65-F5344CB8AC3E}">
+        <p14:creationId xmlns:p14="http://schemas.microsoft.com/office/powerpoint/2010/main" val="4055223896"/>
+      </p:ext>
+    </p:extLst>
   </p:cSld>
   <p:clrMapOvr>
     <a:masterClrMapping/>
   </p:clrMapOvr>
-  <p:transition/>
   <p:timing>
     <p:tnLst>
       <p:par>
@@ -9686,7 +7467,7 @@
 </p:sld>
 </file>
 
-<file path=ppt/slides/slide14.xml><?xml version="1.0" encoding="utf-8"?>
+<file path=ppt/slides/slide2.xml><?xml version="1.0" encoding="utf-8"?>
 <p:sld xmlns:a="http://schemas.openxmlformats.org/drawingml/2006/main" xmlns:r="http://schemas.openxmlformats.org/officeDocument/2006/relationships" xmlns:p="http://schemas.openxmlformats.org/presentationml/2006/main">
   <p:cSld>
     <p:spTree>
@@ -9719,16 +7500,12 @@
           <a:lstStyle/>
           <a:p>
             <a:r>
-              <a:rPr lang="en-US" dirty="0" err="1" smtClean="0"/>
-              <a:t>Testovanie</a:t>
-            </a:r>
-            <a:r>
-              <a:rPr lang="en-US" dirty="0" smtClean="0"/>
-              <a:t> </a:t>
-            </a:r>
-            <a:r>
-              <a:rPr lang="en-US" dirty="0" err="1" smtClean="0"/>
-              <a:t>DateTime</a:t>
+              <a:rPr lang="sk-SK" dirty="0"/>
+              <a:t>Aké typy programátorov rozlišujem</a:t>
+            </a:r>
+            <a:r>
+              <a:rPr lang="sk-SK" dirty="0" smtClean="0"/>
+              <a:t>?</a:t>
             </a:r>
             <a:endParaRPr lang="sk-SK" dirty="0"/>
           </a:p>
@@ -9736,7 +7513,7 @@
       </p:sp>
       <p:sp>
         <p:nvSpPr>
-          <p:cNvPr id="3" name="Zástupný symbol obsahu 2"/>
+          <p:cNvPr id="3" name="Zástupný objekt pre obsah 2"/>
           <p:cNvSpPr>
             <a:spLocks noGrp="1"/>
           </p:cNvSpPr>
@@ -9750,131 +7527,150 @@
           <a:lstStyle/>
           <a:p>
             <a:r>
+              <a:rPr lang="sk-SK" dirty="0" err="1" smtClean="0"/>
+              <a:t>Kóder</a:t>
+            </a:r>
+            <a:endParaRPr lang="en-US" dirty="0" smtClean="0"/>
+          </a:p>
+          <a:p>
+            <a:pPr lvl="1"/>
+            <a:r>
+              <a:rPr lang="sk-SK" dirty="0"/>
+              <a:t>Vie </a:t>
+            </a:r>
+            <a:r>
+              <a:rPr lang="sk-SK" dirty="0" err="1" smtClean="0"/>
+              <a:t>algoritmovať</a:t>
+            </a:r>
+            <a:r>
+              <a:rPr lang="en-US" dirty="0" smtClean="0"/>
+              <a:t>,</a:t>
+            </a:r>
+          </a:p>
+          <a:p>
+            <a:pPr lvl="1"/>
+            <a:r>
+              <a:rPr lang="sk-SK" dirty="0"/>
+              <a:t>dokáže deduktívne myslieť a riešiť </a:t>
+            </a:r>
+            <a:r>
               <a:rPr lang="sk-SK" dirty="0" smtClean="0"/>
-              <a:t>Dávať </a:t>
-            </a:r>
-            <a:r>
-              <a:rPr lang="sk-SK" dirty="0" err="1" smtClean="0"/>
-              <a:t>DataTime</a:t>
+              <a:t>problémy</a:t>
+            </a:r>
+            <a:r>
+              <a:rPr lang="en-US" dirty="0" smtClean="0"/>
+              <a:t>,</a:t>
+            </a:r>
+          </a:p>
+          <a:p>
+            <a:pPr lvl="1"/>
+            <a:r>
+              <a:rPr lang="sk-SK" dirty="0"/>
+              <a:t>má rád technológie a rád sa v nich </a:t>
             </a:r>
             <a:r>
               <a:rPr lang="sk-SK" dirty="0" smtClean="0"/>
-              <a:t> ako vstupnú parameter</a:t>
-            </a:r>
-          </a:p>
-          <a:p>
+              <a:t>šprtá</a:t>
+            </a:r>
+            <a:r>
+              <a:rPr lang="en-US" dirty="0" smtClean="0"/>
+              <a:t>,</a:t>
+            </a:r>
+          </a:p>
+          <a:p>
+            <a:pPr lvl="1"/>
             <a:r>
               <a:rPr lang="sk-SK" dirty="0" smtClean="0"/>
-              <a:t>Využiť </a:t>
-            </a:r>
-            <a:r>
-              <a:rPr lang="sk-SK" dirty="0" err="1" smtClean="0"/>
-              <a:t>Moles</a:t>
-            </a:r>
+              <a:t>naprogramuje takmer čokoľvek.</a:t>
+            </a:r>
+            <a:endParaRPr lang="en-US" dirty="0" smtClean="0"/>
+          </a:p>
+          <a:p>
             <a:r>
               <a:rPr lang="sk-SK" dirty="0" smtClean="0"/>
-              <a:t>/</a:t>
-            </a:r>
-            <a:r>
-              <a:rPr lang="sk-SK" dirty="0" err="1" smtClean="0"/>
-              <a:t>Fakes</a:t>
+              <a:t>Vývojár</a:t>
+            </a:r>
+          </a:p>
+          <a:p>
+            <a:pPr lvl="1"/>
+            <a:r>
+              <a:rPr lang="sk-SK" dirty="0" smtClean="0"/>
+              <a:t>Udržuje čistotu kódu,</a:t>
+            </a:r>
+          </a:p>
+          <a:p>
+            <a:pPr lvl="1"/>
+            <a:r>
+              <a:rPr lang="sk-SK" dirty="0"/>
+              <a:t>v</a:t>
+            </a:r>
+            <a:r>
+              <a:rPr lang="sk-SK" dirty="0" smtClean="0"/>
+              <a:t>ie </a:t>
+            </a:r>
+            <a:r>
+              <a:rPr lang="sk-SK" dirty="0"/>
+              <a:t>navrhnúť vnútornú štruktúru projektu tak aby sa na tom dalo stavať dlhodobé </a:t>
+            </a:r>
+            <a:r>
+              <a:rPr lang="sk-SK" dirty="0" smtClean="0"/>
+              <a:t>riešenie</a:t>
+            </a:r>
+            <a:r>
+              <a:rPr lang="sk-SK" dirty="0"/>
+              <a:t>.</a:t>
+            </a:r>
+          </a:p>
+          <a:p>
+            <a:pPr lvl="1"/>
+            <a:r>
+              <a:rPr lang="sk-SK" dirty="0" smtClean="0"/>
+              <a:t>Niekto to má prirodzene v sebe</a:t>
+            </a:r>
+            <a:r>
+              <a:rPr lang="en-US" dirty="0" smtClean="0"/>
+              <a:t>.</a:t>
             </a:r>
             <a:r>
               <a:rPr lang="sk-SK" dirty="0" smtClean="0"/>
               <a:t> </a:t>
             </a:r>
-            <a:r>
-              <a:rPr lang="sk-SK" dirty="0" err="1" smtClean="0"/>
-              <a:t>framework</a:t>
+            <a:endParaRPr lang="en-US" dirty="0" smtClean="0"/>
+          </a:p>
+          <a:p>
+            <a:pPr lvl="1"/>
+            <a:r>
+              <a:rPr lang="en-US" dirty="0" smtClean="0"/>
+              <a:t>M</a:t>
             </a:r>
             <a:r>
               <a:rPr lang="sk-SK" dirty="0" smtClean="0"/>
-              <a:t> od </a:t>
-            </a:r>
-            <a:r>
-              <a:rPr lang="sk-SK" dirty="0" err="1" smtClean="0"/>
-              <a:t>microsoftu</a:t>
-            </a:r>
-            <a:endParaRPr lang="sk-SK" dirty="0" smtClean="0"/>
-          </a:p>
-          <a:p>
+              <a:t>y ostatní to musíme získať praxou</a:t>
+            </a:r>
+            <a:r>
+              <a:rPr lang="en-US" dirty="0" smtClean="0"/>
+              <a:t>.</a:t>
+            </a:r>
             <a:r>
               <a:rPr lang="sk-SK" dirty="0" smtClean="0"/>
-              <a:t>Odizolovať sa od použitia </a:t>
-            </a:r>
-            <a:r>
-              <a:rPr lang="sk-SK" dirty="0" err="1" smtClean="0"/>
-              <a:t>DateTime.Now</a:t>
+              <a:t> </a:t>
+            </a:r>
+            <a:r>
+              <a:rPr lang="en-US" dirty="0" smtClean="0">
+                <a:sym typeface="Wingdings" panose="05000000000000000000" pitchFamily="2" charset="2"/>
+              </a:rPr>
+              <a:t></a:t>
             </a:r>
             <a:endParaRPr lang="sk-SK" dirty="0"/>
           </a:p>
         </p:txBody>
       </p:sp>
-      <p:pic>
-        <p:nvPicPr>
-          <p:cNvPr id="2051" name="Picture 3"/>
-          <p:cNvPicPr>
-            <a:picLocks noChangeAspect="1" noChangeArrowheads="1"/>
-          </p:cNvPicPr>
-          <p:nvPr/>
-        </p:nvPicPr>
-        <p:blipFill>
-          <a:blip r:embed="rId2" cstate="print"/>
-          <a:srcRect/>
-          <a:stretch>
-            <a:fillRect/>
-          </a:stretch>
-        </p:blipFill>
-        <p:spPr bwMode="auto">
-          <a:xfrm>
-            <a:off x="2986088" y="1600200"/>
-            <a:ext cx="4314825" cy="3657600"/>
-          </a:xfrm>
-          <a:prstGeom prst="rect">
-            <a:avLst/>
-          </a:prstGeom>
-          <a:noFill/>
-          <a:ln w="9525">
-            <a:noFill/>
-            <a:miter lim="800000"/>
-            <a:headEnd/>
-            <a:tailEnd/>
-          </a:ln>
-        </p:spPr>
-      </p:pic>
-      <p:pic>
-        <p:nvPicPr>
-          <p:cNvPr id="2052" name="Picture 4"/>
-          <p:cNvPicPr>
-            <a:picLocks noChangeAspect="1" noChangeArrowheads="1"/>
-          </p:cNvPicPr>
-          <p:nvPr/>
-        </p:nvPicPr>
-        <p:blipFill>
-          <a:blip r:embed="rId3" cstate="print"/>
-          <a:srcRect/>
-          <a:stretch>
-            <a:fillRect/>
-          </a:stretch>
-        </p:blipFill>
-        <p:spPr bwMode="auto">
-          <a:xfrm>
-            <a:off x="1981200" y="847725"/>
-            <a:ext cx="6324600" cy="5162550"/>
-          </a:xfrm>
-          <a:prstGeom prst="rect">
-            <a:avLst/>
-          </a:prstGeom>
-          <a:noFill/>
-          <a:ln w="9525">
-            <a:noFill/>
-            <a:miter lim="800000"/>
-            <a:headEnd/>
-            <a:tailEnd/>
-          </a:ln>
-        </p:spPr>
-      </p:pic>
     </p:spTree>
+    <p:extLst>
+      <p:ext uri="{BB962C8B-B14F-4D97-AF65-F5344CB8AC3E}">
+        <p14:creationId xmlns:p14="http://schemas.microsoft.com/office/powerpoint/2010/main" val="3922391067"/>
+      </p:ext>
+    </p:extLst>
   </p:cSld>
   <p:clrMapOvr>
     <a:masterClrMapping/>
@@ -9882,199 +7678,14 @@
   <p:timing>
     <p:tnLst>
       <p:par>
-        <p:cTn id="1" dur="indefinite" restart="never" nodeType="tmRoot">
-          <p:childTnLst>
-            <p:seq concurrent="1" nextAc="seek">
-              <p:cTn id="2" dur="indefinite" nodeType="mainSeq">
-                <p:childTnLst>
-                  <p:par>
-                    <p:cTn id="3" fill="hold">
-                      <p:stCondLst>
-                        <p:cond delay="indefinite"/>
-                      </p:stCondLst>
-                      <p:childTnLst>
-                        <p:par>
-                          <p:cTn id="4" fill="hold">
-                            <p:stCondLst>
-                              <p:cond delay="0"/>
-                            </p:stCondLst>
-                            <p:childTnLst>
-                              <p:par>
-                                <p:cTn id="5" presetID="1" presetClass="entr" presetSubtype="0" fill="hold" nodeType="clickEffect">
-                                  <p:stCondLst>
-                                    <p:cond delay="0"/>
-                                  </p:stCondLst>
-                                  <p:childTnLst>
-                                    <p:set>
-                                      <p:cBhvr>
-                                        <p:cTn id="6" dur="1" fill="hold">
-                                          <p:stCondLst>
-                                            <p:cond delay="0"/>
-                                          </p:stCondLst>
-                                        </p:cTn>
-                                        <p:tgtEl>
-                                          <p:spTgt spid="2051"/>
-                                        </p:tgtEl>
-                                        <p:attrNameLst>
-                                          <p:attrName>style.visibility</p:attrName>
-                                        </p:attrNameLst>
-                                      </p:cBhvr>
-                                      <p:to>
-                                        <p:strVal val="visible"/>
-                                      </p:to>
-                                    </p:set>
-                                  </p:childTnLst>
-                                </p:cTn>
-                              </p:par>
-                            </p:childTnLst>
-                          </p:cTn>
-                        </p:par>
-                      </p:childTnLst>
-                    </p:cTn>
-                  </p:par>
-                  <p:par>
-                    <p:cTn id="7" fill="hold">
-                      <p:stCondLst>
-                        <p:cond delay="indefinite"/>
-                      </p:stCondLst>
-                      <p:childTnLst>
-                        <p:par>
-                          <p:cTn id="8" fill="hold">
-                            <p:stCondLst>
-                              <p:cond delay="0"/>
-                            </p:stCondLst>
-                            <p:childTnLst>
-                              <p:par>
-                                <p:cTn id="9" presetID="1" presetClass="exit" presetSubtype="0" fill="hold" nodeType="clickEffect">
-                                  <p:stCondLst>
-                                    <p:cond delay="0"/>
-                                  </p:stCondLst>
-                                  <p:childTnLst>
-                                    <p:set>
-                                      <p:cBhvr>
-                                        <p:cTn id="10" dur="1" fill="hold">
-                                          <p:stCondLst>
-                                            <p:cond delay="0"/>
-                                          </p:stCondLst>
-                                        </p:cTn>
-                                        <p:tgtEl>
-                                          <p:spTgt spid="2051"/>
-                                        </p:tgtEl>
-                                        <p:attrNameLst>
-                                          <p:attrName>style.visibility</p:attrName>
-                                        </p:attrNameLst>
-                                      </p:cBhvr>
-                                      <p:to>
-                                        <p:strVal val="hidden"/>
-                                      </p:to>
-                                    </p:set>
-                                  </p:childTnLst>
-                                </p:cTn>
-                              </p:par>
-                              <p:par>
-                                <p:cTn id="11" presetID="1" presetClass="entr" presetSubtype="0" fill="hold" nodeType="withEffect">
-                                  <p:stCondLst>
-                                    <p:cond delay="0"/>
-                                  </p:stCondLst>
-                                  <p:childTnLst>
-                                    <p:set>
-                                      <p:cBhvr>
-                                        <p:cTn id="12" dur="1" fill="hold">
-                                          <p:stCondLst>
-                                            <p:cond delay="0"/>
-                                          </p:stCondLst>
-                                        </p:cTn>
-                                        <p:tgtEl>
-                                          <p:spTgt spid="2052"/>
-                                        </p:tgtEl>
-                                        <p:attrNameLst>
-                                          <p:attrName>style.visibility</p:attrName>
-                                        </p:attrNameLst>
-                                      </p:cBhvr>
-                                      <p:to>
-                                        <p:strVal val="visible"/>
-                                      </p:to>
-                                    </p:set>
-                                  </p:childTnLst>
-                                </p:cTn>
-                              </p:par>
-                            </p:childTnLst>
-                          </p:cTn>
-                        </p:par>
-                      </p:childTnLst>
-                    </p:cTn>
-                  </p:par>
-                  <p:par>
-                    <p:cTn id="13" fill="hold">
-                      <p:stCondLst>
-                        <p:cond delay="indefinite"/>
-                      </p:stCondLst>
-                      <p:childTnLst>
-                        <p:par>
-                          <p:cTn id="14" fill="hold">
-                            <p:stCondLst>
-                              <p:cond delay="0"/>
-                            </p:stCondLst>
-                            <p:childTnLst>
-                              <p:par>
-                                <p:cTn id="15" presetID="1" presetClass="exit" presetSubtype="0" fill="hold" nodeType="clickEffect">
-                                  <p:stCondLst>
-                                    <p:cond delay="0"/>
-                                  </p:stCondLst>
-                                  <p:childTnLst>
-                                    <p:set>
-                                      <p:cBhvr>
-                                        <p:cTn id="16" dur="1" fill="hold">
-                                          <p:stCondLst>
-                                            <p:cond delay="0"/>
-                                          </p:stCondLst>
-                                        </p:cTn>
-                                        <p:tgtEl>
-                                          <p:spTgt spid="2052"/>
-                                        </p:tgtEl>
-                                        <p:attrNameLst>
-                                          <p:attrName>style.visibility</p:attrName>
-                                        </p:attrNameLst>
-                                      </p:cBhvr>
-                                      <p:to>
-                                        <p:strVal val="hidden"/>
-                                      </p:to>
-                                    </p:set>
-                                  </p:childTnLst>
-                                </p:cTn>
-                              </p:par>
-                            </p:childTnLst>
-                          </p:cTn>
-                        </p:par>
-                      </p:childTnLst>
-                    </p:cTn>
-                  </p:par>
-                </p:childTnLst>
-              </p:cTn>
-              <p:prevCondLst>
-                <p:cond evt="onPrev" delay="0">
-                  <p:tgtEl>
-                    <p:sldTgt/>
-                  </p:tgtEl>
-                </p:cond>
-              </p:prevCondLst>
-              <p:nextCondLst>
-                <p:cond evt="onNext" delay="0">
-                  <p:tgtEl>
-                    <p:sldTgt/>
-                  </p:tgtEl>
-                </p:cond>
-              </p:nextCondLst>
-            </p:seq>
-          </p:childTnLst>
-        </p:cTn>
+        <p:cTn id="1" dur="indefinite" restart="never" nodeType="tmRoot"/>
       </p:par>
     </p:tnLst>
   </p:timing>
 </p:sld>
 </file>
 
-<file path=ppt/slides/slide15.xml><?xml version="1.0" encoding="utf-8"?>
+<file path=ppt/slides/slide3.xml><?xml version="1.0" encoding="utf-8"?>
 <p:sld xmlns:a="http://schemas.openxmlformats.org/drawingml/2006/main" xmlns:r="http://schemas.openxmlformats.org/officeDocument/2006/relationships" xmlns:p="http://schemas.openxmlformats.org/presentationml/2006/main">
   <p:cSld>
     <p:spTree>
@@ -10106,13 +7717,37 @@
           <a:bodyPr/>
           <a:lstStyle/>
           <a:p>
-            <a:endParaRPr lang="sk-SK"/>
-          </a:p>
-        </p:txBody>
-      </p:sp>
-      <p:sp>
-        <p:nvSpPr>
-          <p:cNvPr id="3" name="Zástupný symbol obsahu 2"/>
+            <a:r>
+              <a:rPr lang="sk-SK" dirty="0" smtClean="0"/>
+              <a:t>Kedy </a:t>
+            </a:r>
+            <a:r>
+              <a:rPr lang="sk-SK" dirty="0"/>
+              <a:t>je dôležité zamýšľať sa nad </a:t>
+            </a:r>
+            <a:r>
+              <a:rPr lang="sk-SK" dirty="0" err="1" smtClean="0"/>
+              <a:t>architek</a:t>
+            </a:r>
+            <a:r>
+              <a:rPr lang="en-US" dirty="0" smtClean="0"/>
+              <a:t>t</a:t>
+            </a:r>
+            <a:r>
+              <a:rPr lang="sk-SK" dirty="0" err="1" smtClean="0"/>
+              <a:t>úrou</a:t>
+            </a:r>
+            <a:r>
+              <a:rPr lang="sk-SK" dirty="0" smtClean="0"/>
+              <a:t>? xxx</a:t>
+            </a:r>
+            <a:endParaRPr lang="sk-SK" dirty="0"/>
+          </a:p>
+        </p:txBody>
+      </p:sp>
+      <p:sp>
+        <p:nvSpPr>
+          <p:cNvPr id="3" name="Zástupný objekt pre obsah 2"/>
           <p:cNvSpPr>
             <a:spLocks noGrp="1"/>
           </p:cNvSpPr>
@@ -10125,224 +7760,83 @@
           <a:bodyPr/>
           <a:lstStyle/>
           <a:p>
-            <a:endParaRPr lang="sk-SK"/>
-          </a:p>
-        </p:txBody>
-      </p:sp>
-      <p:pic>
-        <p:nvPicPr>
-          <p:cNvPr id="1026" name="Picture 2"/>
-          <p:cNvPicPr>
-            <a:picLocks noChangeAspect="1" noChangeArrowheads="1"/>
-          </p:cNvPicPr>
-          <p:nvPr/>
-        </p:nvPicPr>
-        <p:blipFill>
-          <a:blip r:embed="rId3" cstate="print"/>
-          <a:srcRect/>
-          <a:stretch>
-            <a:fillRect/>
-          </a:stretch>
-        </p:blipFill>
-        <p:spPr bwMode="auto">
-          <a:xfrm>
-            <a:off x="-1" y="1268761"/>
-            <a:ext cx="10311577" cy="5589240"/>
-          </a:xfrm>
-          <a:prstGeom prst="rect">
-            <a:avLst/>
-          </a:prstGeom>
-          <a:noFill/>
-          <a:ln w="9525">
-            <a:noFill/>
-            <a:miter lim="800000"/>
-            <a:headEnd/>
-            <a:tailEnd/>
-          </a:ln>
-        </p:spPr>
-      </p:pic>
-    </p:spTree>
-  </p:cSld>
-  <p:clrMapOvr>
-    <a:masterClrMapping/>
-  </p:clrMapOvr>
-  <p:timing>
-    <p:tnLst>
-      <p:par>
-        <p:cTn id="1" dur="indefinite" restart="never" nodeType="tmRoot"/>
-      </p:par>
-    </p:tnLst>
-  </p:timing>
-</p:sld>
-</file>
-
-<file path=ppt/slides/slide2.xml><?xml version="1.0" encoding="utf-8"?>
-<p:sld xmlns:a="http://schemas.openxmlformats.org/drawingml/2006/main" xmlns:r="http://schemas.openxmlformats.org/officeDocument/2006/relationships" xmlns:p="http://schemas.openxmlformats.org/presentationml/2006/main" showMasterPhAnim="0">
-  <p:cSld>
-    <p:spTree>
-      <p:nvGrpSpPr>
-        <p:cNvPr id="1" name=""/>
-        <p:cNvGrpSpPr/>
-        <p:nvPr/>
-      </p:nvGrpSpPr>
-      <p:grpSpPr>
-        <a:xfrm>
-          <a:off x="0" y="0"/>
-          <a:ext cx="0" cy="0"/>
-          <a:chOff x="0" y="0"/>
-          <a:chExt cx="0" cy="0"/>
-        </a:xfrm>
-      </p:grpSpPr>
-      <p:sp>
-        <p:nvSpPr>
-          <p:cNvPr id="18434" name="Rectangle 2"/>
-          <p:cNvSpPr>
-            <a:spLocks noGrp="1" noChangeArrowheads="1"/>
-          </p:cNvSpPr>
-          <p:nvPr>
-            <p:ph type="title"/>
-          </p:nvPr>
-        </p:nvSpPr>
-        <p:spPr>
-          <a:xfrm>
-            <a:off x="1111250" y="44450"/>
-            <a:ext cx="7886700" cy="576263"/>
-          </a:xfrm>
-        </p:spPr>
-        <p:txBody>
-          <a:bodyPr/>
-          <a:lstStyle/>
-          <a:p>
-            <a:pPr algn="l" eaLnBrk="1" hangingPunct="1"/>
-            <a:r>
-              <a:rPr lang="sk-SK" altLang="sk-SK" sz="2400" b="1" dirty="0" err="1" smtClean="0">
-                <a:solidFill>
-                  <a:schemeClr val="bg1"/>
-                </a:solidFill>
-                <a:latin typeface="Ubuntu" pitchFamily="34" charset="0"/>
-              </a:rPr>
-              <a:t>Unit</a:t>
-            </a:r>
-            <a:r>
-              <a:rPr lang="sk-SK" altLang="sk-SK" sz="2400" b="1" dirty="0" smtClean="0">
-                <a:solidFill>
-                  <a:schemeClr val="bg1"/>
-                </a:solidFill>
-                <a:latin typeface="Ubuntu" pitchFamily="34" charset="0"/>
-              </a:rPr>
-              <a:t> Test</a:t>
-            </a:r>
-          </a:p>
-        </p:txBody>
-      </p:sp>
-      <p:pic>
-        <p:nvPicPr>
-          <p:cNvPr id="6" name="Obrázok 5" descr="software-bug.jpg"/>
-          <p:cNvPicPr>
-            <a:picLocks noChangeAspect="1"/>
-          </p:cNvPicPr>
-          <p:nvPr/>
-        </p:nvPicPr>
-        <p:blipFill>
-          <a:blip r:embed="rId3" cstate="print"/>
-          <a:stretch>
-            <a:fillRect/>
-          </a:stretch>
-        </p:blipFill>
-        <p:spPr>
-          <a:xfrm>
-            <a:off x="0" y="-1"/>
-            <a:ext cx="10287000" cy="7781775"/>
-          </a:xfrm>
-          <a:prstGeom prst="rect">
-            <a:avLst/>
-          </a:prstGeom>
-        </p:spPr>
-      </p:pic>
-    </p:spTree>
-  </p:cSld>
-  <p:clrMapOvr>
-    <a:masterClrMapping/>
-  </p:clrMapOvr>
-  <p:transition/>
-  <p:timing>
-    <p:tnLst>
-      <p:par>
-        <p:cTn id="1" dur="indefinite" restart="never" nodeType="tmRoot"/>
-      </p:par>
-    </p:tnLst>
-  </p:timing>
-</p:sld>
-</file>
-
-<file path=ppt/slides/slide3.xml><?xml version="1.0" encoding="utf-8"?>
-<p:sld xmlns:a="http://schemas.openxmlformats.org/drawingml/2006/main" xmlns:r="http://schemas.openxmlformats.org/officeDocument/2006/relationships" xmlns:p="http://schemas.openxmlformats.org/presentationml/2006/main">
-  <p:cSld>
-    <p:bg>
-      <p:bgPr>
-        <a:solidFill>
-          <a:schemeClr val="accent2">
-            <a:lumMod val="60000"/>
-            <a:lumOff val="40000"/>
-          </a:schemeClr>
-        </a:solidFill>
-        <a:effectLst/>
-      </p:bgPr>
-    </p:bg>
-    <p:spTree>
-      <p:nvGrpSpPr>
-        <p:cNvPr id="1" name=""/>
-        <p:cNvGrpSpPr/>
-        <p:nvPr/>
-      </p:nvGrpSpPr>
-      <p:grpSpPr>
-        <a:xfrm>
-          <a:off x="0" y="0"/>
-          <a:ext cx="0" cy="0"/>
-          <a:chOff x="0" y="0"/>
-          <a:chExt cx="0" cy="0"/>
-        </a:xfrm>
-      </p:grpSpPr>
-      <p:sp>
-        <p:nvSpPr>
-          <p:cNvPr id="2" name="Nadpis 1"/>
-          <p:cNvSpPr>
-            <a:spLocks noGrp="1"/>
-          </p:cNvSpPr>
-          <p:nvPr>
-            <p:ph type="title"/>
-          </p:nvPr>
-        </p:nvSpPr>
-        <p:spPr>
-          <a:xfrm>
-            <a:off x="514350" y="3066257"/>
-            <a:ext cx="9258300" cy="725487"/>
-          </a:xfrm>
-        </p:spPr>
-        <p:txBody>
-          <a:bodyPr/>
-          <a:lstStyle/>
-          <a:p>
-            <a:r>
-              <a:rPr lang="sk-SK" sz="9600" dirty="0" err="1" smtClean="0">
-                <a:solidFill>
-                  <a:schemeClr val="accent3"/>
-                </a:solidFill>
-              </a:rPr>
-              <a:t>Demo</a:t>
-            </a:r>
-            <a:endParaRPr lang="sk-SK" sz="2800" dirty="0">
-              <a:solidFill>
-                <a:schemeClr val="accent3"/>
-              </a:solidFill>
-            </a:endParaRPr>
+            <a:r>
+              <a:rPr lang="sk-SK" dirty="0" smtClean="0"/>
+              <a:t>vždy</a:t>
+            </a:r>
+          </a:p>
+          <a:p>
+            <a:r>
+              <a:rPr lang="sk-SK" dirty="0" smtClean="0"/>
+              <a:t>p</a:t>
+            </a:r>
+            <a:r>
+              <a:rPr lang="en-US" dirty="0" err="1" smtClean="0"/>
+              <a:t>rojekt</a:t>
+            </a:r>
+            <a:r>
+              <a:rPr lang="en-US" dirty="0" smtClean="0"/>
+              <a:t>, </a:t>
+            </a:r>
+            <a:r>
+              <a:rPr lang="en-US" dirty="0" err="1" smtClean="0"/>
+              <a:t>na</a:t>
+            </a:r>
+            <a:r>
+              <a:rPr lang="en-US" dirty="0" smtClean="0"/>
+              <a:t> </a:t>
+            </a:r>
+            <a:r>
+              <a:rPr lang="en-US" dirty="0" err="1" smtClean="0"/>
+              <a:t>ktorom</a:t>
+            </a:r>
+            <a:r>
+              <a:rPr lang="en-US" dirty="0" smtClean="0"/>
+              <a:t> </a:t>
+            </a:r>
+            <a:r>
+              <a:rPr lang="en-US" dirty="0" err="1" smtClean="0"/>
+              <a:t>pracuje</a:t>
+            </a:r>
+            <a:r>
+              <a:rPr lang="en-US" dirty="0" smtClean="0"/>
+              <a:t> </a:t>
+            </a:r>
+            <a:r>
+              <a:rPr lang="en-US" dirty="0" err="1" smtClean="0"/>
+              <a:t>viac</a:t>
+            </a:r>
+            <a:r>
+              <a:rPr lang="en-US" dirty="0" smtClean="0"/>
+              <a:t> </a:t>
+            </a:r>
+            <a:r>
+              <a:rPr lang="sk-SK" dirty="0" smtClean="0"/>
+              <a:t>ľudí,</a:t>
+            </a:r>
+          </a:p>
+          <a:p>
+            <a:r>
+              <a:rPr lang="sk-SK" dirty="0"/>
+              <a:t>p</a:t>
+            </a:r>
+            <a:r>
+              <a:rPr lang="sk-SK" dirty="0" smtClean="0"/>
+              <a:t>rojekt, ktorý sa má dlhodobo rozvíjať,</a:t>
+            </a:r>
+          </a:p>
+          <a:p>
+            <a:endParaRPr lang="sk-SK" dirty="0" smtClean="0"/>
+          </a:p>
+          <a:p>
+            <a:endParaRPr lang="sk-SK" dirty="0"/>
           </a:p>
         </p:txBody>
       </p:sp>
     </p:spTree>
     <p:extLst>
       <p:ext uri="{BB962C8B-B14F-4D97-AF65-F5344CB8AC3E}">
-        <p14:creationId xmlns:p14="http://schemas.microsoft.com/office/powerpoint/2010/main" xmlns="" val="3162549154"/>
+        <p14:creationId xmlns:p14="http://schemas.microsoft.com/office/powerpoint/2010/main" val="637245515"/>
       </p:ext>
     </p:extLst>
   </p:cSld>
@@ -10378,7 +7872,7 @@
       </p:grpSpPr>
       <p:sp>
         <p:nvSpPr>
-          <p:cNvPr id="3" name="Nadpis 2"/>
+          <p:cNvPr id="2" name="Nadpis 1"/>
           <p:cNvSpPr>
             <a:spLocks noGrp="1"/>
           </p:cNvSpPr>
@@ -10392,159 +7886,60 @@
           <a:lstStyle/>
           <a:p>
             <a:r>
-              <a:rPr lang="sk-SK" dirty="0" err="1" smtClean="0"/>
-              <a:t>Code</a:t>
-            </a:r>
-            <a:r>
               <a:rPr lang="sk-SK" dirty="0" smtClean="0"/>
-              <a:t> </a:t>
-            </a:r>
-            <a:r>
-              <a:rPr lang="sk-SK" dirty="0" err="1" smtClean="0"/>
-              <a:t>coverage</a:t>
+              <a:t>Čo je dôsledkom zlej architektúry xxx</a:t>
             </a:r>
             <a:endParaRPr lang="sk-SK" dirty="0"/>
           </a:p>
         </p:txBody>
       </p:sp>
-      <p:pic>
-        <p:nvPicPr>
-          <p:cNvPr id="3075" name="Picture 3"/>
-          <p:cNvPicPr>
-            <a:picLocks noChangeAspect="1" noChangeArrowheads="1"/>
-          </p:cNvPicPr>
-          <p:nvPr/>
-        </p:nvPicPr>
-        <p:blipFill>
-          <a:blip r:embed="rId3" cstate="print"/>
-          <a:srcRect/>
-          <a:stretch>
-            <a:fillRect/>
-          </a:stretch>
-        </p:blipFill>
-        <p:spPr bwMode="auto">
-          <a:xfrm>
-            <a:off x="0" y="0"/>
-            <a:ext cx="11467334" cy="6858000"/>
-          </a:xfrm>
-          <a:prstGeom prst="rect">
-            <a:avLst/>
-          </a:prstGeom>
-          <a:noFill/>
-          <a:ln w="9525">
-            <a:noFill/>
-            <a:miter lim="800000"/>
-            <a:headEnd/>
-            <a:tailEnd/>
-          </a:ln>
-        </p:spPr>
-      </p:pic>
-      <p:sp>
-        <p:nvSpPr>
-          <p:cNvPr id="6" name="Ovál 5"/>
-          <p:cNvSpPr/>
-          <p:nvPr/>
-        </p:nvSpPr>
-        <p:spPr>
-          <a:xfrm>
-            <a:off x="0" y="6237312"/>
-            <a:ext cx="7807796" cy="620688"/>
-          </a:xfrm>
-          <a:prstGeom prst="ellipse">
-            <a:avLst/>
-          </a:prstGeom>
-          <a:noFill/>
-          <a:ln w="38100">
-            <a:solidFill>
-              <a:schemeClr val="tx2">
-                <a:lumMod val="95000"/>
-                <a:lumOff val="5000"/>
-              </a:schemeClr>
-            </a:solidFill>
-          </a:ln>
-        </p:spPr>
-        <p:style>
-          <a:lnRef idx="2">
-            <a:schemeClr val="accent1">
-              <a:shade val="50000"/>
-            </a:schemeClr>
-          </a:lnRef>
-          <a:fillRef idx="1">
-            <a:schemeClr val="accent1"/>
-          </a:fillRef>
-          <a:effectRef idx="0">
-            <a:schemeClr val="accent1"/>
-          </a:effectRef>
-          <a:fontRef idx="minor">
-            <a:schemeClr val="lt1"/>
-          </a:fontRef>
-        </p:style>
-        <p:txBody>
-          <a:bodyPr rtlCol="0" anchor="ctr"/>
+      <p:sp>
+        <p:nvSpPr>
+          <p:cNvPr id="3" name="Zástupný objekt pre obsah 2"/>
+          <p:cNvSpPr>
+            <a:spLocks noGrp="1"/>
+          </p:cNvSpPr>
+          <p:nvPr>
+            <p:ph idx="1"/>
+          </p:nvPr>
+        </p:nvSpPr>
+        <p:spPr/>
+        <p:txBody>
+          <a:bodyPr/>
           <a:lstStyle/>
           <a:p>
-            <a:pPr algn="ctr"/>
-            <a:endParaRPr lang="sk-SK" dirty="0">
-              <a:solidFill>
-                <a:schemeClr val="tx1"/>
-              </a:solidFill>
-            </a:endParaRPr>
-          </a:p>
-        </p:txBody>
-      </p:sp>
-      <p:sp>
-        <p:nvSpPr>
-          <p:cNvPr id="7" name="Ovál 6"/>
-          <p:cNvSpPr/>
-          <p:nvPr/>
-        </p:nvSpPr>
-        <p:spPr>
-          <a:xfrm>
-            <a:off x="3847356" y="4221088"/>
-            <a:ext cx="2160240" cy="1008112"/>
-          </a:xfrm>
-          <a:prstGeom prst="ellipse">
-            <a:avLst/>
-          </a:prstGeom>
-          <a:noFill/>
-          <a:ln w="38100">
-            <a:solidFill>
-              <a:schemeClr val="tx2">
-                <a:lumMod val="95000"/>
-                <a:lumOff val="5000"/>
-              </a:schemeClr>
-            </a:solidFill>
-          </a:ln>
-        </p:spPr>
-        <p:style>
-          <a:lnRef idx="2">
-            <a:schemeClr val="accent1">
-              <a:shade val="50000"/>
-            </a:schemeClr>
-          </a:lnRef>
-          <a:fillRef idx="1">
-            <a:schemeClr val="accent1"/>
-          </a:fillRef>
-          <a:effectRef idx="0">
-            <a:schemeClr val="accent1"/>
-          </a:effectRef>
-          <a:fontRef idx="minor">
-            <a:schemeClr val="lt1"/>
-          </a:fontRef>
-        </p:style>
-        <p:txBody>
-          <a:bodyPr rtlCol="0" anchor="ctr"/>
-          <a:lstStyle/>
-          <a:p>
-            <a:pPr algn="ctr"/>
-            <a:endParaRPr lang="sk-SK"/>
+            <a:r>
+              <a:rPr lang="sk-SK" dirty="0" smtClean="0"/>
+              <a:t>Drahšie zapracovanie novej funkčnosti</a:t>
+            </a:r>
+          </a:p>
+          <a:p>
+            <a:r>
+              <a:rPr lang="sk-SK" dirty="0" smtClean="0"/>
+              <a:t>Väčšia chybovosť</a:t>
+            </a:r>
+          </a:p>
+          <a:p>
+            <a:r>
+              <a:rPr lang="sk-SK" dirty="0" smtClean="0"/>
+              <a:t>Nálada v tíme</a:t>
+            </a:r>
+          </a:p>
+          <a:p>
+            <a:r>
+              <a:rPr lang="sk-SK" dirty="0" smtClean="0"/>
+              <a:t>Zastupiteľnosť v tíme</a:t>
+            </a:r>
+          </a:p>
+          <a:p>
+            <a:endParaRPr lang="sk-SK" dirty="0"/>
           </a:p>
         </p:txBody>
       </p:sp>
     </p:spTree>
     <p:extLst>
       <p:ext uri="{BB962C8B-B14F-4D97-AF65-F5344CB8AC3E}">
-        <p14:creationId xmlns:p14="http://schemas.microsoft.com/office/powerpoint/2010/main" xmlns="" val="3162549154"/>
+        <p14:creationId xmlns:p14="http://schemas.microsoft.com/office/powerpoint/2010/main" val="1292887359"/>
       </p:ext>
     </p:extLst>
   </p:cSld>
@@ -10554,132 +7949,15 @@
   <p:timing>
     <p:tnLst>
       <p:par>
-        <p:cTn id="1" dur="indefinite" restart="never" nodeType="tmRoot">
-          <p:childTnLst>
-            <p:seq concurrent="1" nextAc="seek">
-              <p:cTn id="2" dur="indefinite" nodeType="mainSeq">
-                <p:childTnLst>
-                  <p:par>
-                    <p:cTn id="3" fill="hold">
-                      <p:stCondLst>
-                        <p:cond delay="indefinite"/>
-                      </p:stCondLst>
-                      <p:childTnLst>
-                        <p:par>
-                          <p:cTn id="4" fill="hold">
-                            <p:stCondLst>
-                              <p:cond delay="0"/>
-                            </p:stCondLst>
-                            <p:childTnLst>
-                              <p:par>
-                                <p:cTn id="5" presetID="1" presetClass="entr" presetSubtype="0" fill="hold" grpId="0" nodeType="clickEffect">
-                                  <p:stCondLst>
-                                    <p:cond delay="0"/>
-                                  </p:stCondLst>
-                                  <p:childTnLst>
-                                    <p:set>
-                                      <p:cBhvr>
-                                        <p:cTn id="6" dur="1" fill="hold">
-                                          <p:stCondLst>
-                                            <p:cond delay="0"/>
-                                          </p:stCondLst>
-                                        </p:cTn>
-                                        <p:tgtEl>
-                                          <p:spTgt spid="6"/>
-                                        </p:tgtEl>
-                                        <p:attrNameLst>
-                                          <p:attrName>style.visibility</p:attrName>
-                                        </p:attrNameLst>
-                                      </p:cBhvr>
-                                      <p:to>
-                                        <p:strVal val="visible"/>
-                                      </p:to>
-                                    </p:set>
-                                  </p:childTnLst>
-                                </p:cTn>
-                              </p:par>
-                            </p:childTnLst>
-                          </p:cTn>
-                        </p:par>
-                      </p:childTnLst>
-                    </p:cTn>
-                  </p:par>
-                  <p:par>
-                    <p:cTn id="7" fill="hold">
-                      <p:stCondLst>
-                        <p:cond delay="indefinite"/>
-                      </p:stCondLst>
-                      <p:childTnLst>
-                        <p:par>
-                          <p:cTn id="8" fill="hold">
-                            <p:stCondLst>
-                              <p:cond delay="0"/>
-                            </p:stCondLst>
-                            <p:childTnLst>
-                              <p:par>
-                                <p:cTn id="9" presetID="1" presetClass="entr" presetSubtype="0" fill="hold" grpId="0" nodeType="clickEffect">
-                                  <p:stCondLst>
-                                    <p:cond delay="0"/>
-                                  </p:stCondLst>
-                                  <p:childTnLst>
-                                    <p:set>
-                                      <p:cBhvr>
-                                        <p:cTn id="10" dur="1" fill="hold">
-                                          <p:stCondLst>
-                                            <p:cond delay="0"/>
-                                          </p:stCondLst>
-                                        </p:cTn>
-                                        <p:tgtEl>
-                                          <p:spTgt spid="7"/>
-                                        </p:tgtEl>
-                                        <p:attrNameLst>
-                                          <p:attrName>style.visibility</p:attrName>
-                                        </p:attrNameLst>
-                                      </p:cBhvr>
-                                      <p:to>
-                                        <p:strVal val="visible"/>
-                                      </p:to>
-                                    </p:set>
-                                  </p:childTnLst>
-                                </p:cTn>
-                              </p:par>
-                            </p:childTnLst>
-                          </p:cTn>
-                        </p:par>
-                      </p:childTnLst>
-                    </p:cTn>
-                  </p:par>
-                </p:childTnLst>
-              </p:cTn>
-              <p:prevCondLst>
-                <p:cond evt="onPrev" delay="0">
-                  <p:tgtEl>
-                    <p:sldTgt/>
-                  </p:tgtEl>
-                </p:cond>
-              </p:prevCondLst>
-              <p:nextCondLst>
-                <p:cond evt="onNext" delay="0">
-                  <p:tgtEl>
-                    <p:sldTgt/>
-                  </p:tgtEl>
-                </p:cond>
-              </p:nextCondLst>
-            </p:seq>
-          </p:childTnLst>
-        </p:cTn>
+        <p:cTn id="1" dur="indefinite" restart="never" nodeType="tmRoot"/>
       </p:par>
     </p:tnLst>
-    <p:bldLst>
-      <p:bldP spid="6" grpId="0" animBg="1"/>
-      <p:bldP spid="7" grpId="0" animBg="1"/>
-    </p:bldLst>
   </p:timing>
 </p:sld>
 </file>
 
 <file path=ppt/slides/slide5.xml><?xml version="1.0" encoding="utf-8"?>
-<p:sld xmlns:a="http://schemas.openxmlformats.org/drawingml/2006/main" xmlns:r="http://schemas.openxmlformats.org/officeDocument/2006/relationships" xmlns:p="http://schemas.openxmlformats.org/presentationml/2006/main" showMasterPhAnim="0">
+<p:sld xmlns:a="http://schemas.openxmlformats.org/drawingml/2006/main" xmlns:r="http://schemas.openxmlformats.org/officeDocument/2006/relationships" xmlns:p="http://schemas.openxmlformats.org/presentationml/2006/main">
   <p:cSld>
     <p:spTree>
       <p:nvGrpSpPr>
@@ -10697,852 +7975,94 @@
       </p:grpSpPr>
       <p:sp>
         <p:nvSpPr>
-          <p:cNvPr id="18434" name="Rectangle 2"/>
-          <p:cNvSpPr>
-            <a:spLocks noGrp="1" noChangeArrowheads="1"/>
+          <p:cNvPr id="2" name="Nadpis 1"/>
+          <p:cNvSpPr>
+            <a:spLocks noGrp="1"/>
           </p:cNvSpPr>
           <p:nvPr>
             <p:ph type="title"/>
           </p:nvPr>
         </p:nvSpPr>
-        <p:spPr>
-          <a:xfrm>
-            <a:off x="1111250" y="44450"/>
-            <a:ext cx="7886700" cy="576263"/>
-          </a:xfrm>
-        </p:spPr>
+        <p:spPr/>
         <p:txBody>
           <a:bodyPr/>
           <a:lstStyle/>
           <a:p>
-            <a:pPr algn="l"/>
-            <a:r>
-              <a:rPr lang="sk-SK" sz="2400" b="1" dirty="0" smtClean="0">
-                <a:solidFill>
-                  <a:schemeClr val="accent3"/>
-                </a:solidFill>
-                <a:latin typeface="Segoe UI" pitchFamily="34" charset="0"/>
-                <a:cs typeface="Segoe UI" pitchFamily="34" charset="0"/>
-              </a:rPr>
-              <a:t>F.I.R.S.T </a:t>
-            </a:r>
-            <a:r>
-              <a:rPr lang="sk-SK" sz="2400" dirty="0" smtClean="0">
-                <a:solidFill>
-                  <a:schemeClr val="accent3"/>
-                </a:solidFill>
-                <a:latin typeface="Segoe UI" pitchFamily="34" charset="0"/>
-                <a:cs typeface="Segoe UI" pitchFamily="34" charset="0"/>
-              </a:rPr>
-              <a:t>– vlastnosti </a:t>
-            </a:r>
-            <a:r>
-              <a:rPr lang="sk-SK" sz="2400" dirty="0" err="1" smtClean="0">
-                <a:solidFill>
-                  <a:schemeClr val="accent3"/>
-                </a:solidFill>
-                <a:latin typeface="Segoe UI" pitchFamily="34" charset="0"/>
-                <a:cs typeface="Segoe UI" pitchFamily="34" charset="0"/>
-              </a:rPr>
-              <a:t>Unit</a:t>
-            </a:r>
-            <a:r>
-              <a:rPr lang="sk-SK" sz="2400" dirty="0" smtClean="0">
-                <a:solidFill>
-                  <a:schemeClr val="accent3"/>
-                </a:solidFill>
-                <a:latin typeface="Segoe UI" pitchFamily="34" charset="0"/>
-                <a:cs typeface="Segoe UI" pitchFamily="34" charset="0"/>
-              </a:rPr>
-              <a:t> testov</a:t>
-            </a:r>
-            <a:endParaRPr lang="sk-SK" sz="2400" b="1" dirty="0">
-              <a:solidFill>
-                <a:schemeClr val="accent3"/>
-              </a:solidFill>
-              <a:latin typeface="Segoe UI" pitchFamily="34" charset="0"/>
-              <a:cs typeface="Segoe UI" pitchFamily="34" charset="0"/>
-            </a:endParaRPr>
-          </a:p>
-        </p:txBody>
-      </p:sp>
-      <p:sp>
-        <p:nvSpPr>
-          <p:cNvPr id="8" name="BlokTextu 7"/>
-          <p:cNvSpPr txBox="1"/>
-          <p:nvPr/>
-        </p:nvSpPr>
-        <p:spPr>
-          <a:xfrm>
-            <a:off x="2191172" y="1628800"/>
-            <a:ext cx="5904656" cy="769441"/>
-          </a:xfrm>
-          <a:prstGeom prst="rect">
-            <a:avLst/>
-          </a:prstGeom>
-          <a:solidFill>
-            <a:srgbClr val="1ABC9C"/>
-          </a:solidFill>
-        </p:spPr>
-        <p:txBody>
-          <a:bodyPr wrap="square" rtlCol="0">
-            <a:spAutoFit/>
-          </a:bodyPr>
+            <a:r>
+              <a:rPr lang="sk-SK" dirty="0" smtClean="0"/>
+              <a:t>Najčastejšie chyby xxx</a:t>
+            </a:r>
+            <a:endParaRPr lang="sk-SK" dirty="0"/>
+          </a:p>
+        </p:txBody>
+      </p:sp>
+      <p:sp>
+        <p:nvSpPr>
+          <p:cNvPr id="3" name="Zástupný objekt pre obsah 2"/>
+          <p:cNvSpPr>
+            <a:spLocks noGrp="1"/>
+          </p:cNvSpPr>
+          <p:nvPr>
+            <p:ph idx="1"/>
+          </p:nvPr>
+        </p:nvSpPr>
+        <p:spPr/>
+        <p:txBody>
+          <a:bodyPr/>
           <a:lstStyle/>
           <a:p>
-            <a:pPr algn="ctr"/>
-            <a:r>
-              <a:rPr lang="en-US" sz="4400" b="1" dirty="0" smtClean="0">
-                <a:solidFill>
-                  <a:schemeClr val="accent3"/>
-                </a:solidFill>
-              </a:rPr>
-              <a:t>F</a:t>
-            </a:r>
-            <a:r>
-              <a:rPr lang="en-US" sz="4400" b="1" dirty="0" smtClean="0">
-                <a:solidFill>
-                  <a:schemeClr val="accent4">
-                    <a:lumMod val="75000"/>
-                    <a:lumOff val="25000"/>
-                  </a:schemeClr>
-                </a:solidFill>
-              </a:rPr>
-              <a:t>ast</a:t>
-            </a:r>
-            <a:endParaRPr lang="sk-SK" sz="4400" b="1" dirty="0">
-              <a:solidFill>
-                <a:schemeClr val="accent4">
-                  <a:lumMod val="75000"/>
-                  <a:lumOff val="25000"/>
-                </a:schemeClr>
-              </a:solidFill>
-            </a:endParaRPr>
-          </a:p>
-        </p:txBody>
-      </p:sp>
-      <p:sp>
-        <p:nvSpPr>
-          <p:cNvPr id="9" name="BlokTextu 8"/>
-          <p:cNvSpPr txBox="1"/>
-          <p:nvPr/>
-        </p:nvSpPr>
-        <p:spPr>
-          <a:xfrm>
-            <a:off x="2191172" y="2515543"/>
-            <a:ext cx="5904656" cy="769441"/>
-          </a:xfrm>
-          <a:prstGeom prst="rect">
-            <a:avLst/>
-          </a:prstGeom>
-          <a:solidFill>
-            <a:srgbClr val="F1C40F"/>
-          </a:solidFill>
-        </p:spPr>
-        <p:txBody>
-          <a:bodyPr wrap="square" rtlCol="0">
-            <a:spAutoFit/>
-          </a:bodyPr>
-          <a:lstStyle/>
-          <a:p>
-            <a:pPr algn="ctr"/>
-            <a:r>
-              <a:rPr lang="en-US" sz="4400" b="1" dirty="0" smtClean="0">
-                <a:solidFill>
-                  <a:schemeClr val="accent3"/>
-                </a:solidFill>
-              </a:rPr>
-              <a:t>I</a:t>
-            </a:r>
-            <a:r>
-              <a:rPr lang="en-US" sz="4400" b="1" dirty="0" smtClean="0">
-                <a:solidFill>
-                  <a:schemeClr val="accent4">
-                    <a:lumMod val="75000"/>
-                    <a:lumOff val="25000"/>
-                  </a:schemeClr>
-                </a:solidFill>
-              </a:rPr>
-              <a:t>solated</a:t>
-            </a:r>
-            <a:endParaRPr lang="sk-SK" sz="4400" b="1" dirty="0">
-              <a:solidFill>
-                <a:schemeClr val="accent4">
-                  <a:lumMod val="75000"/>
-                  <a:lumOff val="25000"/>
-                </a:schemeClr>
-              </a:solidFill>
-            </a:endParaRPr>
-          </a:p>
-        </p:txBody>
-      </p:sp>
-      <p:sp>
-        <p:nvSpPr>
-          <p:cNvPr id="10" name="BlokTextu 9"/>
-          <p:cNvSpPr txBox="1"/>
-          <p:nvPr/>
-        </p:nvSpPr>
-        <p:spPr>
-          <a:xfrm>
-            <a:off x="2191172" y="3429000"/>
-            <a:ext cx="5904656" cy="769441"/>
-          </a:xfrm>
-          <a:prstGeom prst="rect">
-            <a:avLst/>
-          </a:prstGeom>
-          <a:solidFill>
-            <a:srgbClr val="E67E22"/>
-          </a:solidFill>
-        </p:spPr>
-        <p:txBody>
-          <a:bodyPr wrap="square" rtlCol="0">
-            <a:spAutoFit/>
-          </a:bodyPr>
-          <a:lstStyle/>
-          <a:p>
-            <a:pPr algn="ctr"/>
-            <a:r>
-              <a:rPr lang="en-US" sz="4400" b="1" dirty="0" smtClean="0">
-                <a:solidFill>
-                  <a:schemeClr val="accent3"/>
-                </a:solidFill>
-              </a:rPr>
-              <a:t>R</a:t>
-            </a:r>
-            <a:r>
-              <a:rPr lang="en-US" sz="4400" b="1" dirty="0" smtClean="0">
-                <a:solidFill>
-                  <a:schemeClr val="accent4">
-                    <a:lumMod val="75000"/>
-                    <a:lumOff val="25000"/>
-                  </a:schemeClr>
-                </a:solidFill>
-              </a:rPr>
-              <a:t>epeatable</a:t>
-            </a:r>
-            <a:endParaRPr lang="sk-SK" sz="4400" b="1" dirty="0">
-              <a:solidFill>
-                <a:schemeClr val="accent4">
-                  <a:lumMod val="75000"/>
-                  <a:lumOff val="25000"/>
-                </a:schemeClr>
-              </a:solidFill>
-            </a:endParaRPr>
-          </a:p>
-        </p:txBody>
-      </p:sp>
-      <p:sp>
-        <p:nvSpPr>
-          <p:cNvPr id="11" name="BlokTextu 10"/>
-          <p:cNvSpPr txBox="1"/>
-          <p:nvPr/>
-        </p:nvSpPr>
-        <p:spPr>
-          <a:xfrm>
-            <a:off x="2191172" y="4365104"/>
-            <a:ext cx="5904656" cy="769441"/>
-          </a:xfrm>
-          <a:prstGeom prst="rect">
-            <a:avLst/>
-          </a:prstGeom>
-          <a:solidFill>
-            <a:srgbClr val="3498DB"/>
-          </a:solidFill>
-        </p:spPr>
-        <p:txBody>
-          <a:bodyPr wrap="square" rtlCol="0">
-            <a:spAutoFit/>
-          </a:bodyPr>
-          <a:lstStyle/>
-          <a:p>
-            <a:pPr algn="ctr"/>
-            <a:r>
-              <a:rPr lang="en-US" sz="4400" b="1" dirty="0" smtClean="0">
-                <a:solidFill>
-                  <a:schemeClr val="accent3"/>
-                </a:solidFill>
-              </a:rPr>
-              <a:t>S</a:t>
-            </a:r>
-            <a:r>
-              <a:rPr lang="en-US" sz="4400" b="1" dirty="0" smtClean="0">
-                <a:solidFill>
-                  <a:schemeClr val="accent4">
-                    <a:lumMod val="75000"/>
-                    <a:lumOff val="25000"/>
-                  </a:schemeClr>
-                </a:solidFill>
-              </a:rPr>
-              <a:t>elf-verifying</a:t>
-            </a:r>
-            <a:endParaRPr lang="sk-SK" sz="4400" b="1" dirty="0">
-              <a:solidFill>
-                <a:schemeClr val="accent4">
-                  <a:lumMod val="75000"/>
-                  <a:lumOff val="25000"/>
-                </a:schemeClr>
-              </a:solidFill>
-            </a:endParaRPr>
-          </a:p>
-        </p:txBody>
-      </p:sp>
-      <p:sp>
-        <p:nvSpPr>
-          <p:cNvPr id="12" name="BlokTextu 11"/>
-          <p:cNvSpPr txBox="1"/>
-          <p:nvPr/>
-        </p:nvSpPr>
-        <p:spPr>
-          <a:xfrm>
-            <a:off x="2191172" y="5301208"/>
-            <a:ext cx="5904656" cy="769441"/>
-          </a:xfrm>
-          <a:prstGeom prst="rect">
-            <a:avLst/>
-          </a:prstGeom>
-          <a:solidFill>
-            <a:srgbClr val="8E44AD"/>
-          </a:solidFill>
-        </p:spPr>
-        <p:txBody>
-          <a:bodyPr wrap="square" rtlCol="0">
-            <a:spAutoFit/>
-          </a:bodyPr>
-          <a:lstStyle/>
-          <a:p>
-            <a:r>
-              <a:rPr lang="en-US" sz="4400" b="1" dirty="0" smtClean="0">
-                <a:solidFill>
-                  <a:schemeClr val="accent3"/>
-                </a:solidFill>
-              </a:rPr>
-              <a:t>     T</a:t>
-            </a:r>
-            <a:r>
-              <a:rPr lang="en-US" sz="4400" b="1" dirty="0" smtClean="0">
-                <a:solidFill>
-                  <a:schemeClr val="accent4">
-                    <a:lumMod val="75000"/>
-                    <a:lumOff val="25000"/>
-                  </a:schemeClr>
-                </a:solidFill>
-              </a:rPr>
-              <a:t>imely</a:t>
-            </a:r>
-            <a:endParaRPr lang="sk-SK" sz="4400" b="1" dirty="0">
-              <a:solidFill>
-                <a:schemeClr val="accent4">
-                  <a:lumMod val="75000"/>
-                  <a:lumOff val="25000"/>
-                </a:schemeClr>
-              </a:solidFill>
-            </a:endParaRPr>
+            <a:r>
+              <a:rPr lang="sk-SK" dirty="0"/>
+              <a:t>Postupné nabaľovanie zodpovednosti jednotlivých tried.</a:t>
+            </a:r>
+          </a:p>
+          <a:p>
+            <a:r>
+              <a:rPr lang="sk-SK" dirty="0"/>
+              <a:t>Zavádzanie </a:t>
+            </a:r>
+            <a:r>
+              <a:rPr lang="sk-SK" dirty="0" err="1"/>
+              <a:t>závyslostí</a:t>
+            </a:r>
+            <a:r>
+              <a:rPr lang="sk-SK" dirty="0"/>
+              <a:t> a väzieb medzi jednotlivými triedami. (Zmena v jednej môže mať za následok narušenie iných)</a:t>
+            </a:r>
+          </a:p>
+          <a:p>
+            <a:r>
+              <a:rPr lang="sk-SK" dirty="0"/>
+              <a:t>Rozširovanie duplicitného kódu.</a:t>
+            </a:r>
+          </a:p>
+          <a:p>
+            <a:endParaRPr lang="sk-SK" dirty="0"/>
           </a:p>
         </p:txBody>
       </p:sp>
     </p:spTree>
+    <p:extLst>
+      <p:ext uri="{BB962C8B-B14F-4D97-AF65-F5344CB8AC3E}">
+        <p14:creationId xmlns:p14="http://schemas.microsoft.com/office/powerpoint/2010/main" val="1457309705"/>
+      </p:ext>
+    </p:extLst>
   </p:cSld>
   <p:clrMapOvr>
     <a:masterClrMapping/>
   </p:clrMapOvr>
-  <p:transition/>
   <p:timing>
     <p:tnLst>
       <p:par>
-        <p:cTn id="1" dur="indefinite" restart="never" nodeType="tmRoot">
-          <p:childTnLst>
-            <p:seq concurrent="1" nextAc="seek">
-              <p:cTn id="2" dur="indefinite" nodeType="mainSeq">
-                <p:childTnLst>
-                  <p:par>
-                    <p:cTn id="3" fill="hold">
-                      <p:stCondLst>
-                        <p:cond delay="indefinite"/>
-                      </p:stCondLst>
-                      <p:childTnLst>
-                        <p:par>
-                          <p:cTn id="4" fill="hold">
-                            <p:stCondLst>
-                              <p:cond delay="0"/>
-                            </p:stCondLst>
-                            <p:childTnLst>
-                              <p:par>
-                                <p:cTn id="5" presetID="2" presetClass="entr" presetSubtype="2" fill="hold" grpId="0" nodeType="clickEffect">
-                                  <p:stCondLst>
-                                    <p:cond delay="0"/>
-                                  </p:stCondLst>
-                                  <p:childTnLst>
-                                    <p:set>
-                                      <p:cBhvr>
-                                        <p:cTn id="6" dur="1" fill="hold">
-                                          <p:stCondLst>
-                                            <p:cond delay="0"/>
-                                          </p:stCondLst>
-                                        </p:cTn>
-                                        <p:tgtEl>
-                                          <p:spTgt spid="8"/>
-                                        </p:tgtEl>
-                                        <p:attrNameLst>
-                                          <p:attrName>style.visibility</p:attrName>
-                                        </p:attrNameLst>
-                                      </p:cBhvr>
-                                      <p:to>
-                                        <p:strVal val="visible"/>
-                                      </p:to>
-                                    </p:set>
-                                    <p:anim calcmode="lin" valueType="num">
-                                      <p:cBhvr additive="base">
-                                        <p:cTn id="7" dur="500" fill="hold"/>
-                                        <p:tgtEl>
-                                          <p:spTgt spid="8"/>
-                                        </p:tgtEl>
-                                        <p:attrNameLst>
-                                          <p:attrName>ppt_x</p:attrName>
-                                        </p:attrNameLst>
-                                      </p:cBhvr>
-                                      <p:tavLst>
-                                        <p:tav tm="0">
-                                          <p:val>
-                                            <p:strVal val="1+#ppt_w/2"/>
-                                          </p:val>
-                                        </p:tav>
-                                        <p:tav tm="100000">
-                                          <p:val>
-                                            <p:strVal val="#ppt_x"/>
-                                          </p:val>
-                                        </p:tav>
-                                      </p:tavLst>
-                                    </p:anim>
-                                    <p:anim calcmode="lin" valueType="num">
-                                      <p:cBhvr additive="base">
-                                        <p:cTn id="8" dur="500" fill="hold"/>
-                                        <p:tgtEl>
-                                          <p:spTgt spid="8"/>
-                                        </p:tgtEl>
-                                        <p:attrNameLst>
-                                          <p:attrName>ppt_y</p:attrName>
-                                        </p:attrNameLst>
-                                      </p:cBhvr>
-                                      <p:tavLst>
-                                        <p:tav tm="0">
-                                          <p:val>
-                                            <p:strVal val="#ppt_y"/>
-                                          </p:val>
-                                        </p:tav>
-                                        <p:tav tm="100000">
-                                          <p:val>
-                                            <p:strVal val="#ppt_y"/>
-                                          </p:val>
-                                        </p:tav>
-                                      </p:tavLst>
-                                    </p:anim>
-                                  </p:childTnLst>
-                                </p:cTn>
-                              </p:par>
-                            </p:childTnLst>
-                          </p:cTn>
-                        </p:par>
-                      </p:childTnLst>
-                    </p:cTn>
-                  </p:par>
-                  <p:par>
-                    <p:cTn id="9" fill="hold">
-                      <p:stCondLst>
-                        <p:cond delay="indefinite"/>
-                      </p:stCondLst>
-                      <p:childTnLst>
-                        <p:par>
-                          <p:cTn id="10" fill="hold">
-                            <p:stCondLst>
-                              <p:cond delay="0"/>
-                            </p:stCondLst>
-                            <p:childTnLst>
-                              <p:par>
-                                <p:cTn id="11" presetID="2" presetClass="entr" presetSubtype="8" fill="hold" grpId="0" nodeType="clickEffect">
-                                  <p:stCondLst>
-                                    <p:cond delay="0"/>
-                                  </p:stCondLst>
-                                  <p:childTnLst>
-                                    <p:set>
-                                      <p:cBhvr>
-                                        <p:cTn id="12" dur="1" fill="hold">
-                                          <p:stCondLst>
-                                            <p:cond delay="0"/>
-                                          </p:stCondLst>
-                                        </p:cTn>
-                                        <p:tgtEl>
-                                          <p:spTgt spid="9"/>
-                                        </p:tgtEl>
-                                        <p:attrNameLst>
-                                          <p:attrName>style.visibility</p:attrName>
-                                        </p:attrNameLst>
-                                      </p:cBhvr>
-                                      <p:to>
-                                        <p:strVal val="visible"/>
-                                      </p:to>
-                                    </p:set>
-                                    <p:anim calcmode="lin" valueType="num">
-                                      <p:cBhvr additive="base">
-                                        <p:cTn id="13" dur="500" fill="hold"/>
-                                        <p:tgtEl>
-                                          <p:spTgt spid="9"/>
-                                        </p:tgtEl>
-                                        <p:attrNameLst>
-                                          <p:attrName>ppt_x</p:attrName>
-                                        </p:attrNameLst>
-                                      </p:cBhvr>
-                                      <p:tavLst>
-                                        <p:tav tm="0">
-                                          <p:val>
-                                            <p:strVal val="0-#ppt_w/2"/>
-                                          </p:val>
-                                        </p:tav>
-                                        <p:tav tm="100000">
-                                          <p:val>
-                                            <p:strVal val="#ppt_x"/>
-                                          </p:val>
-                                        </p:tav>
-                                      </p:tavLst>
-                                    </p:anim>
-                                    <p:anim calcmode="lin" valueType="num">
-                                      <p:cBhvr additive="base">
-                                        <p:cTn id="14" dur="500" fill="hold"/>
-                                        <p:tgtEl>
-                                          <p:spTgt spid="9"/>
-                                        </p:tgtEl>
-                                        <p:attrNameLst>
-                                          <p:attrName>ppt_y</p:attrName>
-                                        </p:attrNameLst>
-                                      </p:cBhvr>
-                                      <p:tavLst>
-                                        <p:tav tm="0">
-                                          <p:val>
-                                            <p:strVal val="#ppt_y"/>
-                                          </p:val>
-                                        </p:tav>
-                                        <p:tav tm="100000">
-                                          <p:val>
-                                            <p:strVal val="#ppt_y"/>
-                                          </p:val>
-                                        </p:tav>
-                                      </p:tavLst>
-                                    </p:anim>
-                                  </p:childTnLst>
-                                </p:cTn>
-                              </p:par>
-                            </p:childTnLst>
-                          </p:cTn>
-                        </p:par>
-                      </p:childTnLst>
-                    </p:cTn>
-                  </p:par>
-                  <p:par>
-                    <p:cTn id="15" fill="hold">
-                      <p:stCondLst>
-                        <p:cond delay="indefinite"/>
-                      </p:stCondLst>
-                      <p:childTnLst>
-                        <p:par>
-                          <p:cTn id="16" fill="hold">
-                            <p:stCondLst>
-                              <p:cond delay="0"/>
-                            </p:stCondLst>
-                            <p:childTnLst>
-                              <p:par>
-                                <p:cTn id="17" presetID="2" presetClass="entr" presetSubtype="2" fill="hold" grpId="0" nodeType="clickEffect">
-                                  <p:stCondLst>
-                                    <p:cond delay="0"/>
-                                  </p:stCondLst>
-                                  <p:childTnLst>
-                                    <p:set>
-                                      <p:cBhvr>
-                                        <p:cTn id="18" dur="1" fill="hold">
-                                          <p:stCondLst>
-                                            <p:cond delay="0"/>
-                                          </p:stCondLst>
-                                        </p:cTn>
-                                        <p:tgtEl>
-                                          <p:spTgt spid="10"/>
-                                        </p:tgtEl>
-                                        <p:attrNameLst>
-                                          <p:attrName>style.visibility</p:attrName>
-                                        </p:attrNameLst>
-                                      </p:cBhvr>
-                                      <p:to>
-                                        <p:strVal val="visible"/>
-                                      </p:to>
-                                    </p:set>
-                                    <p:anim calcmode="lin" valueType="num">
-                                      <p:cBhvr additive="base">
-                                        <p:cTn id="19" dur="500" fill="hold"/>
-                                        <p:tgtEl>
-                                          <p:spTgt spid="10"/>
-                                        </p:tgtEl>
-                                        <p:attrNameLst>
-                                          <p:attrName>ppt_x</p:attrName>
-                                        </p:attrNameLst>
-                                      </p:cBhvr>
-                                      <p:tavLst>
-                                        <p:tav tm="0">
-                                          <p:val>
-                                            <p:strVal val="1+#ppt_w/2"/>
-                                          </p:val>
-                                        </p:tav>
-                                        <p:tav tm="100000">
-                                          <p:val>
-                                            <p:strVal val="#ppt_x"/>
-                                          </p:val>
-                                        </p:tav>
-                                      </p:tavLst>
-                                    </p:anim>
-                                    <p:anim calcmode="lin" valueType="num">
-                                      <p:cBhvr additive="base">
-                                        <p:cTn id="20" dur="500" fill="hold"/>
-                                        <p:tgtEl>
-                                          <p:spTgt spid="10"/>
-                                        </p:tgtEl>
-                                        <p:attrNameLst>
-                                          <p:attrName>ppt_y</p:attrName>
-                                        </p:attrNameLst>
-                                      </p:cBhvr>
-                                      <p:tavLst>
-                                        <p:tav tm="0">
-                                          <p:val>
-                                            <p:strVal val="#ppt_y"/>
-                                          </p:val>
-                                        </p:tav>
-                                        <p:tav tm="100000">
-                                          <p:val>
-                                            <p:strVal val="#ppt_y"/>
-                                          </p:val>
-                                        </p:tav>
-                                      </p:tavLst>
-                                    </p:anim>
-                                  </p:childTnLst>
-                                </p:cTn>
-                              </p:par>
-                            </p:childTnLst>
-                          </p:cTn>
-                        </p:par>
-                      </p:childTnLst>
-                    </p:cTn>
-                  </p:par>
-                  <p:par>
-                    <p:cTn id="21" fill="hold">
-                      <p:stCondLst>
-                        <p:cond delay="indefinite"/>
-                      </p:stCondLst>
-                      <p:childTnLst>
-                        <p:par>
-                          <p:cTn id="22" fill="hold">
-                            <p:stCondLst>
-                              <p:cond delay="0"/>
-                            </p:stCondLst>
-                            <p:childTnLst>
-                              <p:par>
-                                <p:cTn id="23" presetID="2" presetClass="entr" presetSubtype="8" fill="hold" grpId="0" nodeType="clickEffect">
-                                  <p:stCondLst>
-                                    <p:cond delay="0"/>
-                                  </p:stCondLst>
-                                  <p:childTnLst>
-                                    <p:set>
-                                      <p:cBhvr>
-                                        <p:cTn id="24" dur="1" fill="hold">
-                                          <p:stCondLst>
-                                            <p:cond delay="0"/>
-                                          </p:stCondLst>
-                                        </p:cTn>
-                                        <p:tgtEl>
-                                          <p:spTgt spid="11"/>
-                                        </p:tgtEl>
-                                        <p:attrNameLst>
-                                          <p:attrName>style.visibility</p:attrName>
-                                        </p:attrNameLst>
-                                      </p:cBhvr>
-                                      <p:to>
-                                        <p:strVal val="visible"/>
-                                      </p:to>
-                                    </p:set>
-                                    <p:anim calcmode="lin" valueType="num">
-                                      <p:cBhvr additive="base">
-                                        <p:cTn id="25" dur="500" fill="hold"/>
-                                        <p:tgtEl>
-                                          <p:spTgt spid="11"/>
-                                        </p:tgtEl>
-                                        <p:attrNameLst>
-                                          <p:attrName>ppt_x</p:attrName>
-                                        </p:attrNameLst>
-                                      </p:cBhvr>
-                                      <p:tavLst>
-                                        <p:tav tm="0">
-                                          <p:val>
-                                            <p:strVal val="0-#ppt_w/2"/>
-                                          </p:val>
-                                        </p:tav>
-                                        <p:tav tm="100000">
-                                          <p:val>
-                                            <p:strVal val="#ppt_x"/>
-                                          </p:val>
-                                        </p:tav>
-                                      </p:tavLst>
-                                    </p:anim>
-                                    <p:anim calcmode="lin" valueType="num">
-                                      <p:cBhvr additive="base">
-                                        <p:cTn id="26" dur="500" fill="hold"/>
-                                        <p:tgtEl>
-                                          <p:spTgt spid="11"/>
-                                        </p:tgtEl>
-                                        <p:attrNameLst>
-                                          <p:attrName>ppt_y</p:attrName>
-                                        </p:attrNameLst>
-                                      </p:cBhvr>
-                                      <p:tavLst>
-                                        <p:tav tm="0">
-                                          <p:val>
-                                            <p:strVal val="#ppt_y"/>
-                                          </p:val>
-                                        </p:tav>
-                                        <p:tav tm="100000">
-                                          <p:val>
-                                            <p:strVal val="#ppt_y"/>
-                                          </p:val>
-                                        </p:tav>
-                                      </p:tavLst>
-                                    </p:anim>
-                                  </p:childTnLst>
-                                </p:cTn>
-                              </p:par>
-                            </p:childTnLst>
-                          </p:cTn>
-                        </p:par>
-                      </p:childTnLst>
-                    </p:cTn>
-                  </p:par>
-                  <p:par>
-                    <p:cTn id="27" fill="hold">
-                      <p:stCondLst>
-                        <p:cond delay="indefinite"/>
-                      </p:stCondLst>
-                      <p:childTnLst>
-                        <p:par>
-                          <p:cTn id="28" fill="hold">
-                            <p:stCondLst>
-                              <p:cond delay="0"/>
-                            </p:stCondLst>
-                            <p:childTnLst>
-                              <p:par>
-                                <p:cTn id="29" presetID="2" presetClass="entr" presetSubtype="2" fill="hold" grpId="0" nodeType="clickEffect">
-                                  <p:stCondLst>
-                                    <p:cond delay="0"/>
-                                  </p:stCondLst>
-                                  <p:childTnLst>
-                                    <p:set>
-                                      <p:cBhvr>
-                                        <p:cTn id="30" dur="1" fill="hold">
-                                          <p:stCondLst>
-                                            <p:cond delay="0"/>
-                                          </p:stCondLst>
-                                        </p:cTn>
-                                        <p:tgtEl>
-                                          <p:spTgt spid="12"/>
-                                        </p:tgtEl>
-                                        <p:attrNameLst>
-                                          <p:attrName>style.visibility</p:attrName>
-                                        </p:attrNameLst>
-                                      </p:cBhvr>
-                                      <p:to>
-                                        <p:strVal val="visible"/>
-                                      </p:to>
-                                    </p:set>
-                                    <p:anim calcmode="lin" valueType="num">
-                                      <p:cBhvr additive="base">
-                                        <p:cTn id="31" dur="500" fill="hold"/>
-                                        <p:tgtEl>
-                                          <p:spTgt spid="12"/>
-                                        </p:tgtEl>
-                                        <p:attrNameLst>
-                                          <p:attrName>ppt_x</p:attrName>
-                                        </p:attrNameLst>
-                                      </p:cBhvr>
-                                      <p:tavLst>
-                                        <p:tav tm="0">
-                                          <p:val>
-                                            <p:strVal val="1+#ppt_w/2"/>
-                                          </p:val>
-                                        </p:tav>
-                                        <p:tav tm="100000">
-                                          <p:val>
-                                            <p:strVal val="#ppt_x"/>
-                                          </p:val>
-                                        </p:tav>
-                                      </p:tavLst>
-                                    </p:anim>
-                                    <p:anim calcmode="lin" valueType="num">
-                                      <p:cBhvr additive="base">
-                                        <p:cTn id="32" dur="500" fill="hold"/>
-                                        <p:tgtEl>
-                                          <p:spTgt spid="12"/>
-                                        </p:tgtEl>
-                                        <p:attrNameLst>
-                                          <p:attrName>ppt_y</p:attrName>
-                                        </p:attrNameLst>
-                                      </p:cBhvr>
-                                      <p:tavLst>
-                                        <p:tav tm="0">
-                                          <p:val>
-                                            <p:strVal val="#ppt_y"/>
-                                          </p:val>
-                                        </p:tav>
-                                        <p:tav tm="100000">
-                                          <p:val>
-                                            <p:strVal val="#ppt_y"/>
-                                          </p:val>
-                                        </p:tav>
-                                      </p:tavLst>
-                                    </p:anim>
-                                  </p:childTnLst>
-                                </p:cTn>
-                              </p:par>
-                            </p:childTnLst>
-                          </p:cTn>
-                        </p:par>
-                      </p:childTnLst>
-                    </p:cTn>
-                  </p:par>
-                </p:childTnLst>
-              </p:cTn>
-              <p:prevCondLst>
-                <p:cond evt="onPrev" delay="0">
-                  <p:tgtEl>
-                    <p:sldTgt/>
-                  </p:tgtEl>
-                </p:cond>
-              </p:prevCondLst>
-              <p:nextCondLst>
-                <p:cond evt="onNext" delay="0">
-                  <p:tgtEl>
-                    <p:sldTgt/>
-                  </p:tgtEl>
-                </p:cond>
-              </p:nextCondLst>
-            </p:seq>
-          </p:childTnLst>
-        </p:cTn>
+        <p:cTn id="1" dur="indefinite" restart="never" nodeType="tmRoot"/>
       </p:par>
     </p:tnLst>
-    <p:bldLst>
-      <p:bldP spid="8" grpId="0" animBg="1"/>
-      <p:bldP spid="9" grpId="0" animBg="1"/>
-      <p:bldP spid="10" grpId="0" animBg="1"/>
-      <p:bldP spid="11" grpId="0" animBg="1"/>
-      <p:bldP spid="12" grpId="0" animBg="1"/>
-    </p:bldLst>
   </p:timing>
 </p:sld>
 </file>
 
 <file path=ppt/slides/slide6.xml><?xml version="1.0" encoding="utf-8"?>
-<p:sld xmlns:a="http://schemas.openxmlformats.org/drawingml/2006/main" xmlns:r="http://schemas.openxmlformats.org/officeDocument/2006/relationships" xmlns:p="http://schemas.openxmlformats.org/presentationml/2006/main" showMasterPhAnim="0">
+<p:sld xmlns:a="http://schemas.openxmlformats.org/drawingml/2006/main" xmlns:r="http://schemas.openxmlformats.org/officeDocument/2006/relationships" xmlns:p="http://schemas.openxmlformats.org/presentationml/2006/main">
   <p:cSld>
     <p:spTree>
       <p:nvGrpSpPr>
@@ -11560,632 +8080,109 @@
       </p:grpSpPr>
       <p:sp>
         <p:nvSpPr>
-          <p:cNvPr id="18434" name="Rectangle 2"/>
-          <p:cNvSpPr>
-            <a:spLocks noGrp="1" noChangeArrowheads="1"/>
+          <p:cNvPr id="2" name="Nadpis 1"/>
+          <p:cNvSpPr>
+            <a:spLocks noGrp="1"/>
           </p:cNvSpPr>
           <p:nvPr>
             <p:ph type="title"/>
           </p:nvPr>
         </p:nvSpPr>
-        <p:spPr>
-          <a:xfrm>
-            <a:off x="1111250" y="44450"/>
-            <a:ext cx="7886700" cy="576263"/>
-          </a:xfrm>
-        </p:spPr>
+        <p:spPr/>
         <p:txBody>
           <a:bodyPr/>
           <a:lstStyle/>
           <a:p>
-            <a:pPr algn="l" eaLnBrk="1" hangingPunct="1"/>
-            <a:r>
-              <a:rPr lang="en-US" altLang="sk-SK" sz="2400" b="1" dirty="0" smtClean="0">
-                <a:solidFill>
-                  <a:schemeClr val="bg1"/>
-                </a:solidFill>
-                <a:latin typeface="Ubuntu" pitchFamily="34" charset="0"/>
-              </a:rPr>
-              <a:t>R-&gt;G-&gt;R</a:t>
-            </a:r>
-            <a:endParaRPr lang="sk-SK" altLang="sk-SK" sz="2400" b="1" dirty="0" smtClean="0">
-              <a:solidFill>
-                <a:schemeClr val="bg1"/>
-              </a:solidFill>
-              <a:latin typeface="Ubuntu" pitchFamily="34" charset="0"/>
-            </a:endParaRPr>
-          </a:p>
-        </p:txBody>
-      </p:sp>
-      <p:sp>
-        <p:nvSpPr>
-          <p:cNvPr id="5" name="BlokTextu 4"/>
-          <p:cNvSpPr txBox="1"/>
-          <p:nvPr/>
-        </p:nvSpPr>
-        <p:spPr>
-          <a:xfrm>
-            <a:off x="2983260" y="908720"/>
-            <a:ext cx="4320480" cy="1138773"/>
-          </a:xfrm>
-          <a:prstGeom prst="rect">
-            <a:avLst/>
-          </a:prstGeom>
-          <a:noFill/>
-        </p:spPr>
-        <p:txBody>
-          <a:bodyPr wrap="square" rtlCol="0">
-            <a:spAutoFit/>
-          </a:bodyPr>
+            <a:r>
+              <a:rPr lang="sk-SK" dirty="0"/>
+              <a:t>Ako sa to dá riešiť</a:t>
+            </a:r>
+            <a:r>
+              <a:rPr lang="sk-SK" dirty="0" smtClean="0"/>
+              <a:t>? xxx</a:t>
+            </a:r>
+            <a:endParaRPr lang="sk-SK" dirty="0"/>
+          </a:p>
+        </p:txBody>
+      </p:sp>
+      <p:sp>
+        <p:nvSpPr>
+          <p:cNvPr id="3" name="Zástupný objekt pre obsah 2"/>
+          <p:cNvSpPr>
+            <a:spLocks noGrp="1"/>
+          </p:cNvSpPr>
+          <p:nvPr>
+            <p:ph idx="1"/>
+          </p:nvPr>
+        </p:nvSpPr>
+        <p:spPr/>
+        <p:txBody>
+          <a:bodyPr/>
           <a:lstStyle/>
           <a:p>
-            <a:pPr algn="ctr"/>
-            <a:r>
-              <a:rPr lang="en-US" sz="4400" b="1" dirty="0" smtClean="0">
-                <a:solidFill>
-                  <a:srgbClr val="FF0000"/>
-                </a:solidFill>
-                <a:latin typeface="Segoe UI Black" pitchFamily="34" charset="0"/>
-                <a:ea typeface="Segoe UI Black" pitchFamily="34" charset="0"/>
-                <a:cs typeface="Segoe UI Black" pitchFamily="34" charset="0"/>
-              </a:rPr>
-              <a:t>RED</a:t>
-            </a:r>
-          </a:p>
-          <a:p>
-            <a:pPr algn="ctr"/>
-            <a:r>
-              <a:rPr lang="sk-SK" sz="2400" dirty="0" smtClean="0">
-                <a:solidFill>
-                  <a:srgbClr val="FF0000"/>
-                </a:solidFill>
-                <a:latin typeface="Segoe UI Semibold" pitchFamily="34" charset="0"/>
-                <a:cs typeface="Segoe UI Semibold" pitchFamily="34" charset="0"/>
-              </a:rPr>
-              <a:t>napíšeme padajúce testy</a:t>
-            </a:r>
-            <a:endParaRPr lang="sk-SK" sz="2400" dirty="0">
-              <a:solidFill>
-                <a:srgbClr val="FF0000"/>
-              </a:solidFill>
-              <a:latin typeface="Segoe UI Semibold" pitchFamily="34" charset="0"/>
-              <a:cs typeface="Segoe UI Semibold" pitchFamily="34" charset="0"/>
-            </a:endParaRPr>
-          </a:p>
-        </p:txBody>
-      </p:sp>
-      <p:sp>
-        <p:nvSpPr>
-          <p:cNvPr id="6" name="BlokTextu 5"/>
-          <p:cNvSpPr txBox="1"/>
-          <p:nvPr/>
-        </p:nvSpPr>
-        <p:spPr>
-          <a:xfrm>
-            <a:off x="6223620" y="3717032"/>
-            <a:ext cx="3896644" cy="1138773"/>
-          </a:xfrm>
-          <a:prstGeom prst="rect">
-            <a:avLst/>
-          </a:prstGeom>
-          <a:noFill/>
-        </p:spPr>
-        <p:txBody>
-          <a:bodyPr wrap="none" rtlCol="0">
-            <a:spAutoFit/>
-          </a:bodyPr>
-          <a:lstStyle/>
-          <a:p>
-            <a:pPr algn="ctr"/>
-            <a:r>
-              <a:rPr lang="en-US" sz="4400" dirty="0" smtClean="0">
-                <a:solidFill>
-                  <a:srgbClr val="00B050"/>
-                </a:solidFill>
-                <a:latin typeface="Segoe UI Black" pitchFamily="34" charset="0"/>
-                <a:ea typeface="Segoe UI Black" pitchFamily="34" charset="0"/>
-                <a:cs typeface="Segoe UI Black" pitchFamily="34" charset="0"/>
-              </a:rPr>
-              <a:t>GREEN</a:t>
-            </a:r>
-          </a:p>
-          <a:p>
-            <a:pPr algn="ctr"/>
-            <a:r>
-              <a:rPr lang="sk-SK" sz="2400" dirty="0" smtClean="0">
-                <a:solidFill>
-                  <a:srgbClr val="00B050"/>
-                </a:solidFill>
-                <a:latin typeface="Segoe UI" pitchFamily="34" charset="0"/>
-                <a:cs typeface="Segoe UI" pitchFamily="34" charset="0"/>
-              </a:rPr>
-              <a:t>napíšeme kód aby nepadali</a:t>
-            </a:r>
-            <a:endParaRPr lang="sk-SK" sz="2400" dirty="0">
-              <a:solidFill>
-                <a:srgbClr val="00B050"/>
-              </a:solidFill>
-              <a:latin typeface="Segoe UI" pitchFamily="34" charset="0"/>
-              <a:cs typeface="Segoe UI" pitchFamily="34" charset="0"/>
-            </a:endParaRPr>
-          </a:p>
-        </p:txBody>
-      </p:sp>
-      <p:sp>
-        <p:nvSpPr>
-          <p:cNvPr id="7" name="BlokTextu 6"/>
-          <p:cNvSpPr txBox="1"/>
-          <p:nvPr/>
-        </p:nvSpPr>
-        <p:spPr>
-          <a:xfrm>
-            <a:off x="0" y="4941168"/>
-            <a:ext cx="5049139" cy="1138773"/>
-          </a:xfrm>
-          <a:prstGeom prst="rect">
-            <a:avLst/>
-          </a:prstGeom>
-          <a:noFill/>
-        </p:spPr>
-        <p:txBody>
-          <a:bodyPr wrap="none" rtlCol="0">
-            <a:spAutoFit/>
-          </a:bodyPr>
-          <a:lstStyle/>
-          <a:p>
-            <a:pPr algn="ctr"/>
-            <a:r>
-              <a:rPr lang="sk-SK" sz="4400" dirty="0" smtClean="0">
-                <a:solidFill>
-                  <a:schemeClr val="accent6">
-                    <a:lumMod val="60000"/>
-                    <a:lumOff val="40000"/>
-                  </a:schemeClr>
-                </a:solidFill>
-                <a:latin typeface="Segoe UI Black" pitchFamily="34" charset="0"/>
-                <a:ea typeface="Segoe UI Black" pitchFamily="34" charset="0"/>
-                <a:cs typeface="Segoe UI Black" pitchFamily="34" charset="0"/>
-              </a:rPr>
-              <a:t>REFACTOR</a:t>
-            </a:r>
-            <a:endParaRPr lang="en-US" sz="4400" dirty="0" smtClean="0">
-              <a:solidFill>
-                <a:schemeClr val="accent6">
-                  <a:lumMod val="60000"/>
-                  <a:lumOff val="40000"/>
-                </a:schemeClr>
-              </a:solidFill>
-              <a:latin typeface="Segoe UI Black" pitchFamily="34" charset="0"/>
-              <a:ea typeface="Segoe UI Black" pitchFamily="34" charset="0"/>
-              <a:cs typeface="Segoe UI Black" pitchFamily="34" charset="0"/>
-            </a:endParaRPr>
-          </a:p>
-          <a:p>
-            <a:pPr algn="ctr"/>
-            <a:r>
-              <a:rPr lang="sk-SK" sz="2400" dirty="0" err="1" smtClean="0">
-                <a:solidFill>
-                  <a:schemeClr val="accent6">
-                    <a:lumMod val="60000"/>
-                    <a:lumOff val="40000"/>
-                  </a:schemeClr>
-                </a:solidFill>
-                <a:latin typeface="Segoe UI" pitchFamily="34" charset="0"/>
-                <a:cs typeface="Segoe UI" pitchFamily="34" charset="0"/>
-              </a:rPr>
-              <a:t>refaktorujeme</a:t>
-            </a:r>
-            <a:r>
-              <a:rPr lang="sk-SK" sz="2400" dirty="0" smtClean="0">
-                <a:solidFill>
-                  <a:schemeClr val="accent6">
-                    <a:lumMod val="60000"/>
-                    <a:lumOff val="40000"/>
-                  </a:schemeClr>
-                </a:solidFill>
-                <a:latin typeface="Segoe UI" pitchFamily="34" charset="0"/>
-                <a:cs typeface="Segoe UI" pitchFamily="34" charset="0"/>
-              </a:rPr>
-              <a:t>/optimalizujeme kód</a:t>
-            </a:r>
-            <a:endParaRPr lang="sk-SK" sz="2400" dirty="0">
-              <a:solidFill>
-                <a:schemeClr val="accent6">
-                  <a:lumMod val="60000"/>
-                  <a:lumOff val="40000"/>
-                </a:schemeClr>
-              </a:solidFill>
-              <a:latin typeface="Segoe UI" pitchFamily="34" charset="0"/>
-              <a:cs typeface="Segoe UI" pitchFamily="34" charset="0"/>
-            </a:endParaRPr>
-          </a:p>
-        </p:txBody>
-      </p:sp>
-      <p:cxnSp>
-        <p:nvCxnSpPr>
-          <p:cNvPr id="9" name="Rovná spojovacia šípka 8"/>
-          <p:cNvCxnSpPr/>
-          <p:nvPr/>
-        </p:nvCxnSpPr>
-        <p:spPr>
-          <a:xfrm>
-            <a:off x="5287516" y="2132856"/>
-            <a:ext cx="2088232" cy="1512168"/>
-          </a:xfrm>
-          <a:prstGeom prst="straightConnector1">
-            <a:avLst/>
-          </a:prstGeom>
-          <a:ln w="50800">
-            <a:solidFill>
-              <a:srgbClr val="FF0000"/>
-            </a:solidFill>
-            <a:tailEnd type="arrow"/>
-          </a:ln>
-        </p:spPr>
-        <p:style>
-          <a:lnRef idx="1">
-            <a:schemeClr val="accent1"/>
-          </a:lnRef>
-          <a:fillRef idx="0">
-            <a:schemeClr val="accent1"/>
-          </a:fillRef>
-          <a:effectRef idx="0">
-            <a:schemeClr val="accent1"/>
-          </a:effectRef>
-          <a:fontRef idx="minor">
-            <a:schemeClr val="tx1"/>
-          </a:fontRef>
-        </p:style>
-      </p:cxnSp>
-      <p:cxnSp>
-        <p:nvCxnSpPr>
-          <p:cNvPr id="10" name="Rovná spojovacia šípka 9"/>
-          <p:cNvCxnSpPr/>
-          <p:nvPr/>
-        </p:nvCxnSpPr>
-        <p:spPr>
-          <a:xfrm flipH="1">
-            <a:off x="3919364" y="4221088"/>
-            <a:ext cx="2592288" cy="720080"/>
-          </a:xfrm>
-          <a:prstGeom prst="straightConnector1">
-            <a:avLst/>
-          </a:prstGeom>
-          <a:ln w="50800">
-            <a:solidFill>
-              <a:srgbClr val="00B050"/>
-            </a:solidFill>
-            <a:tailEnd type="arrow"/>
-          </a:ln>
-        </p:spPr>
-        <p:style>
-          <a:lnRef idx="1">
-            <a:schemeClr val="accent1"/>
-          </a:lnRef>
-          <a:fillRef idx="0">
-            <a:schemeClr val="accent1"/>
-          </a:fillRef>
-          <a:effectRef idx="0">
-            <a:schemeClr val="accent1"/>
-          </a:effectRef>
-          <a:fontRef idx="minor">
-            <a:schemeClr val="tx1"/>
-          </a:fontRef>
-        </p:style>
-      </p:cxnSp>
-      <p:cxnSp>
-        <p:nvCxnSpPr>
-          <p:cNvPr id="12" name="Rovná spojovacia šípka 11"/>
-          <p:cNvCxnSpPr/>
-          <p:nvPr/>
-        </p:nvCxnSpPr>
-        <p:spPr>
-          <a:xfrm flipV="1">
-            <a:off x="2407196" y="2204864"/>
-            <a:ext cx="1512168" cy="2664296"/>
-          </a:xfrm>
-          <a:prstGeom prst="straightConnector1">
-            <a:avLst/>
-          </a:prstGeom>
-          <a:ln w="50800">
-            <a:solidFill>
-              <a:schemeClr val="accent6">
-                <a:lumMod val="60000"/>
-                <a:lumOff val="40000"/>
-              </a:schemeClr>
-            </a:solidFill>
-            <a:tailEnd type="arrow"/>
-          </a:ln>
-        </p:spPr>
-        <p:style>
-          <a:lnRef idx="1">
-            <a:schemeClr val="accent1"/>
-          </a:lnRef>
-          <a:fillRef idx="0">
-            <a:schemeClr val="accent1"/>
-          </a:fillRef>
-          <a:effectRef idx="0">
-            <a:schemeClr val="accent1"/>
-          </a:effectRef>
-          <a:fontRef idx="minor">
-            <a:schemeClr val="tx1"/>
-          </a:fontRef>
-        </p:style>
-      </p:cxnSp>
+            <a:r>
+              <a:rPr lang="sk-SK" dirty="0"/>
+              <a:t>Výber správnej architektúry. (MVC, MVVM, MVP, </a:t>
+            </a:r>
+            <a:r>
+              <a:rPr lang="sk-SK" dirty="0" err="1"/>
+              <a:t>Microservices</a:t>
+            </a:r>
+            <a:r>
+              <a:rPr lang="sk-SK" dirty="0"/>
+              <a:t>, </a:t>
+            </a:r>
+            <a:r>
+              <a:rPr lang="sk-SK" dirty="0" smtClean="0"/>
+              <a:t>...)</a:t>
+            </a:r>
+          </a:p>
+          <a:p>
+            <a:r>
+              <a:rPr lang="sk-SK" b="1" dirty="0"/>
+              <a:t>Nasledovanie Design </a:t>
+            </a:r>
+            <a:r>
+              <a:rPr lang="sk-SK" b="1" dirty="0" err="1"/>
+              <a:t>Principles</a:t>
+            </a:r>
+            <a:r>
+              <a:rPr lang="sk-SK" b="1" dirty="0"/>
+              <a:t>.</a:t>
+            </a:r>
+          </a:p>
+          <a:p>
+            <a:r>
+              <a:rPr lang="sk-SK" dirty="0"/>
+              <a:t>Používanie správnych návrhových vzorov na riešenie jednotlivých problémov.</a:t>
+            </a:r>
+            <a:endParaRPr lang="sk-SK" dirty="0" smtClean="0"/>
+          </a:p>
+        </p:txBody>
+      </p:sp>
     </p:spTree>
+    <p:extLst>
+      <p:ext uri="{BB962C8B-B14F-4D97-AF65-F5344CB8AC3E}">
+        <p14:creationId xmlns:p14="http://schemas.microsoft.com/office/powerpoint/2010/main" val="97836770"/>
+      </p:ext>
+    </p:extLst>
   </p:cSld>
   <p:clrMapOvr>
     <a:masterClrMapping/>
   </p:clrMapOvr>
-  <p:transition/>
   <p:timing>
     <p:tnLst>
       <p:par>
-        <p:cTn id="1" dur="indefinite" restart="never" nodeType="tmRoot">
-          <p:childTnLst>
-            <p:seq concurrent="1" nextAc="seek">
-              <p:cTn id="2" dur="indefinite" nodeType="mainSeq">
-                <p:childTnLst>
-                  <p:par>
-                    <p:cTn id="3" fill="hold">
-                      <p:stCondLst>
-                        <p:cond delay="indefinite"/>
-                      </p:stCondLst>
-                      <p:childTnLst>
-                        <p:par>
-                          <p:cTn id="4" fill="hold">
-                            <p:stCondLst>
-                              <p:cond delay="0"/>
-                            </p:stCondLst>
-                            <p:childTnLst>
-                              <p:par>
-                                <p:cTn id="5" presetID="1" presetClass="entr" presetSubtype="0" fill="hold" grpId="0" nodeType="clickEffect">
-                                  <p:stCondLst>
-                                    <p:cond delay="0"/>
-                                  </p:stCondLst>
-                                  <p:childTnLst>
-                                    <p:set>
-                                      <p:cBhvr>
-                                        <p:cTn id="6" dur="1" fill="hold">
-                                          <p:stCondLst>
-                                            <p:cond delay="0"/>
-                                          </p:stCondLst>
-                                        </p:cTn>
-                                        <p:tgtEl>
-                                          <p:spTgt spid="5"/>
-                                        </p:tgtEl>
-                                        <p:attrNameLst>
-                                          <p:attrName>style.visibility</p:attrName>
-                                        </p:attrNameLst>
-                                      </p:cBhvr>
-                                      <p:to>
-                                        <p:strVal val="visible"/>
-                                      </p:to>
-                                    </p:set>
-                                  </p:childTnLst>
-                                </p:cTn>
-                              </p:par>
-                            </p:childTnLst>
-                          </p:cTn>
-                        </p:par>
-                      </p:childTnLst>
-                    </p:cTn>
-                  </p:par>
-                  <p:par>
-                    <p:cTn id="7" fill="hold">
-                      <p:stCondLst>
-                        <p:cond delay="indefinite"/>
-                      </p:stCondLst>
-                      <p:childTnLst>
-                        <p:par>
-                          <p:cTn id="8" fill="hold">
-                            <p:stCondLst>
-                              <p:cond delay="0"/>
-                            </p:stCondLst>
-                            <p:childTnLst>
-                              <p:par>
-                                <p:cTn id="9" presetID="1" presetClass="entr" presetSubtype="0" fill="hold" nodeType="clickEffect">
-                                  <p:stCondLst>
-                                    <p:cond delay="0"/>
-                                  </p:stCondLst>
-                                  <p:childTnLst>
-                                    <p:set>
-                                      <p:cBhvr>
-                                        <p:cTn id="10" dur="1" fill="hold">
-                                          <p:stCondLst>
-                                            <p:cond delay="0"/>
-                                          </p:stCondLst>
-                                        </p:cTn>
-                                        <p:tgtEl>
-                                          <p:spTgt spid="9"/>
-                                        </p:tgtEl>
-                                        <p:attrNameLst>
-                                          <p:attrName>style.visibility</p:attrName>
-                                        </p:attrNameLst>
-                                      </p:cBhvr>
-                                      <p:to>
-                                        <p:strVal val="visible"/>
-                                      </p:to>
-                                    </p:set>
-                                  </p:childTnLst>
-                                </p:cTn>
-                              </p:par>
-                              <p:par>
-                                <p:cTn id="11" presetID="1" presetClass="entr" presetSubtype="0" fill="hold" grpId="0" nodeType="withEffect">
-                                  <p:stCondLst>
-                                    <p:cond delay="0"/>
-                                  </p:stCondLst>
-                                  <p:childTnLst>
-                                    <p:set>
-                                      <p:cBhvr>
-                                        <p:cTn id="12" dur="1" fill="hold">
-                                          <p:stCondLst>
-                                            <p:cond delay="0"/>
-                                          </p:stCondLst>
-                                        </p:cTn>
-                                        <p:tgtEl>
-                                          <p:spTgt spid="6"/>
-                                        </p:tgtEl>
-                                        <p:attrNameLst>
-                                          <p:attrName>style.visibility</p:attrName>
-                                        </p:attrNameLst>
-                                      </p:cBhvr>
-                                      <p:to>
-                                        <p:strVal val="visible"/>
-                                      </p:to>
-                                    </p:set>
-                                  </p:childTnLst>
-                                </p:cTn>
-                              </p:par>
-                            </p:childTnLst>
-                          </p:cTn>
-                        </p:par>
-                      </p:childTnLst>
-                    </p:cTn>
-                  </p:par>
-                  <p:par>
-                    <p:cTn id="13" fill="hold">
-                      <p:stCondLst>
-                        <p:cond delay="indefinite"/>
-                      </p:stCondLst>
-                      <p:childTnLst>
-                        <p:par>
-                          <p:cTn id="14" fill="hold">
-                            <p:stCondLst>
-                              <p:cond delay="0"/>
-                            </p:stCondLst>
-                            <p:childTnLst>
-                              <p:par>
-                                <p:cTn id="15" presetID="1" presetClass="entr" presetSubtype="0" fill="hold" grpId="0" nodeType="clickEffect">
-                                  <p:stCondLst>
-                                    <p:cond delay="0"/>
-                                  </p:stCondLst>
-                                  <p:childTnLst>
-                                    <p:set>
-                                      <p:cBhvr>
-                                        <p:cTn id="16" dur="1" fill="hold">
-                                          <p:stCondLst>
-                                            <p:cond delay="0"/>
-                                          </p:stCondLst>
-                                        </p:cTn>
-                                        <p:tgtEl>
-                                          <p:spTgt spid="7"/>
-                                        </p:tgtEl>
-                                        <p:attrNameLst>
-                                          <p:attrName>style.visibility</p:attrName>
-                                        </p:attrNameLst>
-                                      </p:cBhvr>
-                                      <p:to>
-                                        <p:strVal val="visible"/>
-                                      </p:to>
-                                    </p:set>
-                                  </p:childTnLst>
-                                </p:cTn>
-                              </p:par>
-                              <p:par>
-                                <p:cTn id="17" presetID="1" presetClass="entr" presetSubtype="0" fill="hold" nodeType="withEffect">
-                                  <p:stCondLst>
-                                    <p:cond delay="0"/>
-                                  </p:stCondLst>
-                                  <p:childTnLst>
-                                    <p:set>
-                                      <p:cBhvr>
-                                        <p:cTn id="18" dur="1" fill="hold">
-                                          <p:stCondLst>
-                                            <p:cond delay="0"/>
-                                          </p:stCondLst>
-                                        </p:cTn>
-                                        <p:tgtEl>
-                                          <p:spTgt spid="10"/>
-                                        </p:tgtEl>
-                                        <p:attrNameLst>
-                                          <p:attrName>style.visibility</p:attrName>
-                                        </p:attrNameLst>
-                                      </p:cBhvr>
-                                      <p:to>
-                                        <p:strVal val="visible"/>
-                                      </p:to>
-                                    </p:set>
-                                  </p:childTnLst>
-                                </p:cTn>
-                              </p:par>
-                              <p:par>
-                                <p:cTn id="19" presetID="1" presetClass="entr" presetSubtype="0" fill="hold" nodeType="withEffect">
-                                  <p:stCondLst>
-                                    <p:cond delay="0"/>
-                                  </p:stCondLst>
-                                  <p:childTnLst>
-                                    <p:set>
-                                      <p:cBhvr>
-                                        <p:cTn id="20" dur="1" fill="hold">
-                                          <p:stCondLst>
-                                            <p:cond delay="0"/>
-                                          </p:stCondLst>
-                                        </p:cTn>
-                                        <p:tgtEl>
-                                          <p:spTgt spid="12"/>
-                                        </p:tgtEl>
-                                        <p:attrNameLst>
-                                          <p:attrName>style.visibility</p:attrName>
-                                        </p:attrNameLst>
-                                      </p:cBhvr>
-                                      <p:to>
-                                        <p:strVal val="visible"/>
-                                      </p:to>
-                                    </p:set>
-                                  </p:childTnLst>
-                                </p:cTn>
-                              </p:par>
-                            </p:childTnLst>
-                          </p:cTn>
-                        </p:par>
-                      </p:childTnLst>
-                    </p:cTn>
-                  </p:par>
-                </p:childTnLst>
-              </p:cTn>
-              <p:prevCondLst>
-                <p:cond evt="onPrev" delay="0">
-                  <p:tgtEl>
-                    <p:sldTgt/>
-                  </p:tgtEl>
-                </p:cond>
-              </p:prevCondLst>
-              <p:nextCondLst>
-                <p:cond evt="onNext" delay="0">
-                  <p:tgtEl>
-                    <p:sldTgt/>
-                  </p:tgtEl>
-                </p:cond>
-              </p:nextCondLst>
-            </p:seq>
-          </p:childTnLst>
-        </p:cTn>
+        <p:cTn id="1" dur="indefinite" restart="never" nodeType="tmRoot"/>
       </p:par>
     </p:tnLst>
-    <p:bldLst>
-      <p:bldP spid="5" grpId="0"/>
-      <p:bldP spid="6" grpId="0"/>
-      <p:bldP spid="7" grpId="0"/>
-    </p:bldLst>
   </p:timing>
 </p:sld>
 </file>
 
 <file path=ppt/slides/slide7.xml><?xml version="1.0" encoding="utf-8"?>
-<p:sld xmlns:a="http://schemas.openxmlformats.org/drawingml/2006/main" xmlns:r="http://schemas.openxmlformats.org/officeDocument/2006/relationships" xmlns:p="http://schemas.openxmlformats.org/presentationml/2006/main" showMasterPhAnim="0">
+<p:sld xmlns:a="http://schemas.openxmlformats.org/drawingml/2006/main" xmlns:r="http://schemas.openxmlformats.org/officeDocument/2006/relationships" xmlns:p="http://schemas.openxmlformats.org/presentationml/2006/main">
   <p:cSld>
-    <p:bg>
-      <p:bgPr>
-        <a:solidFill>
-          <a:schemeClr val="accent2">
-            <a:lumMod val="60000"/>
-            <a:lumOff val="40000"/>
-          </a:schemeClr>
-        </a:solidFill>
-        <a:effectLst/>
-      </p:bgPr>
-    </p:bg>
     <p:spTree>
       <p:nvGrpSpPr>
         <p:cNvPr id="1" name=""/>
@@ -12202,119 +8199,184 @@
       </p:grpSpPr>
       <p:sp>
         <p:nvSpPr>
-          <p:cNvPr id="3" name="Nadpis 1"/>
-          <p:cNvSpPr txBox="1">
-            <a:spLocks/>
-          </p:cNvSpPr>
-          <p:nvPr/>
-        </p:nvSpPr>
-        <p:spPr bwMode="auto">
-          <a:xfrm>
-            <a:off x="514350" y="3066257"/>
-            <a:ext cx="9258300" cy="725487"/>
-          </a:xfrm>
-          <a:prstGeom prst="rect">
-            <a:avLst/>
-          </a:prstGeom>
-          <a:noFill/>
-          <a:ln>
-            <a:noFill/>
-          </a:ln>
-          <a:effectLst/>
-          <a:extLst>
-            <a:ext uri="{909E8E84-426E-40DD-AFC4-6F175D3DCCD1}">
-              <a14:hiddenFill xmlns:a14="http://schemas.microsoft.com/office/drawing/2010/main" xmlns="">
-                <a:solidFill>
-                  <a:schemeClr val="accent1"/>
-                </a:solidFill>
-              </a14:hiddenFill>
-            </a:ext>
-            <a:ext uri="{91240B29-F687-4F45-9708-019B960494DF}">
-              <a14:hiddenLine xmlns:a14="http://schemas.microsoft.com/office/drawing/2010/main" xmlns="" w="9525">
-                <a:solidFill>
-                  <a:schemeClr val="tx1"/>
-                </a:solidFill>
-                <a:miter lim="800000"/>
-                <a:headEnd/>
-                <a:tailEnd/>
-              </a14:hiddenLine>
-            </a:ext>
-            <a:ext uri="{AF507438-7753-43E0-B8FC-AC1667EBCBE1}">
-              <a14:hiddenEffects xmlns:a14="http://schemas.microsoft.com/office/drawing/2010/main" xmlns="">
-                <a:effectLst>
-                  <a:outerShdw dist="35921" dir="2700000" algn="ctr" rotWithShape="0">
-                    <a:schemeClr val="bg2"/>
-                  </a:outerShdw>
-                </a:effectLst>
-              </a14:hiddenEffects>
-            </a:ext>
-          </a:extLst>
-        </p:spPr>
-        <p:txBody>
-          <a:bodyPr vert="horz" wrap="square" lIns="91440" tIns="45720" rIns="91440" bIns="45720" numCol="1" anchor="ctr" anchorCtr="0" compatLnSpc="1">
-            <a:prstTxWarp prst="textNoShape">
-              <a:avLst/>
-            </a:prstTxWarp>
-          </a:bodyPr>
+          <p:cNvPr id="2" name="Nadpis 1"/>
+          <p:cNvSpPr>
+            <a:spLocks noGrp="1"/>
+          </p:cNvSpPr>
+          <p:nvPr>
+            <p:ph type="title"/>
+          </p:nvPr>
+        </p:nvSpPr>
+        <p:spPr/>
+        <p:txBody>
+          <a:bodyPr/>
           <a:lstStyle/>
           <a:p>
-            <a:pPr marL="0" marR="0" lvl="0" indent="0" algn="ctr" defTabSz="914400" rtl="0" eaLnBrk="0" fontAlgn="base" latinLnBrk="0" hangingPunct="0">
-              <a:lnSpc>
-                <a:spcPct val="100000"/>
-              </a:lnSpc>
-              <a:spcBef>
-                <a:spcPct val="0"/>
-              </a:spcBef>
-              <a:spcAft>
-                <a:spcPct val="0"/>
-              </a:spcAft>
-              <a:buClrTx/>
-              <a:buSzTx/>
-              <a:buFontTx/>
-              <a:buNone/>
-              <a:tabLst/>
-              <a:defRPr/>
-            </a:pPr>
-            <a:r>
-              <a:rPr kumimoji="0" lang="sk-SK" sz="9600" b="0" i="0" u="none" strike="noStrike" kern="0" cap="none" spc="0" normalizeH="0" baseline="0" noProof="0" smtClean="0">
-                <a:ln>
-                  <a:noFill/>
-                </a:ln>
-                <a:solidFill>
-                  <a:schemeClr val="accent3"/>
-                </a:solidFill>
-                <a:effectLst/>
-                <a:uLnTx/>
-                <a:uFillTx/>
-                <a:latin typeface="+mj-lt"/>
-                <a:ea typeface="+mj-ea"/>
-                <a:cs typeface="+mj-cs"/>
-              </a:rPr>
-              <a:t>Demo</a:t>
-            </a:r>
-            <a:endParaRPr kumimoji="0" lang="sk-SK" sz="2800" b="0" i="0" u="none" strike="noStrike" kern="0" cap="none" spc="0" normalizeH="0" baseline="0" noProof="0" dirty="0">
-              <a:ln>
-                <a:noFill/>
-              </a:ln>
-              <a:solidFill>
-                <a:schemeClr val="accent3"/>
-              </a:solidFill>
-              <a:effectLst/>
-              <a:uLnTx/>
-              <a:uFillTx/>
-              <a:latin typeface="+mj-lt"/>
-              <a:ea typeface="+mj-ea"/>
-              <a:cs typeface="+mj-cs"/>
-            </a:endParaRPr>
+            <a:r>
+              <a:rPr lang="sk-SK" dirty="0" smtClean="0"/>
+              <a:t>S.O.L.I.D </a:t>
+            </a:r>
+            <a:r>
+              <a:rPr lang="sk-SK" dirty="0" err="1" smtClean="0"/>
+              <a:t>Principles</a:t>
+            </a:r>
+            <a:r>
+              <a:rPr lang="sk-SK" dirty="0" smtClean="0"/>
+              <a:t> xxx</a:t>
+            </a:r>
+            <a:endParaRPr lang="sk-SK" dirty="0"/>
+          </a:p>
+        </p:txBody>
+      </p:sp>
+      <p:sp>
+        <p:nvSpPr>
+          <p:cNvPr id="3" name="Zástupný objekt pre obsah 2"/>
+          <p:cNvSpPr>
+            <a:spLocks noGrp="1"/>
+          </p:cNvSpPr>
+          <p:nvPr>
+            <p:ph idx="1"/>
+          </p:nvPr>
+        </p:nvSpPr>
+        <p:spPr/>
+        <p:txBody>
+          <a:bodyPr/>
+          <a:lstStyle/>
+          <a:p>
+            <a:r>
+              <a:rPr lang="sk-SK" dirty="0" err="1" smtClean="0"/>
+              <a:t>Sada</a:t>
+            </a:r>
+            <a:r>
+              <a:rPr lang="sk-SK" dirty="0"/>
+              <a:t> </a:t>
+            </a:r>
+            <a:r>
+              <a:rPr lang="sk-SK" dirty="0" smtClean="0"/>
+              <a:t>princípov, ktorých dodržiavanie nám pomôže vyhnúť sa veľkému množstvu chýb už počas fázy návrhu.</a:t>
+            </a:r>
+          </a:p>
+          <a:p>
+            <a:r>
+              <a:rPr lang="sk-SK" dirty="0" smtClean="0"/>
+              <a:t>Pomáhajú nám vytvárať „nezávislé“ triedy, ktoré majú medzi sebou voľné väzby.</a:t>
+            </a:r>
+          </a:p>
+          <a:p>
+            <a:r>
+              <a:rPr lang="sk-SK" dirty="0" smtClean="0"/>
+              <a:t>Sformuloval ich </a:t>
+            </a:r>
+            <a:r>
+              <a:rPr lang="sk-SK" dirty="0"/>
+              <a:t>Robert C</a:t>
+            </a:r>
+            <a:r>
+              <a:rPr lang="sk-SK" dirty="0" smtClean="0"/>
+              <a:t>. Martin (</a:t>
+            </a:r>
+            <a:r>
+              <a:rPr lang="sk-SK" dirty="0" err="1" smtClean="0"/>
+              <a:t>Uncle</a:t>
+            </a:r>
+            <a:r>
+              <a:rPr lang="sk-SK" dirty="0" smtClean="0"/>
+              <a:t> Bob) v 1996</a:t>
+            </a:r>
+          </a:p>
+          <a:p>
+            <a:r>
+              <a:rPr lang="sk-SK" dirty="0" smtClean="0"/>
+              <a:t>Je to akronym:</a:t>
+            </a:r>
+          </a:p>
+          <a:p>
+            <a:endParaRPr lang="sk-SK" dirty="0" smtClean="0"/>
+          </a:p>
+          <a:p>
+            <a:r>
+              <a:rPr lang="en-US" b="1" dirty="0"/>
+              <a:t>S</a:t>
+            </a:r>
+            <a:r>
+              <a:rPr lang="en-US" dirty="0"/>
+              <a:t> - Single Responsibility Principle (SRP)</a:t>
+            </a:r>
+          </a:p>
+          <a:p>
+            <a:r>
+              <a:rPr lang="en-US" b="1" dirty="0"/>
+              <a:t>O</a:t>
+            </a:r>
+            <a:r>
+              <a:rPr lang="en-US" dirty="0"/>
+              <a:t> - Open closed Principle (OCP)</a:t>
+            </a:r>
+          </a:p>
+          <a:p>
+            <a:r>
+              <a:rPr lang="en-US" b="1" dirty="0"/>
+              <a:t>L</a:t>
+            </a:r>
+            <a:r>
+              <a:rPr lang="en-US" dirty="0"/>
+              <a:t> - </a:t>
+            </a:r>
+            <a:r>
+              <a:rPr lang="en-US" dirty="0" err="1"/>
+              <a:t>Liskov</a:t>
+            </a:r>
+            <a:r>
+              <a:rPr lang="en-US" dirty="0"/>
+              <a:t> substitution Principle (LSP)</a:t>
+            </a:r>
+          </a:p>
+          <a:p>
+            <a:r>
+              <a:rPr lang="en-US" b="1" dirty="0"/>
+              <a:t>I</a:t>
+            </a:r>
+            <a:r>
+              <a:rPr lang="en-US" dirty="0"/>
+              <a:t> - Interface Segregation Principle (ISP)</a:t>
+            </a:r>
+          </a:p>
+          <a:p>
+            <a:r>
+              <a:rPr lang="en-US" b="1" dirty="0"/>
+              <a:t>D</a:t>
+            </a:r>
+            <a:r>
+              <a:rPr lang="en-US" dirty="0"/>
+              <a:t> - Dependency Inversion </a:t>
+            </a:r>
+            <a:r>
+              <a:rPr lang="en-US" dirty="0" err="1"/>
+              <a:t>Princile</a:t>
+            </a:r>
+            <a:r>
+              <a:rPr lang="en-US" dirty="0"/>
+              <a:t> (DIP)</a:t>
+            </a:r>
+          </a:p>
+          <a:p>
+            <a:endParaRPr lang="sk-SK" dirty="0" smtClean="0"/>
+          </a:p>
+          <a:p>
+            <a:endParaRPr lang="sk-SK" dirty="0"/>
           </a:p>
         </p:txBody>
       </p:sp>
     </p:spTree>
+    <p:extLst>
+      <p:ext uri="{BB962C8B-B14F-4D97-AF65-F5344CB8AC3E}">
+        <p14:creationId xmlns:p14="http://schemas.microsoft.com/office/powerpoint/2010/main" val="2049331970"/>
+      </p:ext>
+    </p:extLst>
   </p:cSld>
   <p:clrMapOvr>
     <a:masterClrMapping/>
   </p:clrMapOvr>
-  <p:transition/>
   <p:timing>
     <p:tnLst>
       <p:par>
@@ -12358,16 +8420,24 @@
           <a:lstStyle/>
           <a:p>
             <a:r>
+              <a:rPr lang="en-US" dirty="0"/>
+              <a:t>Single Responsibility Principle (SRP</a:t>
+            </a:r>
+            <a:r>
+              <a:rPr lang="en-US" dirty="0" smtClean="0"/>
+              <a:t>)</a:t>
+            </a:r>
+            <a:r>
               <a:rPr lang="sk-SK" dirty="0" smtClean="0"/>
-              <a:t>Testovateľná architektúra</a:t>
-            </a:r>
-            <a:endParaRPr lang="sk-SK" dirty="0"/>
-          </a:p>
-        </p:txBody>
-      </p:sp>
-      <p:sp>
-        <p:nvSpPr>
-          <p:cNvPr id="3" name="Zástupný symbol obsahu 2"/>
+              <a:t> xxx</a:t>
+            </a:r>
+            <a:endParaRPr lang="en-US" dirty="0"/>
+          </a:p>
+        </p:txBody>
+      </p:sp>
+      <p:sp>
+        <p:nvSpPr>
+          <p:cNvPr id="3" name="Zástupný objekt pre obsah 2"/>
           <p:cNvSpPr>
             <a:spLocks noGrp="1"/>
           </p:cNvSpPr>
@@ -12382,146 +8452,30 @@
           <a:p>
             <a:r>
               <a:rPr lang="sk-SK" dirty="0" smtClean="0"/>
-              <a:t>nie každý softvér sa dá </a:t>
-            </a:r>
-            <a:r>
-              <a:rPr lang="sk-SK" dirty="0" err="1" smtClean="0"/>
-              <a:t>unit</a:t>
+              <a:t>„</a:t>
+            </a:r>
+            <a:r>
+              <a:rPr lang="en-US" dirty="0"/>
+              <a:t>Every software module should have one, and only one reason to change</a:t>
+            </a:r>
+            <a:r>
+              <a:rPr lang="en-US" dirty="0" smtClean="0"/>
+              <a:t>.</a:t>
             </a:r>
             <a:r>
               <a:rPr lang="sk-SK" dirty="0" smtClean="0"/>
-              <a:t> testovať</a:t>
-            </a:r>
-          </a:p>
-          <a:p>
-            <a:pPr lvl="1"/>
-            <a:r>
-              <a:rPr lang="sk-SK" dirty="0" smtClean="0"/>
-              <a:t>previazaná </a:t>
-            </a:r>
-            <a:r>
-              <a:rPr lang="sk-SK" dirty="0" err="1" smtClean="0"/>
-              <a:t>business</a:t>
-            </a:r>
-            <a:r>
-              <a:rPr lang="sk-SK" dirty="0" smtClean="0"/>
-              <a:t> vrstva s prezentačnou</a:t>
-            </a:r>
-          </a:p>
-          <a:p>
-            <a:pPr lvl="1"/>
-            <a:r>
-              <a:rPr lang="sk-SK" dirty="0" smtClean="0"/>
-              <a:t>v </a:t>
-            </a:r>
-            <a:r>
-              <a:rPr lang="sk-SK" dirty="0" err="1" smtClean="0"/>
-              <a:t>business</a:t>
-            </a:r>
-            <a:r>
-              <a:rPr lang="sk-SK" dirty="0" smtClean="0"/>
-              <a:t> vrstve priamo prístup k databáze / web </a:t>
-            </a:r>
-            <a:r>
-              <a:rPr lang="sk-SK" dirty="0" err="1" smtClean="0"/>
-              <a:t>api</a:t>
-            </a:r>
-            <a:r>
-              <a:rPr lang="sk-SK" dirty="0" smtClean="0"/>
-              <a:t> / iné služby </a:t>
-            </a:r>
-          </a:p>
-          <a:p>
-            <a:pPr lvl="1"/>
-            <a:r>
-              <a:rPr lang="sk-SK" dirty="0" smtClean="0"/>
-              <a:t>komplikovaná objektová štruktúra (zložitá dedičnosť)</a:t>
-            </a:r>
-          </a:p>
-          <a:p>
-            <a:pPr lvl="1"/>
-            <a:r>
-              <a:rPr lang="sk-SK" dirty="0" smtClean="0"/>
-              <a:t>veľké závislosti</a:t>
-            </a:r>
-          </a:p>
-          <a:p>
-            <a:r>
-              <a:rPr lang="sk-SK" dirty="0" err="1" smtClean="0"/>
-              <a:t>Loosely</a:t>
-            </a:r>
-            <a:r>
-              <a:rPr lang="sk-SK" dirty="0" smtClean="0"/>
-              <a:t> </a:t>
-            </a:r>
-            <a:r>
-              <a:rPr lang="sk-SK" dirty="0" err="1" smtClean="0"/>
-              <a:t>coupled</a:t>
-            </a:r>
-            <a:endParaRPr lang="sk-SK" dirty="0" smtClean="0"/>
-          </a:p>
-          <a:p>
-            <a:r>
-              <a:rPr lang="sk-SK" dirty="0" smtClean="0"/>
-              <a:t>SOLID </a:t>
-            </a:r>
-            <a:r>
-              <a:rPr lang="sk-SK" dirty="0" err="1" smtClean="0"/>
-              <a:t>principles</a:t>
-            </a:r>
-            <a:endParaRPr lang="sk-SK" dirty="0" smtClean="0"/>
-          </a:p>
-          <a:p>
-            <a:r>
-              <a:rPr lang="sk-SK" dirty="0" err="1" smtClean="0"/>
-              <a:t>Dependecy</a:t>
-            </a:r>
-            <a:r>
-              <a:rPr lang="sk-SK" dirty="0" smtClean="0"/>
-              <a:t> </a:t>
-            </a:r>
-            <a:r>
-              <a:rPr lang="sk-SK" dirty="0" err="1" smtClean="0"/>
-              <a:t>injection</a:t>
-            </a:r>
-            <a:r>
-              <a:rPr lang="sk-SK" dirty="0" smtClean="0"/>
-              <a:t> / IOC</a:t>
-            </a:r>
-          </a:p>
-          <a:p>
-            <a:r>
-              <a:rPr lang="sk-SK" dirty="0" err="1" smtClean="0"/>
-              <a:t>Repository</a:t>
-            </a:r>
-            <a:r>
-              <a:rPr lang="sk-SK" dirty="0" smtClean="0"/>
-              <a:t> </a:t>
-            </a:r>
-            <a:r>
-              <a:rPr lang="sk-SK" dirty="0" err="1" smtClean="0"/>
-              <a:t>pattern</a:t>
-            </a:r>
-            <a:endParaRPr lang="sk-SK" dirty="0" smtClean="0"/>
-          </a:p>
-          <a:p>
-            <a:r>
-              <a:rPr lang="sk-SK" dirty="0" err="1" smtClean="0"/>
-              <a:t>Mock</a:t>
-            </a:r>
-            <a:r>
-              <a:rPr lang="sk-SK" dirty="0" smtClean="0"/>
-              <a:t> </a:t>
-            </a:r>
-            <a:r>
-              <a:rPr lang="sk-SK" dirty="0" err="1" smtClean="0"/>
-              <a:t>frameworks</a:t>
-            </a:r>
-            <a:endParaRPr lang="sk-SK" dirty="0" smtClean="0"/>
+              <a:t>“</a:t>
+            </a:r>
+            <a:endParaRPr lang="sk-SK" dirty="0"/>
           </a:p>
         </p:txBody>
       </p:sp>
     </p:spTree>
+    <p:extLst>
+      <p:ext uri="{BB962C8B-B14F-4D97-AF65-F5344CB8AC3E}">
+        <p14:creationId xmlns:p14="http://schemas.microsoft.com/office/powerpoint/2010/main" val="3695212427"/>
+      </p:ext>
+    </p:extLst>
   </p:cSld>
   <p:clrMapOvr>
     <a:masterClrMapping/>
@@ -12537,19 +8491,8 @@
 </file>
 
 <file path=ppt/slides/slide9.xml><?xml version="1.0" encoding="utf-8"?>
-<p:sld xmlns:a="http://schemas.openxmlformats.org/drawingml/2006/main" xmlns:r="http://schemas.openxmlformats.org/officeDocument/2006/relationships" xmlns:p="http://schemas.openxmlformats.org/presentationml/2006/main" showMasterPhAnim="0">
+<p:sld xmlns:a="http://schemas.openxmlformats.org/drawingml/2006/main" xmlns:r="http://schemas.openxmlformats.org/officeDocument/2006/relationships" xmlns:p="http://schemas.openxmlformats.org/presentationml/2006/main">
   <p:cSld>
-    <p:bg>
-      <p:bgPr>
-        <a:solidFill>
-          <a:schemeClr val="accent2">
-            <a:lumMod val="60000"/>
-            <a:lumOff val="40000"/>
-          </a:schemeClr>
-        </a:solidFill>
-        <a:effectLst/>
-      </p:bgPr>
-    </p:bg>
     <p:spTree>
       <p:nvGrpSpPr>
         <p:cNvPr id="1" name=""/>
@@ -12566,119 +8509,87 @@
       </p:grpSpPr>
       <p:sp>
         <p:nvSpPr>
-          <p:cNvPr id="3" name="Nadpis 1"/>
-          <p:cNvSpPr txBox="1">
-            <a:spLocks/>
-          </p:cNvSpPr>
-          <p:nvPr/>
-        </p:nvSpPr>
-        <p:spPr bwMode="auto">
-          <a:xfrm>
-            <a:off x="514350" y="3066257"/>
-            <a:ext cx="9258300" cy="725487"/>
-          </a:xfrm>
-          <a:prstGeom prst="rect">
-            <a:avLst/>
-          </a:prstGeom>
-          <a:noFill/>
-          <a:ln>
-            <a:noFill/>
-          </a:ln>
-          <a:effectLst/>
-          <a:extLst>
-            <a:ext uri="{909E8E84-426E-40DD-AFC4-6F175D3DCCD1}">
-              <a14:hiddenFill xmlns:a14="http://schemas.microsoft.com/office/drawing/2010/main" xmlns="">
-                <a:solidFill>
-                  <a:schemeClr val="accent1"/>
-                </a:solidFill>
-              </a14:hiddenFill>
-            </a:ext>
-            <a:ext uri="{91240B29-F687-4F45-9708-019B960494DF}">
-              <a14:hiddenLine xmlns:a14="http://schemas.microsoft.com/office/drawing/2010/main" xmlns="" w="9525">
-                <a:solidFill>
-                  <a:schemeClr val="tx1"/>
-                </a:solidFill>
-                <a:miter lim="800000"/>
-                <a:headEnd/>
-                <a:tailEnd/>
-              </a14:hiddenLine>
-            </a:ext>
-            <a:ext uri="{AF507438-7753-43E0-B8FC-AC1667EBCBE1}">
-              <a14:hiddenEffects xmlns:a14="http://schemas.microsoft.com/office/drawing/2010/main" xmlns="">
-                <a:effectLst>
-                  <a:outerShdw dist="35921" dir="2700000" algn="ctr" rotWithShape="0">
-                    <a:schemeClr val="bg2"/>
-                  </a:outerShdw>
-                </a:effectLst>
-              </a14:hiddenEffects>
-            </a:ext>
-          </a:extLst>
-        </p:spPr>
-        <p:txBody>
-          <a:bodyPr vert="horz" wrap="square" lIns="91440" tIns="45720" rIns="91440" bIns="45720" numCol="1" anchor="ctr" anchorCtr="0" compatLnSpc="1">
-            <a:prstTxWarp prst="textNoShape">
-              <a:avLst/>
-            </a:prstTxWarp>
-          </a:bodyPr>
+          <p:cNvPr id="2" name="Nadpis 1"/>
+          <p:cNvSpPr>
+            <a:spLocks noGrp="1"/>
+          </p:cNvSpPr>
+          <p:nvPr>
+            <p:ph type="title"/>
+          </p:nvPr>
+        </p:nvSpPr>
+        <p:spPr/>
+        <p:txBody>
+          <a:bodyPr/>
           <a:lstStyle/>
           <a:p>
-            <a:pPr marL="0" marR="0" lvl="0" indent="0" algn="ctr" defTabSz="914400" rtl="0" eaLnBrk="0" fontAlgn="base" latinLnBrk="0" hangingPunct="0">
-              <a:lnSpc>
-                <a:spcPct val="100000"/>
-              </a:lnSpc>
-              <a:spcBef>
-                <a:spcPct val="0"/>
-              </a:spcBef>
-              <a:spcAft>
-                <a:spcPct val="0"/>
-              </a:spcAft>
-              <a:buClrTx/>
-              <a:buSzTx/>
-              <a:buFontTx/>
-              <a:buNone/>
-              <a:tabLst/>
-              <a:defRPr/>
-            </a:pPr>
-            <a:r>
-              <a:rPr kumimoji="0" lang="sk-SK" sz="9600" b="0" i="0" u="none" strike="noStrike" kern="0" cap="none" spc="0" normalizeH="0" baseline="0" noProof="0" dirty="0" err="1" smtClean="0">
-                <a:ln>
-                  <a:noFill/>
-                </a:ln>
-                <a:solidFill>
-                  <a:schemeClr val="accent3"/>
-                </a:solidFill>
-                <a:effectLst/>
-                <a:uLnTx/>
-                <a:uFillTx/>
-                <a:latin typeface="+mj-lt"/>
-                <a:ea typeface="+mj-ea"/>
-                <a:cs typeface="+mj-cs"/>
-              </a:rPr>
-              <a:t>Demo</a:t>
-            </a:r>
-            <a:endParaRPr kumimoji="0" lang="sk-SK" sz="2800" b="0" i="0" u="none" strike="noStrike" kern="0" cap="none" spc="0" normalizeH="0" baseline="0" noProof="0" dirty="0">
-              <a:ln>
-                <a:noFill/>
-              </a:ln>
-              <a:solidFill>
-                <a:schemeClr val="accent3"/>
-              </a:solidFill>
-              <a:effectLst/>
-              <a:uLnTx/>
-              <a:uFillTx/>
-              <a:latin typeface="+mj-lt"/>
-              <a:ea typeface="+mj-ea"/>
-              <a:cs typeface="+mj-cs"/>
-            </a:endParaRPr>
+            <a:r>
+              <a:rPr lang="en-US" dirty="0"/>
+              <a:t>Open closed Principle (OCP</a:t>
+            </a:r>
+            <a:r>
+              <a:rPr lang="en-US" dirty="0" smtClean="0"/>
+              <a:t>)</a:t>
+            </a:r>
+            <a:r>
+              <a:rPr lang="sk-SK" dirty="0" smtClean="0"/>
+              <a:t> xxx</a:t>
+            </a:r>
+            <a:r>
+              <a:rPr lang="en-US" dirty="0"/>
+              <a:t/>
+            </a:r>
+            <a:br>
+              <a:rPr lang="en-US" dirty="0"/>
+            </a:br>
+            <a:endParaRPr lang="sk-SK" dirty="0"/>
+          </a:p>
+        </p:txBody>
+      </p:sp>
+      <p:sp>
+        <p:nvSpPr>
+          <p:cNvPr id="3" name="Zástupný objekt pre obsah 2"/>
+          <p:cNvSpPr>
+            <a:spLocks noGrp="1"/>
+          </p:cNvSpPr>
+          <p:nvPr>
+            <p:ph idx="1"/>
+          </p:nvPr>
+        </p:nvSpPr>
+        <p:spPr/>
+        <p:txBody>
+          <a:bodyPr/>
+          <a:lstStyle/>
+          <a:p>
+            <a:r>
+              <a:rPr lang="sk-SK" dirty="0" smtClean="0"/>
+              <a:t>„</a:t>
+            </a:r>
+            <a:r>
+              <a:rPr lang="en-US" dirty="0"/>
+              <a:t>A software module/class is open for extension and closed for modification</a:t>
+            </a:r>
+            <a:r>
+              <a:rPr lang="en-US" dirty="0" smtClean="0"/>
+              <a:t>.</a:t>
+            </a:r>
+            <a:r>
+              <a:rPr lang="sk-SK" dirty="0" smtClean="0"/>
+              <a:t>“</a:t>
+            </a:r>
+            <a:endParaRPr lang="sk-SK" dirty="0"/>
           </a:p>
         </p:txBody>
       </p:sp>
     </p:spTree>
+    <p:extLst>
+      <p:ext uri="{BB962C8B-B14F-4D97-AF65-F5344CB8AC3E}">
+        <p14:creationId xmlns:p14="http://schemas.microsoft.com/office/powerpoint/2010/main" val="2923485469"/>
+      </p:ext>
+    </p:extLst>
   </p:cSld>
   <p:clrMapOvr>
     <a:masterClrMapping/>
   </p:clrMapOvr>
-  <p:transition/>
   <p:timing>
     <p:tnLst>
       <p:par>
